--- a/学习笔记/边缘计算/CORD.pptx
+++ b/学习笔记/边缘计算/CORD.pptx
@@ -112,6 +112,11 @@
       </a:defRPr>
     </a:lvl9pPr>
   </p:defaultTextStyle>
+  <p:extLst>
+    <p:ext uri="{EFAFB233-063F-42B5-8137-9DF3F51BA10A}">
+      <p15:sldGuideLst xmlns:p15="http://schemas.microsoft.com/office/powerpoint/2012/main"/>
+    </p:ext>
+  </p:extLst>
 </p:presentation>
 </file>
 
@@ -262,7 +267,7 @@
           <a:p>
             <a:fld id="{2EAD0950-2054-428B-9889-8F686D45EC32}" type="datetimeFigureOut">
               <a:rPr lang="zh-CN" altLang="en-US" smtClean="0"/>
-              <a:t>2020/6/21</a:t>
+              <a:t>2020/6/22</a:t>
             </a:fld>
             <a:endParaRPr lang="zh-CN" altLang="en-US"/>
           </a:p>
@@ -460,7 +465,7 @@
           <a:p>
             <a:fld id="{2EAD0950-2054-428B-9889-8F686D45EC32}" type="datetimeFigureOut">
               <a:rPr lang="zh-CN" altLang="en-US" smtClean="0"/>
-              <a:t>2020/6/21</a:t>
+              <a:t>2020/6/22</a:t>
             </a:fld>
             <a:endParaRPr lang="zh-CN" altLang="en-US"/>
           </a:p>
@@ -668,7 +673,7 @@
           <a:p>
             <a:fld id="{2EAD0950-2054-428B-9889-8F686D45EC32}" type="datetimeFigureOut">
               <a:rPr lang="zh-CN" altLang="en-US" smtClean="0"/>
-              <a:t>2020/6/21</a:t>
+              <a:t>2020/6/22</a:t>
             </a:fld>
             <a:endParaRPr lang="zh-CN" altLang="en-US"/>
           </a:p>
@@ -866,7 +871,7 @@
           <a:p>
             <a:fld id="{2EAD0950-2054-428B-9889-8F686D45EC32}" type="datetimeFigureOut">
               <a:rPr lang="zh-CN" altLang="en-US" smtClean="0"/>
-              <a:t>2020/6/21</a:t>
+              <a:t>2020/6/22</a:t>
             </a:fld>
             <a:endParaRPr lang="zh-CN" altLang="en-US"/>
           </a:p>
@@ -1141,7 +1146,7 @@
           <a:p>
             <a:fld id="{2EAD0950-2054-428B-9889-8F686D45EC32}" type="datetimeFigureOut">
               <a:rPr lang="zh-CN" altLang="en-US" smtClean="0"/>
-              <a:t>2020/6/21</a:t>
+              <a:t>2020/6/22</a:t>
             </a:fld>
             <a:endParaRPr lang="zh-CN" altLang="en-US"/>
           </a:p>
@@ -1406,7 +1411,7 @@
           <a:p>
             <a:fld id="{2EAD0950-2054-428B-9889-8F686D45EC32}" type="datetimeFigureOut">
               <a:rPr lang="zh-CN" altLang="en-US" smtClean="0"/>
-              <a:t>2020/6/21</a:t>
+              <a:t>2020/6/22</a:t>
             </a:fld>
             <a:endParaRPr lang="zh-CN" altLang="en-US"/>
           </a:p>
@@ -1818,7 +1823,7 @@
           <a:p>
             <a:fld id="{2EAD0950-2054-428B-9889-8F686D45EC32}" type="datetimeFigureOut">
               <a:rPr lang="zh-CN" altLang="en-US" smtClean="0"/>
-              <a:t>2020/6/21</a:t>
+              <a:t>2020/6/22</a:t>
             </a:fld>
             <a:endParaRPr lang="zh-CN" altLang="en-US"/>
           </a:p>
@@ -1959,7 +1964,7 @@
           <a:p>
             <a:fld id="{2EAD0950-2054-428B-9889-8F686D45EC32}" type="datetimeFigureOut">
               <a:rPr lang="zh-CN" altLang="en-US" smtClean="0"/>
-              <a:t>2020/6/21</a:t>
+              <a:t>2020/6/22</a:t>
             </a:fld>
             <a:endParaRPr lang="zh-CN" altLang="en-US"/>
           </a:p>
@@ -2072,7 +2077,7 @@
           <a:p>
             <a:fld id="{2EAD0950-2054-428B-9889-8F686D45EC32}" type="datetimeFigureOut">
               <a:rPr lang="zh-CN" altLang="en-US" smtClean="0"/>
-              <a:t>2020/6/21</a:t>
+              <a:t>2020/6/22</a:t>
             </a:fld>
             <a:endParaRPr lang="zh-CN" altLang="en-US"/>
           </a:p>
@@ -2383,7 +2388,7 @@
           <a:p>
             <a:fld id="{2EAD0950-2054-428B-9889-8F686D45EC32}" type="datetimeFigureOut">
               <a:rPr lang="zh-CN" altLang="en-US" smtClean="0"/>
-              <a:t>2020/6/21</a:t>
+              <a:t>2020/6/22</a:t>
             </a:fld>
             <a:endParaRPr lang="zh-CN" altLang="en-US"/>
           </a:p>
@@ -2671,7 +2676,7 @@
           <a:p>
             <a:fld id="{2EAD0950-2054-428B-9889-8F686D45EC32}" type="datetimeFigureOut">
               <a:rPr lang="zh-CN" altLang="en-US" smtClean="0"/>
-              <a:t>2020/6/21</a:t>
+              <a:t>2020/6/22</a:t>
             </a:fld>
             <a:endParaRPr lang="zh-CN" altLang="en-US"/>
           </a:p>
@@ -2912,7 +2917,7 @@
           <a:p>
             <a:fld id="{2EAD0950-2054-428B-9889-8F686D45EC32}" type="datetimeFigureOut">
               <a:rPr lang="zh-CN" altLang="en-US" smtClean="0"/>
-              <a:t>2020/6/21</a:t>
+              <a:t>2020/6/22</a:t>
             </a:fld>
             <a:endParaRPr lang="zh-CN" altLang="en-US"/>
           </a:p>
@@ -4257,9 +4262,16 @@
         <p:spPr/>
         <p:txBody>
           <a:bodyPr>
-            <a:normAutofit fontScale="92500" lnSpcReduction="20000"/>
+            <a:normAutofit fontScale="85000" lnSpcReduction="20000"/>
           </a:bodyPr>
           <a:lstStyle/>
+          <a:p>
+            <a:r>
+              <a:rPr lang="zh-CN" altLang="en-US" dirty="0"/>
+              <a:t>在数据中心虚拟一个运营商机房</a:t>
+            </a:r>
+            <a:endParaRPr lang="en-US" altLang="zh-CN" dirty="0"/>
+          </a:p>
           <a:p>
             <a:r>
               <a:rPr lang="en-US" altLang="zh-CN" dirty="0"/>

--- a/学习笔记/边缘计算/CORD.pptx
+++ b/学习笔记/边缘计算/CORD.pptx
@@ -2,7 +2,7 @@
 <file path=ppt/presentation.xml><?xml version="1.0" encoding="utf-8"?>
 <p:presentation xmlns:a="http://schemas.openxmlformats.org/drawingml/2006/main" xmlns:r="http://schemas.openxmlformats.org/officeDocument/2006/relationships" xmlns:p="http://schemas.openxmlformats.org/presentationml/2006/main" saveSubsetFonts="1">
   <p:sldMasterIdLst>
-    <p:sldMasterId id="2147483648" r:id="rId1"/>
+    <p:sldMasterId id="2147483660" r:id="rId1"/>
   </p:sldMasterIdLst>
   <p:sldIdLst>
     <p:sldId id="256" r:id="rId2"/>
@@ -139,13 +139,7 @@
       </p:grpSpPr>
       <p:sp>
         <p:nvSpPr>
-          <p:cNvPr id="2" name="标题 1">
-            <a:extLst>
-              <a:ext uri="{FF2B5EF4-FFF2-40B4-BE49-F238E27FC236}">
-                <a16:creationId xmlns:a16="http://schemas.microsoft.com/office/drawing/2014/main" id="{8CBC9A67-85A5-4288-8887-91EBF4C4E5C0}"/>
-              </a:ext>
-            </a:extLst>
-          </p:cNvPr>
+          <p:cNvPr id="2" name="标题 1"/>
           <p:cNvSpPr>
             <a:spLocks noGrp="1"/>
           </p:cNvSpPr>
@@ -155,104 +149,106 @@
         </p:nvSpPr>
         <p:spPr>
           <a:xfrm>
-            <a:off x="1524000" y="1122363"/>
-            <a:ext cx="9144000" cy="2387600"/>
+            <a:off x="0" y="2052266"/>
+            <a:ext cx="12192000" cy="1562846"/>
+          </a:xfrm>
+          <a:prstGeom prst="rect">
+            <a:avLst/>
+          </a:prstGeom>
+          <a:solidFill>
+            <a:srgbClr val="02409A"/>
+          </a:solidFill>
+          <a:ln>
+            <a:noFill/>
+          </a:ln>
+          <a:effectLst>
+            <a:outerShdw blurRad="44450" dist="27940" dir="5400000" algn="ctr">
+              <a:srgbClr val="000000">
+                <a:alpha val="32000"/>
+              </a:srgbClr>
+            </a:outerShdw>
+          </a:effectLst>
+        </p:spPr>
+        <p:txBody>
+          <a:bodyPr tIns="0" bIns="0" anchor="ctr"/>
+          <a:lstStyle>
+            <a:lvl1pPr>
+              <a:defRPr lang="zh-CN" altLang="en-US" sz="2400" b="1" dirty="0">
+                <a:solidFill>
+                  <a:prstClr val="white"/>
+                </a:solidFill>
+                <a:effectLst>
+                  <a:outerShdw blurRad="38100" dist="38100" dir="2700000" algn="tl">
+                    <a:srgbClr val="000000">
+                      <a:alpha val="43137"/>
+                    </a:srgbClr>
+                  </a:outerShdw>
+                </a:effectLst>
+                <a:latin typeface="微软雅黑" panose="020B0503020204020204" pitchFamily="34" charset="-122"/>
+                <a:ea typeface="微软雅黑" panose="020B0503020204020204" pitchFamily="34" charset="-122"/>
+                <a:cs typeface="+mn-cs"/>
+              </a:defRPr>
+            </a:lvl1pPr>
+          </a:lstStyle>
+          <a:p>
+            <a:pPr marL="0" lvl="0"/>
+            <a:r>
+              <a:rPr lang="zh-CN" altLang="en-US"/>
+              <a:t>单击此处编辑母版标题样式</a:t>
+            </a:r>
+            <a:endParaRPr lang="zh-CN" altLang="en-US" dirty="0"/>
+          </a:p>
+        </p:txBody>
+      </p:sp>
+      <p:sp>
+        <p:nvSpPr>
+          <p:cNvPr id="3" name="副标题 2"/>
+          <p:cNvSpPr>
+            <a:spLocks noGrp="1"/>
+          </p:cNvSpPr>
+          <p:nvPr>
+            <p:ph type="subTitle" idx="1"/>
+          </p:nvPr>
+        </p:nvSpPr>
+        <p:spPr>
+          <a:xfrm>
+            <a:off x="1828800" y="3886200"/>
+            <a:ext cx="8534400" cy="1752600"/>
           </a:xfrm>
         </p:spPr>
         <p:txBody>
-          <a:bodyPr anchor="b"/>
+          <a:bodyPr vert="horz" lIns="91440" tIns="45720" rIns="91440" bIns="45720" rtlCol="0">
+            <a:normAutofit lnSpcReduction="10000"/>
+          </a:bodyPr>
           <a:lstStyle>
             <a:lvl1pPr algn="ctr">
-              <a:defRPr sz="6000"/>
+              <a:defRPr lang="zh-CN" altLang="en-US" b="1" dirty="0">
+                <a:solidFill>
+                  <a:srgbClr val="0033CC"/>
+                </a:solidFill>
+                <a:latin typeface="楷体" panose="02010609060101010101" pitchFamily="49" charset="-122"/>
+                <a:ea typeface="楷体" panose="02010609060101010101" pitchFamily="49" charset="-122"/>
+              </a:defRPr>
             </a:lvl1pPr>
           </a:lstStyle>
           <a:p>
-            <a:r>
-              <a:rPr lang="zh-CN" altLang="en-US"/>
-              <a:t>单击此处编辑母版标题样式</a:t>
-            </a:r>
-          </a:p>
-        </p:txBody>
-      </p:sp>
-      <p:sp>
-        <p:nvSpPr>
-          <p:cNvPr id="3" name="副标题 2">
-            <a:extLst>
-              <a:ext uri="{FF2B5EF4-FFF2-40B4-BE49-F238E27FC236}">
-                <a16:creationId xmlns:a16="http://schemas.microsoft.com/office/drawing/2014/main" id="{C89B152C-9EB9-45DB-8F33-D7553EB8AD53}"/>
-              </a:ext>
-            </a:extLst>
-          </p:cNvPr>
-          <p:cNvSpPr>
-            <a:spLocks noGrp="1"/>
-          </p:cNvSpPr>
-          <p:nvPr>
-            <p:ph type="subTitle" idx="1"/>
-          </p:nvPr>
-        </p:nvSpPr>
-        <p:spPr>
-          <a:xfrm>
-            <a:off x="1524000" y="3602038"/>
-            <a:ext cx="9144000" cy="1655762"/>
-          </a:xfrm>
-        </p:spPr>
-        <p:txBody>
-          <a:bodyPr/>
-          <a:lstStyle>
-            <a:lvl1pPr marL="0" indent="0" algn="ctr">
+            <a:pPr marL="0" lvl="0" indent="0" algn="ctr">
+              <a:spcAft>
+                <a:spcPts val="2400"/>
+              </a:spcAft>
               <a:buNone/>
-              <a:defRPr sz="2400"/>
-            </a:lvl1pPr>
-            <a:lvl2pPr marL="457200" indent="0" algn="ctr">
-              <a:buNone/>
-              <a:defRPr sz="2000"/>
-            </a:lvl2pPr>
-            <a:lvl3pPr marL="914400" indent="0" algn="ctr">
-              <a:buNone/>
-              <a:defRPr sz="1800"/>
-            </a:lvl3pPr>
-            <a:lvl4pPr marL="1371600" indent="0" algn="ctr">
-              <a:buNone/>
-              <a:defRPr sz="1600"/>
-            </a:lvl4pPr>
-            <a:lvl5pPr marL="1828800" indent="0" algn="ctr">
-              <a:buNone/>
-              <a:defRPr sz="1600"/>
-            </a:lvl5pPr>
-            <a:lvl6pPr marL="2286000" indent="0" algn="ctr">
-              <a:buNone/>
-              <a:defRPr sz="1600"/>
-            </a:lvl6pPr>
-            <a:lvl7pPr marL="2743200" indent="0" algn="ctr">
-              <a:buNone/>
-              <a:defRPr sz="1600"/>
-            </a:lvl7pPr>
-            <a:lvl8pPr marL="3200400" indent="0" algn="ctr">
-              <a:buNone/>
-              <a:defRPr sz="1600"/>
-            </a:lvl8pPr>
-            <a:lvl9pPr marL="3657600" indent="0" algn="ctr">
-              <a:buNone/>
-              <a:defRPr sz="1600"/>
-            </a:lvl9pPr>
-          </a:lstStyle>
-          <a:p>
+            </a:pPr>
             <a:r>
               <a:rPr lang="zh-CN" altLang="en-US"/>
               <a:t>单击此处编辑母版副标题样式</a:t>
             </a:r>
-          </a:p>
-        </p:txBody>
-      </p:sp>
-      <p:sp>
-        <p:nvSpPr>
-          <p:cNvPr id="4" name="日期占位符 3">
-            <a:extLst>
-              <a:ext uri="{FF2B5EF4-FFF2-40B4-BE49-F238E27FC236}">
-                <a16:creationId xmlns:a16="http://schemas.microsoft.com/office/drawing/2014/main" id="{A18E6BCA-E3F5-4F29-893C-4FB57733EC5E}"/>
-              </a:ext>
-            </a:extLst>
-          </p:cNvPr>
+            <a:endParaRPr lang="zh-CN" altLang="en-US" dirty="0"/>
+          </a:p>
+        </p:txBody>
+      </p:sp>
+      <p:sp>
+        <p:nvSpPr>
+          <p:cNvPr id="4" name="日期占位符 3"/>
           <p:cNvSpPr>
             <a:spLocks noGrp="1"/>
           </p:cNvSpPr>
@@ -267,7 +263,7 @@
           <a:p>
             <a:fld id="{2EAD0950-2054-428B-9889-8F686D45EC32}" type="datetimeFigureOut">
               <a:rPr lang="zh-CN" altLang="en-US" smtClean="0"/>
-              <a:t>2020/6/22</a:t>
+              <a:t>2020/6/23</a:t>
             </a:fld>
             <a:endParaRPr lang="zh-CN" altLang="en-US"/>
           </a:p>
@@ -275,13 +271,7 @@
       </p:sp>
       <p:sp>
         <p:nvSpPr>
-          <p:cNvPr id="5" name="页脚占位符 4">
-            <a:extLst>
-              <a:ext uri="{FF2B5EF4-FFF2-40B4-BE49-F238E27FC236}">
-                <a16:creationId xmlns:a16="http://schemas.microsoft.com/office/drawing/2014/main" id="{5C5B25E5-88B6-4C50-9C0C-4AC910F73F09}"/>
-              </a:ext>
-            </a:extLst>
-          </p:cNvPr>
+          <p:cNvPr id="5" name="页脚占位符 4"/>
           <p:cNvSpPr>
             <a:spLocks noGrp="1"/>
           </p:cNvSpPr>
@@ -300,13 +290,7 @@
       </p:sp>
       <p:sp>
         <p:nvSpPr>
-          <p:cNvPr id="6" name="灯片编号占位符 5">
-            <a:extLst>
-              <a:ext uri="{FF2B5EF4-FFF2-40B4-BE49-F238E27FC236}">
-                <a16:creationId xmlns:a16="http://schemas.microsoft.com/office/drawing/2014/main" id="{366AF9B6-40AB-4332-864F-4635AC6DFB34}"/>
-              </a:ext>
-            </a:extLst>
-          </p:cNvPr>
+          <p:cNvPr id="6" name="灯片编号占位符 5"/>
           <p:cNvSpPr>
             <a:spLocks noGrp="1"/>
           </p:cNvSpPr>
@@ -327,10 +311,70 @@
           </a:p>
         </p:txBody>
       </p:sp>
+      <p:pic>
+        <p:nvPicPr>
+          <p:cNvPr id="8" name="Picture 5">
+            <a:extLst>
+              <a:ext uri="{FF2B5EF4-FFF2-40B4-BE49-F238E27FC236}">
+                <a16:creationId xmlns:a16="http://schemas.microsoft.com/office/drawing/2014/main" id="{5C661FD0-60DD-459F-B399-FEA4B9CFB7A6}"/>
+              </a:ext>
+            </a:extLst>
+          </p:cNvPr>
+          <p:cNvPicPr>
+            <a:picLocks noChangeAspect="1" noChangeArrowheads="1"/>
+          </p:cNvPicPr>
+          <p:nvPr/>
+        </p:nvPicPr>
+        <p:blipFill>
+          <a:blip r:embed="rId2" cstate="print">
+            <a:extLst>
+              <a:ext uri="{28A0092B-C50C-407E-A947-70E740481C1C}">
+                <a14:useLocalDpi xmlns:a14="http://schemas.microsoft.com/office/drawing/2010/main" val="0"/>
+              </a:ext>
+            </a:extLst>
+          </a:blip>
+          <a:srcRect/>
+          <a:stretch>
+            <a:fillRect/>
+          </a:stretch>
+        </p:blipFill>
+        <p:spPr bwMode="auto">
+          <a:xfrm>
+            <a:off x="180306" y="355983"/>
+            <a:ext cx="2303462" cy="766762"/>
+          </a:xfrm>
+          <a:prstGeom prst="rect">
+            <a:avLst/>
+          </a:prstGeom>
+          <a:noFill/>
+          <a:ln>
+            <a:noFill/>
+          </a:ln>
+          <a:extLst>
+            <a:ext uri="{909E8E84-426E-40DD-AFC4-6F175D3DCCD1}">
+              <a14:hiddenFill xmlns:a14="http://schemas.microsoft.com/office/drawing/2010/main">
+                <a:solidFill>
+                  <a:srgbClr val="FFFFFF"/>
+                </a:solidFill>
+              </a14:hiddenFill>
+            </a:ext>
+            <a:ext uri="{91240B29-F687-4F45-9708-019B960494DF}">
+              <a14:hiddenLine xmlns:a14="http://schemas.microsoft.com/office/drawing/2010/main" w="9525">
+                <a:solidFill>
+                  <a:srgbClr val="000000"/>
+                </a:solidFill>
+                <a:miter lim="800000"/>
+                <a:headEnd/>
+                <a:tailEnd/>
+              </a14:hiddenLine>
+            </a:ext>
+          </a:extLst>
+        </p:spPr>
+      </p:pic>
     </p:spTree>
     <p:extLst>
       <p:ext uri="{BB962C8B-B14F-4D97-AF65-F5344CB8AC3E}">
-        <p14:creationId xmlns:p14="http://schemas.microsoft.com/office/powerpoint/2010/main" val="943446937"/>
+        <p14:creationId xmlns:p14="http://schemas.microsoft.com/office/powerpoint/2010/main" val="1496890396"/>
       </p:ext>
     </p:extLst>
   </p:cSld>
@@ -341,6 +385,264 @@
 </file>
 
 <file path=ppt/slideLayouts/slideLayout10.xml><?xml version="1.0" encoding="utf-8"?>
+<p:sldLayout xmlns:a="http://schemas.openxmlformats.org/drawingml/2006/main" xmlns:r="http://schemas.openxmlformats.org/officeDocument/2006/relationships" xmlns:p="http://schemas.openxmlformats.org/presentationml/2006/main" type="picTx" preserve="1">
+  <p:cSld name="图片与标题">
+    <p:spTree>
+      <p:nvGrpSpPr>
+        <p:cNvPr id="1" name=""/>
+        <p:cNvGrpSpPr/>
+        <p:nvPr/>
+      </p:nvGrpSpPr>
+      <p:grpSpPr>
+        <a:xfrm>
+          <a:off x="0" y="0"/>
+          <a:ext cx="0" cy="0"/>
+          <a:chOff x="0" y="0"/>
+          <a:chExt cx="0" cy="0"/>
+        </a:xfrm>
+      </p:grpSpPr>
+      <p:sp>
+        <p:nvSpPr>
+          <p:cNvPr id="2" name="标题 1"/>
+          <p:cNvSpPr>
+            <a:spLocks noGrp="1"/>
+          </p:cNvSpPr>
+          <p:nvPr>
+            <p:ph type="title"/>
+          </p:nvPr>
+        </p:nvSpPr>
+        <p:spPr>
+          <a:xfrm>
+            <a:off x="2389717" y="4800600"/>
+            <a:ext cx="7315200" cy="566738"/>
+          </a:xfrm>
+          <a:prstGeom prst="rect">
+            <a:avLst/>
+          </a:prstGeom>
+        </p:spPr>
+        <p:txBody>
+          <a:bodyPr anchor="b"/>
+          <a:lstStyle>
+            <a:lvl1pPr algn="l">
+              <a:defRPr sz="2000" b="1"/>
+            </a:lvl1pPr>
+          </a:lstStyle>
+          <a:p>
+            <a:r>
+              <a:rPr lang="zh-CN" altLang="en-US"/>
+              <a:t>单击此处编辑母版标题样式</a:t>
+            </a:r>
+          </a:p>
+        </p:txBody>
+      </p:sp>
+      <p:sp>
+        <p:nvSpPr>
+          <p:cNvPr id="3" name="图片占位符 2"/>
+          <p:cNvSpPr>
+            <a:spLocks noGrp="1"/>
+          </p:cNvSpPr>
+          <p:nvPr>
+            <p:ph type="pic" idx="1"/>
+          </p:nvPr>
+        </p:nvSpPr>
+        <p:spPr>
+          <a:xfrm>
+            <a:off x="2389717" y="612775"/>
+            <a:ext cx="7315200" cy="4114800"/>
+          </a:xfrm>
+        </p:spPr>
+        <p:txBody>
+          <a:bodyPr/>
+          <a:lstStyle>
+            <a:lvl1pPr marL="0" indent="0">
+              <a:buNone/>
+              <a:defRPr sz="3200"/>
+            </a:lvl1pPr>
+            <a:lvl2pPr marL="457200" indent="0">
+              <a:buNone/>
+              <a:defRPr sz="2800"/>
+            </a:lvl2pPr>
+            <a:lvl3pPr marL="914400" indent="0">
+              <a:buNone/>
+              <a:defRPr sz="2400"/>
+            </a:lvl3pPr>
+            <a:lvl4pPr marL="1371600" indent="0">
+              <a:buNone/>
+              <a:defRPr sz="2000"/>
+            </a:lvl4pPr>
+            <a:lvl5pPr marL="1828800" indent="0">
+              <a:buNone/>
+              <a:defRPr sz="2000"/>
+            </a:lvl5pPr>
+            <a:lvl6pPr marL="2286000" indent="0">
+              <a:buNone/>
+              <a:defRPr sz="2000"/>
+            </a:lvl6pPr>
+            <a:lvl7pPr marL="2743200" indent="0">
+              <a:buNone/>
+              <a:defRPr sz="2000"/>
+            </a:lvl7pPr>
+            <a:lvl8pPr marL="3200400" indent="0">
+              <a:buNone/>
+              <a:defRPr sz="2000"/>
+            </a:lvl8pPr>
+            <a:lvl9pPr marL="3657600" indent="0">
+              <a:buNone/>
+              <a:defRPr sz="2000"/>
+            </a:lvl9pPr>
+          </a:lstStyle>
+          <a:p>
+            <a:r>
+              <a:rPr lang="zh-CN" altLang="en-US"/>
+              <a:t>单击图标添加图片</a:t>
+            </a:r>
+          </a:p>
+        </p:txBody>
+      </p:sp>
+      <p:sp>
+        <p:nvSpPr>
+          <p:cNvPr id="4" name="文本占位符 3"/>
+          <p:cNvSpPr>
+            <a:spLocks noGrp="1"/>
+          </p:cNvSpPr>
+          <p:nvPr>
+            <p:ph type="body" sz="half" idx="2"/>
+          </p:nvPr>
+        </p:nvSpPr>
+        <p:spPr>
+          <a:xfrm>
+            <a:off x="2389717" y="5367338"/>
+            <a:ext cx="7315200" cy="804862"/>
+          </a:xfrm>
+        </p:spPr>
+        <p:txBody>
+          <a:bodyPr/>
+          <a:lstStyle>
+            <a:lvl1pPr marL="0" indent="0">
+              <a:buNone/>
+              <a:defRPr sz="1400"/>
+            </a:lvl1pPr>
+            <a:lvl2pPr marL="457200" indent="0">
+              <a:buNone/>
+              <a:defRPr sz="1200"/>
+            </a:lvl2pPr>
+            <a:lvl3pPr marL="914400" indent="0">
+              <a:buNone/>
+              <a:defRPr sz="1000"/>
+            </a:lvl3pPr>
+            <a:lvl4pPr marL="1371600" indent="0">
+              <a:buNone/>
+              <a:defRPr sz="900"/>
+            </a:lvl4pPr>
+            <a:lvl5pPr marL="1828800" indent="0">
+              <a:buNone/>
+              <a:defRPr sz="900"/>
+            </a:lvl5pPr>
+            <a:lvl6pPr marL="2286000" indent="0">
+              <a:buNone/>
+              <a:defRPr sz="900"/>
+            </a:lvl6pPr>
+            <a:lvl7pPr marL="2743200" indent="0">
+              <a:buNone/>
+              <a:defRPr sz="900"/>
+            </a:lvl7pPr>
+            <a:lvl8pPr marL="3200400" indent="0">
+              <a:buNone/>
+              <a:defRPr sz="900"/>
+            </a:lvl8pPr>
+            <a:lvl9pPr marL="3657600" indent="0">
+              <a:buNone/>
+              <a:defRPr sz="900"/>
+            </a:lvl9pPr>
+          </a:lstStyle>
+          <a:p>
+            <a:pPr lvl="0"/>
+            <a:r>
+              <a:rPr lang="zh-CN" altLang="en-US"/>
+              <a:t>单击此处编辑母版文本样式</a:t>
+            </a:r>
+          </a:p>
+        </p:txBody>
+      </p:sp>
+      <p:sp>
+        <p:nvSpPr>
+          <p:cNvPr id="5" name="日期占位符 4"/>
+          <p:cNvSpPr>
+            <a:spLocks noGrp="1"/>
+          </p:cNvSpPr>
+          <p:nvPr>
+            <p:ph type="dt" sz="half" idx="10"/>
+          </p:nvPr>
+        </p:nvSpPr>
+        <p:spPr/>
+        <p:txBody>
+          <a:bodyPr/>
+          <a:lstStyle/>
+          <a:p>
+            <a:fld id="{2EAD0950-2054-428B-9889-8F686D45EC32}" type="datetimeFigureOut">
+              <a:rPr lang="zh-CN" altLang="en-US" smtClean="0"/>
+              <a:t>2020/6/23</a:t>
+            </a:fld>
+            <a:endParaRPr lang="zh-CN" altLang="en-US"/>
+          </a:p>
+        </p:txBody>
+      </p:sp>
+      <p:sp>
+        <p:nvSpPr>
+          <p:cNvPr id="6" name="页脚占位符 5"/>
+          <p:cNvSpPr>
+            <a:spLocks noGrp="1"/>
+          </p:cNvSpPr>
+          <p:nvPr>
+            <p:ph type="ftr" sz="quarter" idx="11"/>
+          </p:nvPr>
+        </p:nvSpPr>
+        <p:spPr/>
+        <p:txBody>
+          <a:bodyPr/>
+          <a:lstStyle/>
+          <a:p>
+            <a:endParaRPr lang="zh-CN" altLang="en-US"/>
+          </a:p>
+        </p:txBody>
+      </p:sp>
+      <p:sp>
+        <p:nvSpPr>
+          <p:cNvPr id="7" name="灯片编号占位符 6"/>
+          <p:cNvSpPr>
+            <a:spLocks noGrp="1"/>
+          </p:cNvSpPr>
+          <p:nvPr>
+            <p:ph type="sldNum" sz="quarter" idx="12"/>
+          </p:nvPr>
+        </p:nvSpPr>
+        <p:spPr/>
+        <p:txBody>
+          <a:bodyPr/>
+          <a:lstStyle/>
+          <a:p>
+            <a:fld id="{5657022F-552F-4AF8-9C9A-FD683D921B86}" type="slidenum">
+              <a:rPr lang="zh-CN" altLang="en-US" smtClean="0"/>
+              <a:t>‹#›</a:t>
+            </a:fld>
+            <a:endParaRPr lang="zh-CN" altLang="en-US"/>
+          </a:p>
+        </p:txBody>
+      </p:sp>
+    </p:spTree>
+    <p:extLst>
+      <p:ext uri="{BB962C8B-B14F-4D97-AF65-F5344CB8AC3E}">
+        <p14:creationId xmlns:p14="http://schemas.microsoft.com/office/powerpoint/2010/main" val="3963858469"/>
+      </p:ext>
+    </p:extLst>
+  </p:cSld>
+  <p:clrMapOvr>
+    <a:masterClrMapping/>
+  </p:clrMapOvr>
+</p:sldLayout>
+</file>
+
+<file path=ppt/slideLayouts/slideLayout11.xml><?xml version="1.0" encoding="utf-8"?>
 <p:sldLayout xmlns:a="http://schemas.openxmlformats.org/drawingml/2006/main" xmlns:r="http://schemas.openxmlformats.org/officeDocument/2006/relationships" xmlns:p="http://schemas.openxmlformats.org/presentationml/2006/main" type="vertTx" preserve="1">
   <p:cSld name="标题和竖排文字">
     <p:spTree>
@@ -357,20 +659,325 @@
           <a:chExt cx="0" cy="0"/>
         </a:xfrm>
       </p:grpSpPr>
-      <p:sp>
-        <p:nvSpPr>
-          <p:cNvPr id="2" name="标题 1">
+      <p:grpSp>
+        <p:nvGrpSpPr>
+          <p:cNvPr id="7" name="组合 6">
             <a:extLst>
               <a:ext uri="{FF2B5EF4-FFF2-40B4-BE49-F238E27FC236}">
-                <a16:creationId xmlns:a16="http://schemas.microsoft.com/office/drawing/2014/main" id="{874DB05C-307A-4EF0-AB1B-99697B8CF7C4}"/>
+                <a16:creationId xmlns:a16="http://schemas.microsoft.com/office/drawing/2014/main" id="{F4ED3AB4-93C4-4985-9727-B5715F6DCF1B}"/>
               </a:ext>
             </a:extLst>
           </p:cNvPr>
+          <p:cNvGrpSpPr/>
+          <p:nvPr/>
+        </p:nvGrpSpPr>
+        <p:grpSpPr>
+          <a:xfrm>
+            <a:off x="0" y="-24"/>
+            <a:ext cx="12192000" cy="863601"/>
+            <a:chOff x="0" y="-26988"/>
+            <a:chExt cx="9144000" cy="863601"/>
+          </a:xfrm>
+        </p:grpSpPr>
+        <p:sp>
+          <p:nvSpPr>
+            <p:cNvPr id="8" name="标题 3">
+              <a:extLst>
+                <a:ext uri="{FF2B5EF4-FFF2-40B4-BE49-F238E27FC236}">
+                  <a16:creationId xmlns:a16="http://schemas.microsoft.com/office/drawing/2014/main" id="{E5772554-358F-47C0-96CC-C9A515D842CA}"/>
+                </a:ext>
+              </a:extLst>
+            </p:cNvPr>
+            <p:cNvSpPr txBox="1">
+              <a:spLocks/>
+            </p:cNvSpPr>
+            <p:nvPr/>
+          </p:nvSpPr>
+          <p:spPr>
+            <a:xfrm>
+              <a:off x="0" y="-26988"/>
+              <a:ext cx="9144000" cy="863601"/>
+            </a:xfrm>
+            <a:prstGeom prst="rect">
+              <a:avLst/>
+            </a:prstGeom>
+            <a:solidFill>
+              <a:srgbClr val="02409A"/>
+            </a:solidFill>
+            <a:ln>
+              <a:noFill/>
+            </a:ln>
+            <a:effectLst/>
+          </p:spPr>
+          <p:txBody>
+            <a:bodyPr tIns="0" bIns="0" anchor="ctr"/>
+            <a:lstStyle/>
+            <a:p>
+              <a:pPr algn="ctr">
+                <a:spcBef>
+                  <a:spcPct val="0"/>
+                </a:spcBef>
+                <a:defRPr/>
+              </a:pPr>
+              <a:endParaRPr lang="zh-CN" altLang="en-US" sz="4800" b="1" dirty="0">
+                <a:solidFill>
+                  <a:prstClr val="white"/>
+                </a:solidFill>
+                <a:latin typeface="微软雅黑" pitchFamily="34" charset="-122"/>
+                <a:ea typeface="微软雅黑" pitchFamily="34" charset="-122"/>
+              </a:endParaRPr>
+            </a:p>
+          </p:txBody>
+        </p:sp>
+        <p:cxnSp>
+          <p:nvCxnSpPr>
+            <p:cNvPr id="9" name="直接连接符 19">
+              <a:extLst>
+                <a:ext uri="{FF2B5EF4-FFF2-40B4-BE49-F238E27FC236}">
+                  <a16:creationId xmlns:a16="http://schemas.microsoft.com/office/drawing/2014/main" id="{952489E2-6397-44CE-8691-C678D691008E}"/>
+                </a:ext>
+              </a:extLst>
+            </p:cNvPr>
+            <p:cNvCxnSpPr>
+              <a:cxnSpLocks/>
+            </p:cNvCxnSpPr>
+            <p:nvPr/>
+          </p:nvCxnSpPr>
+          <p:spPr bwMode="auto">
+            <a:xfrm flipH="1">
+              <a:off x="449263" y="-25400"/>
+              <a:ext cx="1587" cy="841375"/>
+            </a:xfrm>
+            <a:prstGeom prst="line">
+              <a:avLst/>
+            </a:prstGeom>
+            <a:noFill/>
+            <a:ln w="28575" algn="ctr">
+              <a:solidFill>
+                <a:schemeClr val="bg1"/>
+              </a:solidFill>
+              <a:round/>
+              <a:headEnd/>
+              <a:tailEnd/>
+            </a:ln>
+            <a:effectLst/>
+            <a:extLst>
+              <a:ext uri="{909E8E84-426E-40DD-AFC4-6F175D3DCCD1}">
+                <a14:hiddenFill xmlns:a14="http://schemas.microsoft.com/office/drawing/2010/main">
+                  <a:noFill/>
+                </a14:hiddenFill>
+              </a:ext>
+            </a:extLst>
+          </p:spPr>
+        </p:cxnSp>
+        <p:cxnSp>
+          <p:nvCxnSpPr>
+            <p:cNvPr id="10" name="直接连接符 20">
+              <a:extLst>
+                <a:ext uri="{FF2B5EF4-FFF2-40B4-BE49-F238E27FC236}">
+                  <a16:creationId xmlns:a16="http://schemas.microsoft.com/office/drawing/2014/main" id="{448BAFAA-2692-4D2E-8630-5C30F4E8521F}"/>
+                </a:ext>
+              </a:extLst>
+            </p:cNvPr>
+            <p:cNvCxnSpPr>
+              <a:cxnSpLocks/>
+            </p:cNvCxnSpPr>
+            <p:nvPr/>
+          </p:nvCxnSpPr>
+          <p:spPr bwMode="auto">
+            <a:xfrm flipH="1">
+              <a:off x="511175" y="-26988"/>
+              <a:ext cx="1588" cy="554038"/>
+            </a:xfrm>
+            <a:prstGeom prst="line">
+              <a:avLst/>
+            </a:prstGeom>
+            <a:noFill/>
+            <a:ln w="28575" algn="ctr">
+              <a:solidFill>
+                <a:schemeClr val="bg1"/>
+              </a:solidFill>
+              <a:round/>
+              <a:headEnd/>
+              <a:tailEnd/>
+            </a:ln>
+            <a:effectLst/>
+            <a:extLst>
+              <a:ext uri="{909E8E84-426E-40DD-AFC4-6F175D3DCCD1}">
+                <a14:hiddenFill xmlns:a14="http://schemas.microsoft.com/office/drawing/2010/main">
+                  <a:noFill/>
+                </a14:hiddenFill>
+              </a:ext>
+            </a:extLst>
+          </p:spPr>
+        </p:cxnSp>
+        <p:cxnSp>
+          <p:nvCxnSpPr>
+            <p:cNvPr id="11" name="直接连接符 30">
+              <a:extLst>
+                <a:ext uri="{FF2B5EF4-FFF2-40B4-BE49-F238E27FC236}">
+                  <a16:creationId xmlns:a16="http://schemas.microsoft.com/office/drawing/2014/main" id="{25D89B58-495A-43A7-92C0-BF27541BD2AB}"/>
+                </a:ext>
+              </a:extLst>
+            </p:cNvPr>
+            <p:cNvCxnSpPr>
+              <a:cxnSpLocks/>
+            </p:cNvCxnSpPr>
+            <p:nvPr/>
+          </p:nvCxnSpPr>
+          <p:spPr bwMode="auto">
+            <a:xfrm>
+              <a:off x="576263" y="-26988"/>
+              <a:ext cx="0" cy="298451"/>
+            </a:xfrm>
+            <a:prstGeom prst="line">
+              <a:avLst/>
+            </a:prstGeom>
+            <a:noFill/>
+            <a:ln w="28575" algn="ctr">
+              <a:solidFill>
+                <a:schemeClr val="bg1"/>
+              </a:solidFill>
+              <a:round/>
+              <a:headEnd/>
+              <a:tailEnd/>
+            </a:ln>
+            <a:effectLst/>
+            <a:extLst>
+              <a:ext uri="{909E8E84-426E-40DD-AFC4-6F175D3DCCD1}">
+                <a14:hiddenFill xmlns:a14="http://schemas.microsoft.com/office/drawing/2010/main">
+                  <a:noFill/>
+                </a14:hiddenFill>
+              </a:ext>
+            </a:extLst>
+          </p:spPr>
+        </p:cxnSp>
+      </p:grpSp>
+      <p:sp>
+        <p:nvSpPr>
+          <p:cNvPr id="2" name="标题 1"/>
           <p:cNvSpPr>
             <a:spLocks noGrp="1"/>
           </p:cNvSpPr>
           <p:nvPr>
             <p:ph type="title"/>
+          </p:nvPr>
+        </p:nvSpPr>
+        <p:spPr>
+          <a:xfrm>
+            <a:off x="829733" y="169838"/>
+            <a:ext cx="11118683" cy="554038"/>
+          </a:xfrm>
+          <a:prstGeom prst="rect">
+            <a:avLst/>
+          </a:prstGeom>
+        </p:spPr>
+        <p:txBody>
+          <a:bodyPr vert="horz" lIns="91440" tIns="45720" rIns="91440" bIns="45720" rtlCol="0" anchor="ctr">
+            <a:normAutofit/>
+          </a:bodyPr>
+          <a:lstStyle>
+            <a:lvl1pPr>
+              <a:defRPr lang="zh-CN" altLang="en-US" sz="3000" b="1" dirty="0">
+                <a:solidFill>
+                  <a:prstClr val="white"/>
+                </a:solidFill>
+                <a:latin typeface="微软雅黑" panose="020B0503020204020204" pitchFamily="34" charset="-122"/>
+                <a:ea typeface="微软雅黑" panose="020B0503020204020204" pitchFamily="34" charset="-122"/>
+                <a:cs typeface="Arial" pitchFamily="34" charset="0"/>
+              </a:defRPr>
+            </a:lvl1pPr>
+          </a:lstStyle>
+          <a:p>
+            <a:pPr marL="0" lvl="0" algn="l" fontAlgn="base">
+              <a:spcAft>
+                <a:spcPct val="0"/>
+              </a:spcAft>
+            </a:pPr>
+            <a:r>
+              <a:rPr lang="zh-CN" altLang="en-US"/>
+              <a:t>单击此处编辑母版标题样式</a:t>
+            </a:r>
+            <a:endParaRPr lang="zh-CN" altLang="en-US" dirty="0"/>
+          </a:p>
+        </p:txBody>
+      </p:sp>
+      <p:sp>
+        <p:nvSpPr>
+          <p:cNvPr id="3" name="竖排文字占位符 2"/>
+          <p:cNvSpPr>
+            <a:spLocks noGrp="1"/>
+          </p:cNvSpPr>
+          <p:nvPr>
+            <p:ph type="body" orient="vert" idx="1"/>
+          </p:nvPr>
+        </p:nvSpPr>
+        <p:spPr>
+          <a:xfrm>
+            <a:off x="609600" y="1033440"/>
+            <a:ext cx="10972800" cy="5092724"/>
+          </a:xfrm>
+        </p:spPr>
+        <p:txBody>
+          <a:bodyPr vert="eaVert"/>
+          <a:lstStyle>
+            <a:lvl1pPr marL="342900" indent="-342900">
+              <a:buFont typeface="Wingdings" panose="05000000000000000000" pitchFamily="2" charset="2"/>
+              <a:buChar char="Ø"/>
+              <a:defRPr/>
+            </a:lvl1pPr>
+            <a:lvl2pPr marL="742950" indent="-285750">
+              <a:buFont typeface="Wingdings" panose="05000000000000000000" pitchFamily="2" charset="2"/>
+              <a:buChar char="n"/>
+              <a:defRPr/>
+            </a:lvl2pPr>
+          </a:lstStyle>
+          <a:p>
+            <a:pPr lvl="0"/>
+            <a:r>
+              <a:rPr lang="zh-CN" altLang="en-US"/>
+              <a:t>单击此处编辑母版文本样式</a:t>
+            </a:r>
+          </a:p>
+          <a:p>
+            <a:pPr lvl="1"/>
+            <a:r>
+              <a:rPr lang="zh-CN" altLang="en-US"/>
+              <a:t>二级</a:t>
+            </a:r>
+          </a:p>
+          <a:p>
+            <a:pPr lvl="2"/>
+            <a:r>
+              <a:rPr lang="zh-CN" altLang="en-US"/>
+              <a:t>三级</a:t>
+            </a:r>
+          </a:p>
+          <a:p>
+            <a:pPr lvl="3"/>
+            <a:r>
+              <a:rPr lang="zh-CN" altLang="en-US"/>
+              <a:t>四级</a:t>
+            </a:r>
+          </a:p>
+          <a:p>
+            <a:pPr lvl="4"/>
+            <a:r>
+              <a:rPr lang="zh-CN" altLang="en-US"/>
+              <a:t>五级</a:t>
+            </a:r>
+            <a:endParaRPr lang="zh-CN" altLang="en-US" dirty="0"/>
+          </a:p>
+        </p:txBody>
+      </p:sp>
+      <p:sp>
+        <p:nvSpPr>
+          <p:cNvPr id="4" name="日期占位符 3"/>
+          <p:cNvSpPr>
+            <a:spLocks noGrp="1"/>
+          </p:cNvSpPr>
+          <p:nvPr>
+            <p:ph type="dt" sz="half" idx="10"/>
           </p:nvPr>
         </p:nvSpPr>
         <p:spPr/>
@@ -378,84 +985,22 @@
           <a:bodyPr/>
           <a:lstStyle/>
           <a:p>
-            <a:r>
-              <a:rPr lang="zh-CN" altLang="en-US"/>
-              <a:t>单击此处编辑母版标题样式</a:t>
-            </a:r>
-          </a:p>
-        </p:txBody>
-      </p:sp>
-      <p:sp>
-        <p:nvSpPr>
-          <p:cNvPr id="3" name="竖排文字占位符 2">
-            <a:extLst>
-              <a:ext uri="{FF2B5EF4-FFF2-40B4-BE49-F238E27FC236}">
-                <a16:creationId xmlns:a16="http://schemas.microsoft.com/office/drawing/2014/main" id="{26318157-394C-4E53-8A52-D6F0227C40CE}"/>
-              </a:ext>
-            </a:extLst>
-          </p:cNvPr>
-          <p:cNvSpPr>
-            <a:spLocks noGrp="1"/>
-          </p:cNvSpPr>
-          <p:nvPr>
-            <p:ph type="body" orient="vert" idx="1"/>
-          </p:nvPr>
-        </p:nvSpPr>
-        <p:spPr/>
-        <p:txBody>
-          <a:bodyPr vert="eaVert"/>
-          <a:lstStyle/>
-          <a:p>
-            <a:pPr lvl="0"/>
-            <a:r>
-              <a:rPr lang="zh-CN" altLang="en-US"/>
-              <a:t>单击此处编辑母版文本样式</a:t>
-            </a:r>
-          </a:p>
-          <a:p>
-            <a:pPr lvl="1"/>
-            <a:r>
-              <a:rPr lang="zh-CN" altLang="en-US"/>
-              <a:t>二级</a:t>
-            </a:r>
-          </a:p>
-          <a:p>
-            <a:pPr lvl="2"/>
-            <a:r>
-              <a:rPr lang="zh-CN" altLang="en-US"/>
-              <a:t>三级</a:t>
-            </a:r>
-          </a:p>
-          <a:p>
-            <a:pPr lvl="3"/>
-            <a:r>
-              <a:rPr lang="zh-CN" altLang="en-US"/>
-              <a:t>四级</a:t>
-            </a:r>
-          </a:p>
-          <a:p>
-            <a:pPr lvl="4"/>
-            <a:r>
-              <a:rPr lang="zh-CN" altLang="en-US"/>
-              <a:t>五级</a:t>
-            </a:r>
-          </a:p>
-        </p:txBody>
-      </p:sp>
-      <p:sp>
-        <p:nvSpPr>
-          <p:cNvPr id="4" name="日期占位符 3">
-            <a:extLst>
-              <a:ext uri="{FF2B5EF4-FFF2-40B4-BE49-F238E27FC236}">
-                <a16:creationId xmlns:a16="http://schemas.microsoft.com/office/drawing/2014/main" id="{30D2E82F-E39E-479A-AE51-1B1840436233}"/>
-              </a:ext>
-            </a:extLst>
-          </p:cNvPr>
-          <p:cNvSpPr>
-            <a:spLocks noGrp="1"/>
-          </p:cNvSpPr>
-          <p:nvPr>
-            <p:ph type="dt" sz="half" idx="10"/>
+            <a:fld id="{2EAD0950-2054-428B-9889-8F686D45EC32}" type="datetimeFigureOut">
+              <a:rPr lang="zh-CN" altLang="en-US" smtClean="0"/>
+              <a:t>2020/6/23</a:t>
+            </a:fld>
+            <a:endParaRPr lang="zh-CN" altLang="en-US"/>
+          </a:p>
+        </p:txBody>
+      </p:sp>
+      <p:sp>
+        <p:nvSpPr>
+          <p:cNvPr id="5" name="页脚占位符 4"/>
+          <p:cNvSpPr>
+            <a:spLocks noGrp="1"/>
+          </p:cNvSpPr>
+          <p:nvPr>
+            <p:ph type="ftr" sz="quarter" idx="11"/>
           </p:nvPr>
         </p:nvSpPr>
         <p:spPr/>
@@ -463,48 +1008,13 @@
           <a:bodyPr/>
           <a:lstStyle/>
           <a:p>
-            <a:fld id="{2EAD0950-2054-428B-9889-8F686D45EC32}" type="datetimeFigureOut">
-              <a:rPr lang="zh-CN" altLang="en-US" smtClean="0"/>
-              <a:t>2020/6/22</a:t>
-            </a:fld>
             <a:endParaRPr lang="zh-CN" altLang="en-US"/>
           </a:p>
         </p:txBody>
       </p:sp>
       <p:sp>
         <p:nvSpPr>
-          <p:cNvPr id="5" name="页脚占位符 4">
-            <a:extLst>
-              <a:ext uri="{FF2B5EF4-FFF2-40B4-BE49-F238E27FC236}">
-                <a16:creationId xmlns:a16="http://schemas.microsoft.com/office/drawing/2014/main" id="{23D6C6F2-C1F6-4FC9-8376-C74097A8AFFA}"/>
-              </a:ext>
-            </a:extLst>
-          </p:cNvPr>
-          <p:cNvSpPr>
-            <a:spLocks noGrp="1"/>
-          </p:cNvSpPr>
-          <p:nvPr>
-            <p:ph type="ftr" sz="quarter" idx="11"/>
-          </p:nvPr>
-        </p:nvSpPr>
-        <p:spPr/>
-        <p:txBody>
-          <a:bodyPr/>
-          <a:lstStyle/>
-          <a:p>
-            <a:endParaRPr lang="zh-CN" altLang="en-US"/>
-          </a:p>
-        </p:txBody>
-      </p:sp>
-      <p:sp>
-        <p:nvSpPr>
-          <p:cNvPr id="6" name="灯片编号占位符 5">
-            <a:extLst>
-              <a:ext uri="{FF2B5EF4-FFF2-40B4-BE49-F238E27FC236}">
-                <a16:creationId xmlns:a16="http://schemas.microsoft.com/office/drawing/2014/main" id="{6A1DABAB-8FFD-4F35-A5FF-9C6A9DD705AD}"/>
-              </a:ext>
-            </a:extLst>
-          </p:cNvPr>
+          <p:cNvPr id="6" name="灯片编号占位符 5"/>
           <p:cNvSpPr>
             <a:spLocks noGrp="1"/>
           </p:cNvSpPr>
@@ -528,7 +1038,7 @@
     </p:spTree>
     <p:extLst>
       <p:ext uri="{BB962C8B-B14F-4D97-AF65-F5344CB8AC3E}">
-        <p14:creationId xmlns:p14="http://schemas.microsoft.com/office/powerpoint/2010/main" val="2150535229"/>
+        <p14:creationId xmlns:p14="http://schemas.microsoft.com/office/powerpoint/2010/main" val="1911334878"/>
       </p:ext>
     </p:extLst>
   </p:cSld>
@@ -538,9 +1048,9 @@
 </p:sldLayout>
 </file>
 
-<file path=ppt/slideLayouts/slideLayout11.xml><?xml version="1.0" encoding="utf-8"?>
+<file path=ppt/slideLayouts/slideLayout12.xml><?xml version="1.0" encoding="utf-8"?>
 <p:sldLayout xmlns:a="http://schemas.openxmlformats.org/drawingml/2006/main" xmlns:r="http://schemas.openxmlformats.org/officeDocument/2006/relationships" xmlns:p="http://schemas.openxmlformats.org/presentationml/2006/main" type="vertTitleAndTx" preserve="1">
-  <p:cSld name="竖排标题与文本">
+  <p:cSld name="垂直排列标题与文本">
     <p:spTree>
       <p:nvGrpSpPr>
         <p:cNvPr id="1" name=""/>
@@ -555,15 +1065,203 @@
           <a:chExt cx="0" cy="0"/>
         </a:xfrm>
       </p:grpSpPr>
-      <p:sp>
-        <p:nvSpPr>
-          <p:cNvPr id="2" name="竖排标题 1">
+      <p:grpSp>
+        <p:nvGrpSpPr>
+          <p:cNvPr id="12" name="组合 11">
             <a:extLst>
               <a:ext uri="{FF2B5EF4-FFF2-40B4-BE49-F238E27FC236}">
-                <a16:creationId xmlns:a16="http://schemas.microsoft.com/office/drawing/2014/main" id="{57CB55EC-2D34-40FE-B379-7C22492AEF5C}"/>
+                <a16:creationId xmlns:a16="http://schemas.microsoft.com/office/drawing/2014/main" id="{1DFD6234-749D-4F0C-9C2C-F3E5A01C882A}"/>
               </a:ext>
             </a:extLst>
           </p:cNvPr>
+          <p:cNvGrpSpPr/>
+          <p:nvPr/>
+        </p:nvGrpSpPr>
+        <p:grpSpPr>
+          <a:xfrm rot="5400000">
+            <a:off x="8187268" y="2853269"/>
+            <a:ext cx="6858001" cy="1151468"/>
+            <a:chOff x="1" y="-26988"/>
+            <a:chExt cx="6858001" cy="863601"/>
+          </a:xfrm>
+        </p:grpSpPr>
+        <p:sp>
+          <p:nvSpPr>
+            <p:cNvPr id="13" name="标题 3">
+              <a:extLst>
+                <a:ext uri="{FF2B5EF4-FFF2-40B4-BE49-F238E27FC236}">
+                  <a16:creationId xmlns:a16="http://schemas.microsoft.com/office/drawing/2014/main" id="{574037EC-6187-49F8-9EE1-3DD7CCA0BB04}"/>
+                </a:ext>
+              </a:extLst>
+            </p:cNvPr>
+            <p:cNvSpPr txBox="1">
+              <a:spLocks/>
+            </p:cNvSpPr>
+            <p:nvPr/>
+          </p:nvSpPr>
+          <p:spPr>
+            <a:xfrm>
+              <a:off x="1" y="-26988"/>
+              <a:ext cx="6858001" cy="863601"/>
+            </a:xfrm>
+            <a:prstGeom prst="rect">
+              <a:avLst/>
+            </a:prstGeom>
+            <a:solidFill>
+              <a:srgbClr val="02409A"/>
+            </a:solidFill>
+            <a:ln>
+              <a:noFill/>
+            </a:ln>
+            <a:effectLst/>
+          </p:spPr>
+          <p:txBody>
+            <a:bodyPr tIns="0" bIns="0" anchor="ctr"/>
+            <a:lstStyle/>
+            <a:p>
+              <a:pPr algn="ctr">
+                <a:spcBef>
+                  <a:spcPct val="0"/>
+                </a:spcBef>
+                <a:defRPr/>
+              </a:pPr>
+              <a:endParaRPr lang="zh-CN" altLang="en-US" sz="4800" b="1" dirty="0">
+                <a:solidFill>
+                  <a:prstClr val="white"/>
+                </a:solidFill>
+                <a:latin typeface="微软雅黑" pitchFamily="34" charset="-122"/>
+                <a:ea typeface="微软雅黑" pitchFamily="34" charset="-122"/>
+              </a:endParaRPr>
+            </a:p>
+          </p:txBody>
+        </p:sp>
+        <p:cxnSp>
+          <p:nvCxnSpPr>
+            <p:cNvPr id="14" name="直接连接符 19">
+              <a:extLst>
+                <a:ext uri="{FF2B5EF4-FFF2-40B4-BE49-F238E27FC236}">
+                  <a16:creationId xmlns:a16="http://schemas.microsoft.com/office/drawing/2014/main" id="{9017F2ED-EF73-4A0D-B8D3-D9B77AA1798B}"/>
+                </a:ext>
+              </a:extLst>
+            </p:cNvPr>
+            <p:cNvCxnSpPr>
+              <a:cxnSpLocks/>
+            </p:cNvCxnSpPr>
+            <p:nvPr/>
+          </p:nvCxnSpPr>
+          <p:spPr bwMode="auto">
+            <a:xfrm flipH="1">
+              <a:off x="449263" y="-25400"/>
+              <a:ext cx="1587" cy="841375"/>
+            </a:xfrm>
+            <a:prstGeom prst="line">
+              <a:avLst/>
+            </a:prstGeom>
+            <a:noFill/>
+            <a:ln w="28575" algn="ctr">
+              <a:solidFill>
+                <a:schemeClr val="bg1"/>
+              </a:solidFill>
+              <a:round/>
+              <a:headEnd/>
+              <a:tailEnd/>
+            </a:ln>
+            <a:effectLst/>
+            <a:extLst>
+              <a:ext uri="{909E8E84-426E-40DD-AFC4-6F175D3DCCD1}">
+                <a14:hiddenFill xmlns:a14="http://schemas.microsoft.com/office/drawing/2010/main">
+                  <a:noFill/>
+                </a14:hiddenFill>
+              </a:ext>
+            </a:extLst>
+          </p:spPr>
+        </p:cxnSp>
+        <p:cxnSp>
+          <p:nvCxnSpPr>
+            <p:cNvPr id="15" name="直接连接符 20">
+              <a:extLst>
+                <a:ext uri="{FF2B5EF4-FFF2-40B4-BE49-F238E27FC236}">
+                  <a16:creationId xmlns:a16="http://schemas.microsoft.com/office/drawing/2014/main" id="{45E0181A-AEEC-41B7-980F-4C1E8F2CEA01}"/>
+                </a:ext>
+              </a:extLst>
+            </p:cNvPr>
+            <p:cNvCxnSpPr>
+              <a:cxnSpLocks/>
+            </p:cNvCxnSpPr>
+            <p:nvPr/>
+          </p:nvCxnSpPr>
+          <p:spPr bwMode="auto">
+            <a:xfrm flipH="1">
+              <a:off x="511175" y="-26988"/>
+              <a:ext cx="1588" cy="554038"/>
+            </a:xfrm>
+            <a:prstGeom prst="line">
+              <a:avLst/>
+            </a:prstGeom>
+            <a:noFill/>
+            <a:ln w="28575" algn="ctr">
+              <a:solidFill>
+                <a:schemeClr val="bg1"/>
+              </a:solidFill>
+              <a:round/>
+              <a:headEnd/>
+              <a:tailEnd/>
+            </a:ln>
+            <a:effectLst/>
+            <a:extLst>
+              <a:ext uri="{909E8E84-426E-40DD-AFC4-6F175D3DCCD1}">
+                <a14:hiddenFill xmlns:a14="http://schemas.microsoft.com/office/drawing/2010/main">
+                  <a:noFill/>
+                </a14:hiddenFill>
+              </a:ext>
+            </a:extLst>
+          </p:spPr>
+        </p:cxnSp>
+        <p:cxnSp>
+          <p:nvCxnSpPr>
+            <p:cNvPr id="16" name="直接连接符 30">
+              <a:extLst>
+                <a:ext uri="{FF2B5EF4-FFF2-40B4-BE49-F238E27FC236}">
+                  <a16:creationId xmlns:a16="http://schemas.microsoft.com/office/drawing/2014/main" id="{385AB42A-FEB5-4E5C-A393-4C51D819CE7E}"/>
+                </a:ext>
+              </a:extLst>
+            </p:cNvPr>
+            <p:cNvCxnSpPr>
+              <a:cxnSpLocks/>
+            </p:cNvCxnSpPr>
+            <p:nvPr/>
+          </p:nvCxnSpPr>
+          <p:spPr bwMode="auto">
+            <a:xfrm>
+              <a:off x="576263" y="-26988"/>
+              <a:ext cx="0" cy="298451"/>
+            </a:xfrm>
+            <a:prstGeom prst="line">
+              <a:avLst/>
+            </a:prstGeom>
+            <a:noFill/>
+            <a:ln w="28575" algn="ctr">
+              <a:solidFill>
+                <a:schemeClr val="bg1"/>
+              </a:solidFill>
+              <a:round/>
+              <a:headEnd/>
+              <a:tailEnd/>
+            </a:ln>
+            <a:effectLst/>
+            <a:extLst>
+              <a:ext uri="{909E8E84-426E-40DD-AFC4-6F175D3DCCD1}">
+                <a14:hiddenFill xmlns:a14="http://schemas.microsoft.com/office/drawing/2010/main">
+                  <a:noFill/>
+                </a14:hiddenFill>
+              </a:ext>
+            </a:extLst>
+          </p:spPr>
+        </p:cxnSp>
+      </p:grpSp>
+      <p:sp>
+        <p:nvSpPr>
+          <p:cNvPr id="2" name="竖排标题 1"/>
           <p:cNvSpPr>
             <a:spLocks noGrp="1"/>
           </p:cNvSpPr>
@@ -573,46 +1271,73 @@
         </p:nvSpPr>
         <p:spPr>
           <a:xfrm>
-            <a:off x="8724900" y="365125"/>
-            <a:ext cx="2628900" cy="5811838"/>
+            <a:off x="11226803" y="622301"/>
+            <a:ext cx="738717" cy="5499098"/>
+          </a:xfrm>
+          <a:prstGeom prst="rect">
+            <a:avLst/>
+          </a:prstGeom>
+        </p:spPr>
+        <p:txBody>
+          <a:bodyPr vert="horz" lIns="91440" tIns="45720" rIns="91440" bIns="45720" rtlCol="0" anchor="ctr">
+            <a:normAutofit/>
+          </a:bodyPr>
+          <a:lstStyle>
+            <a:lvl1pPr>
+              <a:defRPr lang="zh-CN" altLang="en-US" sz="3000" b="1">
+                <a:solidFill>
+                  <a:prstClr val="white"/>
+                </a:solidFill>
+                <a:latin typeface="微软雅黑" panose="020B0503020204020204" pitchFamily="34" charset="-122"/>
+                <a:ea typeface="微软雅黑" panose="020B0503020204020204" pitchFamily="34" charset="-122"/>
+                <a:cs typeface="Arial" pitchFamily="34" charset="0"/>
+              </a:defRPr>
+            </a:lvl1pPr>
+          </a:lstStyle>
+          <a:p>
+            <a:pPr marL="0" lvl="0" algn="l" fontAlgn="base">
+              <a:spcAft>
+                <a:spcPct val="0"/>
+              </a:spcAft>
+            </a:pPr>
+            <a:r>
+              <a:rPr lang="zh-CN" altLang="en-US"/>
+              <a:t>单击此处编辑母版标题样式</a:t>
+            </a:r>
+            <a:endParaRPr lang="zh-CN" altLang="en-US" dirty="0"/>
+          </a:p>
+        </p:txBody>
+      </p:sp>
+      <p:sp>
+        <p:nvSpPr>
+          <p:cNvPr id="3" name="竖排文字占位符 2"/>
+          <p:cNvSpPr>
+            <a:spLocks noGrp="1"/>
+          </p:cNvSpPr>
+          <p:nvPr>
+            <p:ph type="body" orient="vert" idx="1"/>
+          </p:nvPr>
+        </p:nvSpPr>
+        <p:spPr>
+          <a:xfrm>
+            <a:off x="609599" y="274639"/>
+            <a:ext cx="10231971" cy="5851525"/>
           </a:xfrm>
         </p:spPr>
         <p:txBody>
           <a:bodyPr vert="eaVert"/>
-          <a:lstStyle/>
-          <a:p>
-            <a:r>
-              <a:rPr lang="zh-CN" altLang="en-US"/>
-              <a:t>单击此处编辑母版标题样式</a:t>
-            </a:r>
-          </a:p>
-        </p:txBody>
-      </p:sp>
-      <p:sp>
-        <p:nvSpPr>
-          <p:cNvPr id="3" name="竖排文字占位符 2">
-            <a:extLst>
-              <a:ext uri="{FF2B5EF4-FFF2-40B4-BE49-F238E27FC236}">
-                <a16:creationId xmlns:a16="http://schemas.microsoft.com/office/drawing/2014/main" id="{B372ED40-EEBE-42AB-AC81-5A576AAF7FC5}"/>
-              </a:ext>
-            </a:extLst>
-          </p:cNvPr>
-          <p:cNvSpPr>
-            <a:spLocks noGrp="1"/>
-          </p:cNvSpPr>
-          <p:nvPr>
-            <p:ph type="body" orient="vert" idx="1"/>
-          </p:nvPr>
-        </p:nvSpPr>
-        <p:spPr>
-          <a:xfrm>
-            <a:off x="838200" y="365125"/>
-            <a:ext cx="7734300" cy="5811838"/>
-          </a:xfrm>
-        </p:spPr>
-        <p:txBody>
-          <a:bodyPr vert="eaVert"/>
-          <a:lstStyle/>
+          <a:lstStyle>
+            <a:lvl1pPr marL="342900" indent="-342900">
+              <a:buFont typeface="Wingdings" panose="05000000000000000000" pitchFamily="2" charset="2"/>
+              <a:buChar char="Ø"/>
+              <a:defRPr/>
+            </a:lvl1pPr>
+            <a:lvl2pPr marL="742950" indent="-285750">
+              <a:buFont typeface="Wingdings" panose="05000000000000000000" pitchFamily="2" charset="2"/>
+              <a:buChar char="n"/>
+              <a:defRPr/>
+            </a:lvl2pPr>
+          </a:lstStyle>
           <a:p>
             <a:pPr lvl="0"/>
             <a:r>
@@ -647,18 +1372,13 @@
               <a:rPr lang="zh-CN" altLang="en-US"/>
               <a:t>五级</a:t>
             </a:r>
-          </a:p>
-        </p:txBody>
-      </p:sp>
-      <p:sp>
-        <p:nvSpPr>
-          <p:cNvPr id="4" name="日期占位符 3">
-            <a:extLst>
-              <a:ext uri="{FF2B5EF4-FFF2-40B4-BE49-F238E27FC236}">
-                <a16:creationId xmlns:a16="http://schemas.microsoft.com/office/drawing/2014/main" id="{E1820198-4FCA-4B18-A02D-09F37C1AD0FF}"/>
-              </a:ext>
-            </a:extLst>
-          </p:cNvPr>
+            <a:endParaRPr lang="zh-CN" altLang="en-US" dirty="0"/>
+          </a:p>
+        </p:txBody>
+      </p:sp>
+      <p:sp>
+        <p:nvSpPr>
+          <p:cNvPr id="4" name="日期占位符 3"/>
           <p:cNvSpPr>
             <a:spLocks noGrp="1"/>
           </p:cNvSpPr>
@@ -673,7 +1393,7 @@
           <a:p>
             <a:fld id="{2EAD0950-2054-428B-9889-8F686D45EC32}" type="datetimeFigureOut">
               <a:rPr lang="zh-CN" altLang="en-US" smtClean="0"/>
-              <a:t>2020/6/22</a:t>
+              <a:t>2020/6/23</a:t>
             </a:fld>
             <a:endParaRPr lang="zh-CN" altLang="en-US"/>
           </a:p>
@@ -681,13 +1401,7 @@
       </p:sp>
       <p:sp>
         <p:nvSpPr>
-          <p:cNvPr id="5" name="页脚占位符 4">
-            <a:extLst>
-              <a:ext uri="{FF2B5EF4-FFF2-40B4-BE49-F238E27FC236}">
-                <a16:creationId xmlns:a16="http://schemas.microsoft.com/office/drawing/2014/main" id="{98314209-9E70-451B-8FED-9052DD848718}"/>
-              </a:ext>
-            </a:extLst>
-          </p:cNvPr>
+          <p:cNvPr id="5" name="页脚占位符 4"/>
           <p:cNvSpPr>
             <a:spLocks noGrp="1"/>
           </p:cNvSpPr>
@@ -706,13 +1420,7 @@
       </p:sp>
       <p:sp>
         <p:nvSpPr>
-          <p:cNvPr id="6" name="灯片编号占位符 5">
-            <a:extLst>
-              <a:ext uri="{FF2B5EF4-FFF2-40B4-BE49-F238E27FC236}">
-                <a16:creationId xmlns:a16="http://schemas.microsoft.com/office/drawing/2014/main" id="{BC4B904F-1BBF-4BD5-80CB-E9C0056844F5}"/>
-              </a:ext>
-            </a:extLst>
-          </p:cNvPr>
+          <p:cNvPr id="6" name="灯片编号占位符 5"/>
           <p:cNvSpPr>
             <a:spLocks noGrp="1"/>
           </p:cNvSpPr>
@@ -736,7 +1444,7 @@
     </p:spTree>
     <p:extLst>
       <p:ext uri="{BB962C8B-B14F-4D97-AF65-F5344CB8AC3E}">
-        <p14:creationId xmlns:p14="http://schemas.microsoft.com/office/powerpoint/2010/main" val="2101086908"/>
+        <p14:creationId xmlns:p14="http://schemas.microsoft.com/office/powerpoint/2010/main" val="754621776"/>
       </p:ext>
     </p:extLst>
   </p:cSld>
@@ -763,20 +1471,326 @@
           <a:chExt cx="0" cy="0"/>
         </a:xfrm>
       </p:grpSpPr>
-      <p:sp>
-        <p:nvSpPr>
-          <p:cNvPr id="2" name="标题 1">
+      <p:grpSp>
+        <p:nvGrpSpPr>
+          <p:cNvPr id="7" name="组合 6">
             <a:extLst>
               <a:ext uri="{FF2B5EF4-FFF2-40B4-BE49-F238E27FC236}">
-                <a16:creationId xmlns:a16="http://schemas.microsoft.com/office/drawing/2014/main" id="{A5A329DA-CCE2-4364-998C-C9A710DBE6D4}"/>
+                <a16:creationId xmlns:a16="http://schemas.microsoft.com/office/drawing/2014/main" id="{226DC398-675C-4A24-84B3-5404C11AC76E}"/>
               </a:ext>
             </a:extLst>
           </p:cNvPr>
+          <p:cNvGrpSpPr/>
+          <p:nvPr/>
+        </p:nvGrpSpPr>
+        <p:grpSpPr>
+          <a:xfrm>
+            <a:off x="0" y="-24"/>
+            <a:ext cx="12192000" cy="863601"/>
+            <a:chOff x="0" y="-26988"/>
+            <a:chExt cx="9144000" cy="863601"/>
+          </a:xfrm>
+        </p:grpSpPr>
+        <p:sp>
+          <p:nvSpPr>
+            <p:cNvPr id="8" name="标题 3">
+              <a:extLst>
+                <a:ext uri="{FF2B5EF4-FFF2-40B4-BE49-F238E27FC236}">
+                  <a16:creationId xmlns:a16="http://schemas.microsoft.com/office/drawing/2014/main" id="{1E0D3804-A6F0-4CDE-BDE3-E630549CBA6F}"/>
+                </a:ext>
+              </a:extLst>
+            </p:cNvPr>
+            <p:cNvSpPr txBox="1">
+              <a:spLocks/>
+            </p:cNvSpPr>
+            <p:nvPr/>
+          </p:nvSpPr>
+          <p:spPr>
+            <a:xfrm>
+              <a:off x="0" y="-26988"/>
+              <a:ext cx="9144000" cy="863601"/>
+            </a:xfrm>
+            <a:prstGeom prst="rect">
+              <a:avLst/>
+            </a:prstGeom>
+            <a:solidFill>
+              <a:srgbClr val="02409A"/>
+            </a:solidFill>
+            <a:ln>
+              <a:noFill/>
+            </a:ln>
+            <a:effectLst/>
+          </p:spPr>
+          <p:txBody>
+            <a:bodyPr tIns="0" bIns="0" anchor="ctr"/>
+            <a:lstStyle/>
+            <a:p>
+              <a:pPr algn="ctr">
+                <a:spcBef>
+                  <a:spcPct val="0"/>
+                </a:spcBef>
+                <a:defRPr/>
+              </a:pPr>
+              <a:endParaRPr lang="zh-CN" altLang="en-US" sz="4800" b="1" dirty="0">
+                <a:solidFill>
+                  <a:prstClr val="white"/>
+                </a:solidFill>
+                <a:latin typeface="微软雅黑" pitchFamily="34" charset="-122"/>
+                <a:ea typeface="微软雅黑" pitchFamily="34" charset="-122"/>
+              </a:endParaRPr>
+            </a:p>
+          </p:txBody>
+        </p:sp>
+        <p:cxnSp>
+          <p:nvCxnSpPr>
+            <p:cNvPr id="9" name="直接连接符 19">
+              <a:extLst>
+                <a:ext uri="{FF2B5EF4-FFF2-40B4-BE49-F238E27FC236}">
+                  <a16:creationId xmlns:a16="http://schemas.microsoft.com/office/drawing/2014/main" id="{B446B7E4-78F0-4194-B08A-1AC2C39958AA}"/>
+                </a:ext>
+              </a:extLst>
+            </p:cNvPr>
+            <p:cNvCxnSpPr>
+              <a:cxnSpLocks/>
+            </p:cNvCxnSpPr>
+            <p:nvPr/>
+          </p:nvCxnSpPr>
+          <p:spPr bwMode="auto">
+            <a:xfrm flipH="1">
+              <a:off x="449263" y="-25400"/>
+              <a:ext cx="1587" cy="841375"/>
+            </a:xfrm>
+            <a:prstGeom prst="line">
+              <a:avLst/>
+            </a:prstGeom>
+            <a:noFill/>
+            <a:ln w="28575" algn="ctr">
+              <a:solidFill>
+                <a:schemeClr val="bg1"/>
+              </a:solidFill>
+              <a:round/>
+              <a:headEnd/>
+              <a:tailEnd/>
+            </a:ln>
+            <a:effectLst/>
+            <a:extLst>
+              <a:ext uri="{909E8E84-426E-40DD-AFC4-6F175D3DCCD1}">
+                <a14:hiddenFill xmlns:a14="http://schemas.microsoft.com/office/drawing/2010/main">
+                  <a:noFill/>
+                </a14:hiddenFill>
+              </a:ext>
+            </a:extLst>
+          </p:spPr>
+        </p:cxnSp>
+        <p:cxnSp>
+          <p:nvCxnSpPr>
+            <p:cNvPr id="10" name="直接连接符 20">
+              <a:extLst>
+                <a:ext uri="{FF2B5EF4-FFF2-40B4-BE49-F238E27FC236}">
+                  <a16:creationId xmlns:a16="http://schemas.microsoft.com/office/drawing/2014/main" id="{B7C0A3E6-F1FF-427D-8DB1-E9791B891181}"/>
+                </a:ext>
+              </a:extLst>
+            </p:cNvPr>
+            <p:cNvCxnSpPr>
+              <a:cxnSpLocks/>
+            </p:cNvCxnSpPr>
+            <p:nvPr/>
+          </p:nvCxnSpPr>
+          <p:spPr bwMode="auto">
+            <a:xfrm flipH="1">
+              <a:off x="511175" y="-26988"/>
+              <a:ext cx="1588" cy="554038"/>
+            </a:xfrm>
+            <a:prstGeom prst="line">
+              <a:avLst/>
+            </a:prstGeom>
+            <a:noFill/>
+            <a:ln w="28575" algn="ctr">
+              <a:solidFill>
+                <a:schemeClr val="bg1"/>
+              </a:solidFill>
+              <a:round/>
+              <a:headEnd/>
+              <a:tailEnd/>
+            </a:ln>
+            <a:effectLst/>
+            <a:extLst>
+              <a:ext uri="{909E8E84-426E-40DD-AFC4-6F175D3DCCD1}">
+                <a14:hiddenFill xmlns:a14="http://schemas.microsoft.com/office/drawing/2010/main">
+                  <a:noFill/>
+                </a14:hiddenFill>
+              </a:ext>
+            </a:extLst>
+          </p:spPr>
+        </p:cxnSp>
+        <p:cxnSp>
+          <p:nvCxnSpPr>
+            <p:cNvPr id="11" name="直接连接符 30">
+              <a:extLst>
+                <a:ext uri="{FF2B5EF4-FFF2-40B4-BE49-F238E27FC236}">
+                  <a16:creationId xmlns:a16="http://schemas.microsoft.com/office/drawing/2014/main" id="{440505F1-F975-4EFE-9258-4A1E718E6358}"/>
+                </a:ext>
+              </a:extLst>
+            </p:cNvPr>
+            <p:cNvCxnSpPr>
+              <a:cxnSpLocks/>
+            </p:cNvCxnSpPr>
+            <p:nvPr/>
+          </p:nvCxnSpPr>
+          <p:spPr bwMode="auto">
+            <a:xfrm>
+              <a:off x="576263" y="-26988"/>
+              <a:ext cx="0" cy="298451"/>
+            </a:xfrm>
+            <a:prstGeom prst="line">
+              <a:avLst/>
+            </a:prstGeom>
+            <a:noFill/>
+            <a:ln w="28575" algn="ctr">
+              <a:solidFill>
+                <a:schemeClr val="bg1"/>
+              </a:solidFill>
+              <a:round/>
+              <a:headEnd/>
+              <a:tailEnd/>
+            </a:ln>
+            <a:effectLst/>
+            <a:extLst>
+              <a:ext uri="{909E8E84-426E-40DD-AFC4-6F175D3DCCD1}">
+                <a14:hiddenFill xmlns:a14="http://schemas.microsoft.com/office/drawing/2010/main">
+                  <a:noFill/>
+                </a14:hiddenFill>
+              </a:ext>
+            </a:extLst>
+          </p:spPr>
+        </p:cxnSp>
+      </p:grpSp>
+      <p:sp>
+        <p:nvSpPr>
+          <p:cNvPr id="2" name="标题 1"/>
           <p:cNvSpPr>
             <a:spLocks noGrp="1"/>
           </p:cNvSpPr>
           <p:nvPr>
             <p:ph type="title"/>
+          </p:nvPr>
+        </p:nvSpPr>
+        <p:spPr>
+          <a:xfrm>
+            <a:off x="829733" y="169838"/>
+            <a:ext cx="11120800" cy="553998"/>
+          </a:xfrm>
+          <a:prstGeom prst="rect">
+            <a:avLst/>
+          </a:prstGeom>
+        </p:spPr>
+        <p:txBody>
+          <a:bodyPr>
+            <a:normAutofit/>
+          </a:bodyPr>
+          <a:lstStyle>
+            <a:lvl1pPr marL="0" algn="l" defTabSz="914400" rtl="0" eaLnBrk="1" fontAlgn="base" latinLnBrk="0" hangingPunct="1">
+              <a:spcBef>
+                <a:spcPct val="0"/>
+              </a:spcBef>
+              <a:spcAft>
+                <a:spcPct val="0"/>
+              </a:spcAft>
+              <a:defRPr lang="zh-CN" altLang="en-US" sz="3000" b="1" kern="1200" dirty="0">
+                <a:solidFill>
+                  <a:prstClr val="white"/>
+                </a:solidFill>
+                <a:latin typeface="微软雅黑" panose="020B0503020204020204" pitchFamily="34" charset="-122"/>
+                <a:ea typeface="微软雅黑" panose="020B0503020204020204" pitchFamily="34" charset="-122"/>
+                <a:cs typeface="Arial" pitchFamily="34" charset="0"/>
+              </a:defRPr>
+            </a:lvl1pPr>
+          </a:lstStyle>
+          <a:p>
+            <a:r>
+              <a:rPr lang="zh-CN" altLang="en-US"/>
+              <a:t>单击此处编辑母版标题样式</a:t>
+            </a:r>
+            <a:endParaRPr lang="zh-CN" altLang="en-US" dirty="0"/>
+          </a:p>
+        </p:txBody>
+      </p:sp>
+      <p:sp>
+        <p:nvSpPr>
+          <p:cNvPr id="3" name="内容占位符 2"/>
+          <p:cNvSpPr>
+            <a:spLocks noGrp="1"/>
+          </p:cNvSpPr>
+          <p:nvPr>
+            <p:ph idx="1"/>
+          </p:nvPr>
+        </p:nvSpPr>
+        <p:spPr>
+          <a:xfrm>
+            <a:off x="609600" y="1033440"/>
+            <a:ext cx="10972800" cy="5092724"/>
+          </a:xfrm>
+        </p:spPr>
+        <p:txBody>
+          <a:bodyPr/>
+          <a:lstStyle>
+            <a:lvl1pPr marL="342900" indent="-342900">
+              <a:buFont typeface="Wingdings" panose="05000000000000000000" pitchFamily="2" charset="2"/>
+              <a:buChar char="Ø"/>
+              <a:defRPr/>
+            </a:lvl1pPr>
+            <a:lvl2pPr marL="742950" indent="-285750">
+              <a:buFont typeface="Wingdings" panose="05000000000000000000" pitchFamily="2" charset="2"/>
+              <a:buChar char="n"/>
+              <a:defRPr/>
+            </a:lvl2pPr>
+          </a:lstStyle>
+          <a:p>
+            <a:pPr lvl="0"/>
+            <a:r>
+              <a:rPr lang="zh-CN" altLang="en-US"/>
+              <a:t>单击此处编辑母版文本样式</a:t>
+            </a:r>
+          </a:p>
+          <a:p>
+            <a:pPr lvl="1"/>
+            <a:r>
+              <a:rPr lang="zh-CN" altLang="en-US"/>
+              <a:t>二级</a:t>
+            </a:r>
+          </a:p>
+          <a:p>
+            <a:pPr lvl="2"/>
+            <a:r>
+              <a:rPr lang="zh-CN" altLang="en-US"/>
+              <a:t>三级</a:t>
+            </a:r>
+          </a:p>
+          <a:p>
+            <a:pPr lvl="3"/>
+            <a:r>
+              <a:rPr lang="zh-CN" altLang="en-US"/>
+              <a:t>四级</a:t>
+            </a:r>
+          </a:p>
+          <a:p>
+            <a:pPr lvl="4"/>
+            <a:r>
+              <a:rPr lang="zh-CN" altLang="en-US"/>
+              <a:t>五级</a:t>
+            </a:r>
+            <a:endParaRPr lang="zh-CN" altLang="en-US" dirty="0"/>
+          </a:p>
+        </p:txBody>
+      </p:sp>
+      <p:sp>
+        <p:nvSpPr>
+          <p:cNvPr id="4" name="日期占位符 3"/>
+          <p:cNvSpPr>
+            <a:spLocks noGrp="1"/>
+          </p:cNvSpPr>
+          <p:nvPr>
+            <p:ph type="dt" sz="half" idx="10"/>
           </p:nvPr>
         </p:nvSpPr>
         <p:spPr/>
@@ -784,27 +1798,22 @@
           <a:bodyPr/>
           <a:lstStyle/>
           <a:p>
-            <a:r>
-              <a:rPr lang="zh-CN" altLang="en-US"/>
-              <a:t>单击此处编辑母版标题样式</a:t>
-            </a:r>
-          </a:p>
-        </p:txBody>
-      </p:sp>
-      <p:sp>
-        <p:nvSpPr>
-          <p:cNvPr id="3" name="内容占位符 2">
-            <a:extLst>
-              <a:ext uri="{FF2B5EF4-FFF2-40B4-BE49-F238E27FC236}">
-                <a16:creationId xmlns:a16="http://schemas.microsoft.com/office/drawing/2014/main" id="{C0E66614-6AD9-4AFD-A016-50DA737B4440}"/>
-              </a:ext>
-            </a:extLst>
-          </p:cNvPr>
-          <p:cNvSpPr>
-            <a:spLocks noGrp="1"/>
-          </p:cNvSpPr>
-          <p:nvPr>
-            <p:ph idx="1"/>
+            <a:fld id="{2EAD0950-2054-428B-9889-8F686D45EC32}" type="datetimeFigureOut">
+              <a:rPr lang="zh-CN" altLang="en-US" smtClean="0"/>
+              <a:t>2020/6/23</a:t>
+            </a:fld>
+            <a:endParaRPr lang="zh-CN" altLang="en-US"/>
+          </a:p>
+        </p:txBody>
+      </p:sp>
+      <p:sp>
+        <p:nvSpPr>
+          <p:cNvPr id="5" name="页脚占位符 4"/>
+          <p:cNvSpPr>
+            <a:spLocks noGrp="1"/>
+          </p:cNvSpPr>
+          <p:nvPr>
+            <p:ph type="ftr" sz="quarter" idx="11"/>
           </p:nvPr>
         </p:nvSpPr>
         <p:spPr/>
@@ -812,105 +1821,13 @@
           <a:bodyPr/>
           <a:lstStyle/>
           <a:p>
-            <a:pPr lvl="0"/>
-            <a:r>
-              <a:rPr lang="zh-CN" altLang="en-US"/>
-              <a:t>单击此处编辑母版文本样式</a:t>
-            </a:r>
-          </a:p>
-          <a:p>
-            <a:pPr lvl="1"/>
-            <a:r>
-              <a:rPr lang="zh-CN" altLang="en-US"/>
-              <a:t>二级</a:t>
-            </a:r>
-          </a:p>
-          <a:p>
-            <a:pPr lvl="2"/>
-            <a:r>
-              <a:rPr lang="zh-CN" altLang="en-US"/>
-              <a:t>三级</a:t>
-            </a:r>
-          </a:p>
-          <a:p>
-            <a:pPr lvl="3"/>
-            <a:r>
-              <a:rPr lang="zh-CN" altLang="en-US"/>
-              <a:t>四级</a:t>
-            </a:r>
-          </a:p>
-          <a:p>
-            <a:pPr lvl="4"/>
-            <a:r>
-              <a:rPr lang="zh-CN" altLang="en-US"/>
-              <a:t>五级</a:t>
-            </a:r>
-          </a:p>
-        </p:txBody>
-      </p:sp>
-      <p:sp>
-        <p:nvSpPr>
-          <p:cNvPr id="4" name="日期占位符 3">
-            <a:extLst>
-              <a:ext uri="{FF2B5EF4-FFF2-40B4-BE49-F238E27FC236}">
-                <a16:creationId xmlns:a16="http://schemas.microsoft.com/office/drawing/2014/main" id="{945BB393-3E19-4137-B5A4-481632F10692}"/>
-              </a:ext>
-            </a:extLst>
-          </p:cNvPr>
-          <p:cNvSpPr>
-            <a:spLocks noGrp="1"/>
-          </p:cNvSpPr>
-          <p:nvPr>
-            <p:ph type="dt" sz="half" idx="10"/>
-          </p:nvPr>
-        </p:nvSpPr>
-        <p:spPr/>
-        <p:txBody>
-          <a:bodyPr/>
-          <a:lstStyle/>
-          <a:p>
-            <a:fld id="{2EAD0950-2054-428B-9889-8F686D45EC32}" type="datetimeFigureOut">
-              <a:rPr lang="zh-CN" altLang="en-US" smtClean="0"/>
-              <a:t>2020/6/22</a:t>
-            </a:fld>
             <a:endParaRPr lang="zh-CN" altLang="en-US"/>
           </a:p>
         </p:txBody>
       </p:sp>
       <p:sp>
         <p:nvSpPr>
-          <p:cNvPr id="5" name="页脚占位符 4">
-            <a:extLst>
-              <a:ext uri="{FF2B5EF4-FFF2-40B4-BE49-F238E27FC236}">
-                <a16:creationId xmlns:a16="http://schemas.microsoft.com/office/drawing/2014/main" id="{0F6089E9-A1FD-4490-9F17-5C2CA4476FF6}"/>
-              </a:ext>
-            </a:extLst>
-          </p:cNvPr>
-          <p:cNvSpPr>
-            <a:spLocks noGrp="1"/>
-          </p:cNvSpPr>
-          <p:nvPr>
-            <p:ph type="ftr" sz="quarter" idx="11"/>
-          </p:nvPr>
-        </p:nvSpPr>
-        <p:spPr/>
-        <p:txBody>
-          <a:bodyPr/>
-          <a:lstStyle/>
-          <a:p>
-            <a:endParaRPr lang="zh-CN" altLang="en-US"/>
-          </a:p>
-        </p:txBody>
-      </p:sp>
-      <p:sp>
-        <p:nvSpPr>
-          <p:cNvPr id="6" name="灯片编号占位符 5">
-            <a:extLst>
-              <a:ext uri="{FF2B5EF4-FFF2-40B4-BE49-F238E27FC236}">
-                <a16:creationId xmlns:a16="http://schemas.microsoft.com/office/drawing/2014/main" id="{05766074-42BA-4A22-ABFB-CC2CD52ED465}"/>
-              </a:ext>
-            </a:extLst>
-          </p:cNvPr>
+          <p:cNvPr id="6" name="灯片编号占位符 5"/>
           <p:cNvSpPr>
             <a:spLocks noGrp="1"/>
           </p:cNvSpPr>
@@ -934,7 +1851,7 @@
     </p:spTree>
     <p:extLst>
       <p:ext uri="{BB962C8B-B14F-4D97-AF65-F5344CB8AC3E}">
-        <p14:creationId xmlns:p14="http://schemas.microsoft.com/office/powerpoint/2010/main" val="3017342540"/>
+        <p14:creationId xmlns:p14="http://schemas.microsoft.com/office/powerpoint/2010/main" val="1871762062"/>
       </p:ext>
     </p:extLst>
   </p:cSld>
@@ -945,7 +1862,7 @@
 </file>
 
 <file path=ppt/slideLayouts/slideLayout3.xml><?xml version="1.0" encoding="utf-8"?>
-<p:sldLayout xmlns:a="http://schemas.openxmlformats.org/drawingml/2006/main" xmlns:r="http://schemas.openxmlformats.org/officeDocument/2006/relationships" xmlns:p="http://schemas.openxmlformats.org/presentationml/2006/main" type="secHead" preserve="1">
+<p:sldLayout xmlns:a="http://schemas.openxmlformats.org/drawingml/2006/main" xmlns:r="http://schemas.openxmlformats.org/officeDocument/2006/relationships" xmlns:p="http://schemas.openxmlformats.org/presentationml/2006/main" preserve="1">
   <p:cSld name="节标题">
     <p:spTree>
       <p:nvGrpSpPr>
@@ -963,13 +1880,7 @@
       </p:grpSpPr>
       <p:sp>
         <p:nvSpPr>
-          <p:cNvPr id="2" name="标题 1">
-            <a:extLst>
-              <a:ext uri="{FF2B5EF4-FFF2-40B4-BE49-F238E27FC236}">
-                <a16:creationId xmlns:a16="http://schemas.microsoft.com/office/drawing/2014/main" id="{E09ACB3E-289D-494F-864E-EECFA426E62A}"/>
-              </a:ext>
-            </a:extLst>
-          </p:cNvPr>
+          <p:cNvPr id="2" name="标题 1"/>
           <p:cNvSpPr>
             <a:spLocks noGrp="1"/>
           </p:cNvSpPr>
@@ -979,53 +1890,50 @@
         </p:nvSpPr>
         <p:spPr>
           <a:xfrm>
-            <a:off x="831850" y="1709738"/>
-            <a:ext cx="10515600" cy="2852737"/>
+            <a:off x="963084" y="4406901"/>
+            <a:ext cx="10363200" cy="1362075"/>
+          </a:xfrm>
+          <a:prstGeom prst="rect">
+            <a:avLst/>
+          </a:prstGeom>
+        </p:spPr>
+        <p:txBody>
+          <a:bodyPr anchor="t"/>
+          <a:lstStyle>
+            <a:lvl1pPr algn="l">
+              <a:defRPr sz="4000" b="1" cap="all"/>
+            </a:lvl1pPr>
+          </a:lstStyle>
+          <a:p>
+            <a:r>
+              <a:rPr lang="zh-CN" altLang="en-US"/>
+              <a:t>单击此处编辑母版标题样式</a:t>
+            </a:r>
+          </a:p>
+        </p:txBody>
+      </p:sp>
+      <p:sp>
+        <p:nvSpPr>
+          <p:cNvPr id="3" name="文本占位符 2"/>
+          <p:cNvSpPr>
+            <a:spLocks noGrp="1"/>
+          </p:cNvSpPr>
+          <p:nvPr>
+            <p:ph type="body" idx="1"/>
+          </p:nvPr>
+        </p:nvSpPr>
+        <p:spPr>
+          <a:xfrm>
+            <a:off x="963084" y="2906713"/>
+            <a:ext cx="10363200" cy="1500187"/>
           </a:xfrm>
         </p:spPr>
         <p:txBody>
           <a:bodyPr anchor="b"/>
-          <a:lstStyle>
-            <a:lvl1pPr>
-              <a:defRPr sz="6000"/>
-            </a:lvl1pPr>
-          </a:lstStyle>
-          <a:p>
-            <a:r>
-              <a:rPr lang="zh-CN" altLang="en-US"/>
-              <a:t>单击此处编辑母版标题样式</a:t>
-            </a:r>
-          </a:p>
-        </p:txBody>
-      </p:sp>
-      <p:sp>
-        <p:nvSpPr>
-          <p:cNvPr id="3" name="文本占位符 2">
-            <a:extLst>
-              <a:ext uri="{FF2B5EF4-FFF2-40B4-BE49-F238E27FC236}">
-                <a16:creationId xmlns:a16="http://schemas.microsoft.com/office/drawing/2014/main" id="{96CD3416-FBA1-4FA9-BD1E-71E05C593C04}"/>
-              </a:ext>
-            </a:extLst>
-          </p:cNvPr>
-          <p:cNvSpPr>
-            <a:spLocks noGrp="1"/>
-          </p:cNvSpPr>
-          <p:nvPr>
-            <p:ph type="body" idx="1"/>
-          </p:nvPr>
-        </p:nvSpPr>
-        <p:spPr>
-          <a:xfrm>
-            <a:off x="831850" y="4589463"/>
-            <a:ext cx="10515600" cy="1500187"/>
-          </a:xfrm>
-        </p:spPr>
-        <p:txBody>
-          <a:bodyPr/>
           <a:lstStyle>
             <a:lvl1pPr marL="0" indent="0">
               <a:buNone/>
-              <a:defRPr sz="2400">
+              <a:defRPr sz="2000">
                 <a:solidFill>
                   <a:schemeClr val="tx1">
                     <a:tint val="75000"/>
@@ -1035,7 +1943,7 @@
             </a:lvl1pPr>
             <a:lvl2pPr marL="457200" indent="0">
               <a:buNone/>
-              <a:defRPr sz="2000">
+              <a:defRPr sz="1800">
                 <a:solidFill>
                   <a:schemeClr val="tx1">
                     <a:tint val="75000"/>
@@ -1045,7 +1953,7 @@
             </a:lvl2pPr>
             <a:lvl3pPr marL="914400" indent="0">
               <a:buNone/>
-              <a:defRPr sz="1800">
+              <a:defRPr sz="1600">
                 <a:solidFill>
                   <a:schemeClr val="tx1">
                     <a:tint val="75000"/>
@@ -1055,7 +1963,7 @@
             </a:lvl3pPr>
             <a:lvl4pPr marL="1371600" indent="0">
               <a:buNone/>
-              <a:defRPr sz="1600">
+              <a:defRPr sz="1400">
                 <a:solidFill>
                   <a:schemeClr val="tx1">
                     <a:tint val="75000"/>
@@ -1065,7 +1973,7 @@
             </a:lvl4pPr>
             <a:lvl5pPr marL="1828800" indent="0">
               <a:buNone/>
-              <a:defRPr sz="1600">
+              <a:defRPr sz="1400">
                 <a:solidFill>
                   <a:schemeClr val="tx1">
                     <a:tint val="75000"/>
@@ -1075,7 +1983,7 @@
             </a:lvl5pPr>
             <a:lvl6pPr marL="2286000" indent="0">
               <a:buNone/>
-              <a:defRPr sz="1600">
+              <a:defRPr sz="1400">
                 <a:solidFill>
                   <a:schemeClr val="tx1">
                     <a:tint val="75000"/>
@@ -1085,7 +1993,7 @@
             </a:lvl6pPr>
             <a:lvl7pPr marL="2743200" indent="0">
               <a:buNone/>
-              <a:defRPr sz="1600">
+              <a:defRPr sz="1400">
                 <a:solidFill>
                   <a:schemeClr val="tx1">
                     <a:tint val="75000"/>
@@ -1095,7 +2003,7 @@
             </a:lvl7pPr>
             <a:lvl8pPr marL="3200400" indent="0">
               <a:buNone/>
-              <a:defRPr sz="1600">
+              <a:defRPr sz="1400">
                 <a:solidFill>
                   <a:schemeClr val="tx1">
                     <a:tint val="75000"/>
@@ -1105,7 +2013,7 @@
             </a:lvl8pPr>
             <a:lvl9pPr marL="3657600" indent="0">
               <a:buNone/>
-              <a:defRPr sz="1600">
+              <a:defRPr sz="1400">
                 <a:solidFill>
                   <a:schemeClr val="tx1">
                     <a:tint val="75000"/>
@@ -1125,13 +2033,7 @@
       </p:sp>
       <p:sp>
         <p:nvSpPr>
-          <p:cNvPr id="4" name="日期占位符 3">
-            <a:extLst>
-              <a:ext uri="{FF2B5EF4-FFF2-40B4-BE49-F238E27FC236}">
-                <a16:creationId xmlns:a16="http://schemas.microsoft.com/office/drawing/2014/main" id="{ED03C915-14B7-46C0-8AE8-0B6B9E74117C}"/>
-              </a:ext>
-            </a:extLst>
-          </p:cNvPr>
+          <p:cNvPr id="4" name="日期占位符 3"/>
           <p:cNvSpPr>
             <a:spLocks noGrp="1"/>
           </p:cNvSpPr>
@@ -1146,7 +2048,7 @@
           <a:p>
             <a:fld id="{2EAD0950-2054-428B-9889-8F686D45EC32}" type="datetimeFigureOut">
               <a:rPr lang="zh-CN" altLang="en-US" smtClean="0"/>
-              <a:t>2020/6/22</a:t>
+              <a:t>2020/6/23</a:t>
             </a:fld>
             <a:endParaRPr lang="zh-CN" altLang="en-US"/>
           </a:p>
@@ -1154,13 +2056,7 @@
       </p:sp>
       <p:sp>
         <p:nvSpPr>
-          <p:cNvPr id="5" name="页脚占位符 4">
-            <a:extLst>
-              <a:ext uri="{FF2B5EF4-FFF2-40B4-BE49-F238E27FC236}">
-                <a16:creationId xmlns:a16="http://schemas.microsoft.com/office/drawing/2014/main" id="{30A9F330-F48A-464F-9FDE-8D5A231450B3}"/>
-              </a:ext>
-            </a:extLst>
-          </p:cNvPr>
+          <p:cNvPr id="5" name="页脚占位符 4"/>
           <p:cNvSpPr>
             <a:spLocks noGrp="1"/>
           </p:cNvSpPr>
@@ -1179,13 +2075,7 @@
       </p:sp>
       <p:sp>
         <p:nvSpPr>
-          <p:cNvPr id="6" name="灯片编号占位符 5">
-            <a:extLst>
-              <a:ext uri="{FF2B5EF4-FFF2-40B4-BE49-F238E27FC236}">
-                <a16:creationId xmlns:a16="http://schemas.microsoft.com/office/drawing/2014/main" id="{081A3808-58DF-40BA-A5A9-27BE59067ACB}"/>
-              </a:ext>
-            </a:extLst>
-          </p:cNvPr>
+          <p:cNvPr id="6" name="灯片编号占位符 5"/>
           <p:cNvSpPr>
             <a:spLocks noGrp="1"/>
           </p:cNvSpPr>
@@ -1206,10 +2096,364 @@
           </a:p>
         </p:txBody>
       </p:sp>
+      <p:sp>
+        <p:nvSpPr>
+          <p:cNvPr id="7" name="标题 3">
+            <a:extLst>
+              <a:ext uri="{FF2B5EF4-FFF2-40B4-BE49-F238E27FC236}">
+                <a16:creationId xmlns:a16="http://schemas.microsoft.com/office/drawing/2014/main" id="{1EE7B386-338B-4764-85F1-67C3D55680EC}"/>
+              </a:ext>
+            </a:extLst>
+          </p:cNvPr>
+          <p:cNvSpPr txBox="1">
+            <a:spLocks/>
+          </p:cNvSpPr>
+          <p:nvPr/>
+        </p:nvSpPr>
+        <p:spPr>
+          <a:xfrm>
+            <a:off x="0" y="-24"/>
+            <a:ext cx="12192000" cy="863601"/>
+          </a:xfrm>
+          <a:prstGeom prst="rect">
+            <a:avLst/>
+          </a:prstGeom>
+          <a:solidFill>
+            <a:srgbClr val="02409A"/>
+          </a:solidFill>
+          <a:ln>
+            <a:noFill/>
+          </a:ln>
+          <a:effectLst/>
+        </p:spPr>
+        <p:txBody>
+          <a:bodyPr tIns="0" bIns="0" anchor="ctr"/>
+          <a:lstStyle/>
+          <a:p>
+            <a:pPr algn="ctr">
+              <a:spcBef>
+                <a:spcPct val="0"/>
+              </a:spcBef>
+              <a:defRPr/>
+            </a:pPr>
+            <a:endParaRPr lang="zh-CN" altLang="en-US" sz="4800" b="1" dirty="0">
+              <a:solidFill>
+                <a:prstClr val="white"/>
+              </a:solidFill>
+              <a:latin typeface="微软雅黑" pitchFamily="34" charset="-122"/>
+              <a:ea typeface="微软雅黑" pitchFamily="34" charset="-122"/>
+            </a:endParaRPr>
+          </a:p>
+        </p:txBody>
+      </p:sp>
+      <p:cxnSp>
+        <p:nvCxnSpPr>
+          <p:cNvPr id="8" name="直接连接符 19">
+            <a:extLst>
+              <a:ext uri="{FF2B5EF4-FFF2-40B4-BE49-F238E27FC236}">
+                <a16:creationId xmlns:a16="http://schemas.microsoft.com/office/drawing/2014/main" id="{5EDB0516-F82E-4E09-BCC6-78628E7E2022}"/>
+              </a:ext>
+            </a:extLst>
+          </p:cNvPr>
+          <p:cNvCxnSpPr>
+            <a:cxnSpLocks/>
+          </p:cNvCxnSpPr>
+          <p:nvPr/>
+        </p:nvCxnSpPr>
+        <p:spPr bwMode="auto">
+          <a:xfrm flipH="1">
+            <a:off x="599018" y="1565"/>
+            <a:ext cx="2116" cy="841375"/>
+          </a:xfrm>
+          <a:prstGeom prst="line">
+            <a:avLst/>
+          </a:prstGeom>
+          <a:noFill/>
+          <a:ln w="28575" algn="ctr">
+            <a:solidFill>
+              <a:schemeClr val="bg1"/>
+            </a:solidFill>
+            <a:round/>
+            <a:headEnd/>
+            <a:tailEnd/>
+          </a:ln>
+          <a:effectLst/>
+          <a:extLst>
+            <a:ext uri="{909E8E84-426E-40DD-AFC4-6F175D3DCCD1}">
+              <a14:hiddenFill xmlns:a14="http://schemas.microsoft.com/office/drawing/2010/main">
+                <a:noFill/>
+              </a14:hiddenFill>
+            </a:ext>
+          </a:extLst>
+        </p:spPr>
+      </p:cxnSp>
+      <p:cxnSp>
+        <p:nvCxnSpPr>
+          <p:cNvPr id="9" name="直接连接符 20">
+            <a:extLst>
+              <a:ext uri="{FF2B5EF4-FFF2-40B4-BE49-F238E27FC236}">
+                <a16:creationId xmlns:a16="http://schemas.microsoft.com/office/drawing/2014/main" id="{740BB1FC-B3C6-4721-92D6-BF1F1FA3F6A5}"/>
+              </a:ext>
+            </a:extLst>
+          </p:cNvPr>
+          <p:cNvCxnSpPr>
+            <a:cxnSpLocks/>
+          </p:cNvCxnSpPr>
+          <p:nvPr/>
+        </p:nvCxnSpPr>
+        <p:spPr bwMode="auto">
+          <a:xfrm flipH="1">
+            <a:off x="681567" y="-24"/>
+            <a:ext cx="2117" cy="554038"/>
+          </a:xfrm>
+          <a:prstGeom prst="line">
+            <a:avLst/>
+          </a:prstGeom>
+          <a:noFill/>
+          <a:ln w="28575" algn="ctr">
+            <a:solidFill>
+              <a:schemeClr val="bg1"/>
+            </a:solidFill>
+            <a:round/>
+            <a:headEnd/>
+            <a:tailEnd/>
+          </a:ln>
+          <a:effectLst/>
+          <a:extLst>
+            <a:ext uri="{909E8E84-426E-40DD-AFC4-6F175D3DCCD1}">
+              <a14:hiddenFill xmlns:a14="http://schemas.microsoft.com/office/drawing/2010/main">
+                <a:noFill/>
+              </a14:hiddenFill>
+            </a:ext>
+          </a:extLst>
+        </p:spPr>
+      </p:cxnSp>
+      <p:cxnSp>
+        <p:nvCxnSpPr>
+          <p:cNvPr id="10" name="直接连接符 30">
+            <a:extLst>
+              <a:ext uri="{FF2B5EF4-FFF2-40B4-BE49-F238E27FC236}">
+                <a16:creationId xmlns:a16="http://schemas.microsoft.com/office/drawing/2014/main" id="{28A6E5BF-2A0D-4294-9AFE-058CFD22D566}"/>
+              </a:ext>
+            </a:extLst>
+          </p:cNvPr>
+          <p:cNvCxnSpPr>
+            <a:cxnSpLocks/>
+          </p:cNvCxnSpPr>
+          <p:nvPr/>
+        </p:nvCxnSpPr>
+        <p:spPr bwMode="auto">
+          <a:xfrm>
+            <a:off x="768351" y="-24"/>
+            <a:ext cx="0" cy="298451"/>
+          </a:xfrm>
+          <a:prstGeom prst="line">
+            <a:avLst/>
+          </a:prstGeom>
+          <a:noFill/>
+          <a:ln w="28575" algn="ctr">
+            <a:solidFill>
+              <a:schemeClr val="bg1"/>
+            </a:solidFill>
+            <a:round/>
+            <a:headEnd/>
+            <a:tailEnd/>
+          </a:ln>
+          <a:effectLst/>
+          <a:extLst>
+            <a:ext uri="{909E8E84-426E-40DD-AFC4-6F175D3DCCD1}">
+              <a14:hiddenFill xmlns:a14="http://schemas.microsoft.com/office/drawing/2010/main">
+                <a:noFill/>
+              </a14:hiddenFill>
+            </a:ext>
+          </a:extLst>
+        </p:spPr>
+      </p:cxnSp>
+      <p:sp>
+        <p:nvSpPr>
+          <p:cNvPr id="11" name="TextBox 19">
+            <a:extLst>
+              <a:ext uri="{FF2B5EF4-FFF2-40B4-BE49-F238E27FC236}">
+                <a16:creationId xmlns:a16="http://schemas.microsoft.com/office/drawing/2014/main" id="{6EE42B8E-637A-44E6-A66B-3C85DDBB85EA}"/>
+              </a:ext>
+            </a:extLst>
+          </p:cNvPr>
+          <p:cNvSpPr txBox="1">
+            <a:spLocks noChangeArrowheads="1"/>
+          </p:cNvSpPr>
+          <p:nvPr/>
+        </p:nvSpPr>
+        <p:spPr bwMode="auto">
+          <a:xfrm>
+            <a:off x="829734" y="169838"/>
+            <a:ext cx="11122917" cy="553998"/>
+          </a:xfrm>
+          <a:prstGeom prst="rect">
+            <a:avLst/>
+          </a:prstGeom>
+          <a:noFill/>
+          <a:ln>
+            <a:noFill/>
+          </a:ln>
+          <a:effectLst/>
+          <a:extLst>
+            <a:ext uri="{909E8E84-426E-40DD-AFC4-6F175D3DCCD1}">
+              <a14:hiddenFill xmlns:a14="http://schemas.microsoft.com/office/drawing/2010/main">
+                <a:solidFill>
+                  <a:srgbClr val="FFFFFF"/>
+                </a:solidFill>
+              </a14:hiddenFill>
+            </a:ext>
+            <a:ext uri="{91240B29-F687-4F45-9708-019B960494DF}">
+              <a14:hiddenLine xmlns:a14="http://schemas.microsoft.com/office/drawing/2010/main" w="9525">
+                <a:solidFill>
+                  <a:srgbClr val="000000"/>
+                </a:solidFill>
+                <a:miter lim="800000"/>
+                <a:headEnd/>
+                <a:tailEnd/>
+              </a14:hiddenLine>
+            </a:ext>
+          </a:extLst>
+        </p:spPr>
+        <p:txBody>
+          <a:bodyPr wrap="square">
+            <a:spAutoFit/>
+          </a:bodyPr>
+          <a:lstStyle>
+            <a:lvl1pPr eaLnBrk="0" hangingPunct="0">
+              <a:defRPr>
+                <a:solidFill>
+                  <a:schemeClr val="tx1"/>
+                </a:solidFill>
+                <a:latin typeface="Calibri" pitchFamily="34" charset="0"/>
+                <a:ea typeface="宋体" pitchFamily="2" charset="-122"/>
+              </a:defRPr>
+            </a:lvl1pPr>
+            <a:lvl2pPr marL="742950" indent="-285750" eaLnBrk="0" hangingPunct="0">
+              <a:defRPr>
+                <a:solidFill>
+                  <a:schemeClr val="tx1"/>
+                </a:solidFill>
+                <a:latin typeface="Calibri" pitchFamily="34" charset="0"/>
+                <a:ea typeface="宋体" pitchFamily="2" charset="-122"/>
+              </a:defRPr>
+            </a:lvl2pPr>
+            <a:lvl3pPr marL="1143000" indent="-228600" eaLnBrk="0" hangingPunct="0">
+              <a:defRPr>
+                <a:solidFill>
+                  <a:schemeClr val="tx1"/>
+                </a:solidFill>
+                <a:latin typeface="Calibri" pitchFamily="34" charset="0"/>
+                <a:ea typeface="宋体" pitchFamily="2" charset="-122"/>
+              </a:defRPr>
+            </a:lvl3pPr>
+            <a:lvl4pPr marL="1600200" indent="-228600" eaLnBrk="0" hangingPunct="0">
+              <a:defRPr>
+                <a:solidFill>
+                  <a:schemeClr val="tx1"/>
+                </a:solidFill>
+                <a:latin typeface="Calibri" pitchFamily="34" charset="0"/>
+                <a:ea typeface="宋体" pitchFamily="2" charset="-122"/>
+              </a:defRPr>
+            </a:lvl4pPr>
+            <a:lvl5pPr marL="2057400" indent="-228600" eaLnBrk="0" hangingPunct="0">
+              <a:defRPr>
+                <a:solidFill>
+                  <a:schemeClr val="tx1"/>
+                </a:solidFill>
+                <a:latin typeface="Calibri" pitchFamily="34" charset="0"/>
+                <a:ea typeface="宋体" pitchFamily="2" charset="-122"/>
+              </a:defRPr>
+            </a:lvl5pPr>
+            <a:lvl6pPr marL="2514600" indent="-228600" eaLnBrk="0" fontAlgn="base" hangingPunct="0">
+              <a:spcBef>
+                <a:spcPct val="0"/>
+              </a:spcBef>
+              <a:spcAft>
+                <a:spcPct val="0"/>
+              </a:spcAft>
+              <a:defRPr>
+                <a:solidFill>
+                  <a:schemeClr val="tx1"/>
+                </a:solidFill>
+                <a:latin typeface="Calibri" pitchFamily="34" charset="0"/>
+                <a:ea typeface="宋体" pitchFamily="2" charset="-122"/>
+              </a:defRPr>
+            </a:lvl6pPr>
+            <a:lvl7pPr marL="2971800" indent="-228600" eaLnBrk="0" fontAlgn="base" hangingPunct="0">
+              <a:spcBef>
+                <a:spcPct val="0"/>
+              </a:spcBef>
+              <a:spcAft>
+                <a:spcPct val="0"/>
+              </a:spcAft>
+              <a:defRPr>
+                <a:solidFill>
+                  <a:schemeClr val="tx1"/>
+                </a:solidFill>
+                <a:latin typeface="Calibri" pitchFamily="34" charset="0"/>
+                <a:ea typeface="宋体" pitchFamily="2" charset="-122"/>
+              </a:defRPr>
+            </a:lvl7pPr>
+            <a:lvl8pPr marL="3429000" indent="-228600" eaLnBrk="0" fontAlgn="base" hangingPunct="0">
+              <a:spcBef>
+                <a:spcPct val="0"/>
+              </a:spcBef>
+              <a:spcAft>
+                <a:spcPct val="0"/>
+              </a:spcAft>
+              <a:defRPr>
+                <a:solidFill>
+                  <a:schemeClr val="tx1"/>
+                </a:solidFill>
+                <a:latin typeface="Calibri" pitchFamily="34" charset="0"/>
+                <a:ea typeface="宋体" pitchFamily="2" charset="-122"/>
+              </a:defRPr>
+            </a:lvl8pPr>
+            <a:lvl9pPr marL="3886200" indent="-228600" eaLnBrk="0" fontAlgn="base" hangingPunct="0">
+              <a:spcBef>
+                <a:spcPct val="0"/>
+              </a:spcBef>
+              <a:spcAft>
+                <a:spcPct val="0"/>
+              </a:spcAft>
+              <a:defRPr>
+                <a:solidFill>
+                  <a:schemeClr val="tx1"/>
+                </a:solidFill>
+                <a:latin typeface="Calibri" pitchFamily="34" charset="0"/>
+                <a:ea typeface="宋体" pitchFamily="2" charset="-122"/>
+              </a:defRPr>
+            </a:lvl9pPr>
+          </a:lstStyle>
+          <a:p>
+            <a:pPr eaLnBrk="1" fontAlgn="base" hangingPunct="1">
+              <a:spcBef>
+                <a:spcPct val="0"/>
+              </a:spcBef>
+              <a:spcAft>
+                <a:spcPct val="0"/>
+              </a:spcAft>
+            </a:pPr>
+            <a:r>
+              <a:rPr lang="zh-CN" altLang="en-US" sz="3000" b="1" dirty="0">
+                <a:solidFill>
+                  <a:prstClr val="white"/>
+                </a:solidFill>
+                <a:latin typeface="微软雅黑" panose="020B0503020204020204" pitchFamily="34" charset="-122"/>
+                <a:ea typeface="微软雅黑" panose="020B0503020204020204" pitchFamily="34" charset="-122"/>
+                <a:cs typeface="Arial" pitchFamily="34" charset="0"/>
+              </a:rPr>
+              <a:t>提纲</a:t>
+            </a:r>
+          </a:p>
+        </p:txBody>
+      </p:sp>
     </p:spTree>
     <p:extLst>
       <p:ext uri="{BB962C8B-B14F-4D97-AF65-F5344CB8AC3E}">
-        <p14:creationId xmlns:p14="http://schemas.microsoft.com/office/powerpoint/2010/main" val="2318764494"/>
+        <p14:creationId xmlns:p14="http://schemas.microsoft.com/office/powerpoint/2010/main" val="3869958573"/>
       </p:ext>
     </p:extLst>
   </p:cSld>
@@ -1236,20 +2480,435 @@
           <a:chExt cx="0" cy="0"/>
         </a:xfrm>
       </p:grpSpPr>
-      <p:sp>
-        <p:nvSpPr>
-          <p:cNvPr id="2" name="标题 1">
+      <p:grpSp>
+        <p:nvGrpSpPr>
+          <p:cNvPr id="8" name="组合 7">
             <a:extLst>
               <a:ext uri="{FF2B5EF4-FFF2-40B4-BE49-F238E27FC236}">
-                <a16:creationId xmlns:a16="http://schemas.microsoft.com/office/drawing/2014/main" id="{C08BFE7D-8D23-474B-BD12-9E5C225285C3}"/>
+                <a16:creationId xmlns:a16="http://schemas.microsoft.com/office/drawing/2014/main" id="{1B9BF0A4-17AA-4116-B463-360E9B871E6B}"/>
               </a:ext>
             </a:extLst>
           </p:cNvPr>
+          <p:cNvGrpSpPr/>
+          <p:nvPr/>
+        </p:nvGrpSpPr>
+        <p:grpSpPr>
+          <a:xfrm>
+            <a:off x="0" y="-24"/>
+            <a:ext cx="12192000" cy="863601"/>
+            <a:chOff x="0" y="-26988"/>
+            <a:chExt cx="9144000" cy="863601"/>
+          </a:xfrm>
+        </p:grpSpPr>
+        <p:sp>
+          <p:nvSpPr>
+            <p:cNvPr id="9" name="标题 3">
+              <a:extLst>
+                <a:ext uri="{FF2B5EF4-FFF2-40B4-BE49-F238E27FC236}">
+                  <a16:creationId xmlns:a16="http://schemas.microsoft.com/office/drawing/2014/main" id="{4CD6A6AB-DF25-4447-AA31-6C2F889D5FB2}"/>
+                </a:ext>
+              </a:extLst>
+            </p:cNvPr>
+            <p:cNvSpPr txBox="1">
+              <a:spLocks/>
+            </p:cNvSpPr>
+            <p:nvPr/>
+          </p:nvSpPr>
+          <p:spPr>
+            <a:xfrm>
+              <a:off x="0" y="-26988"/>
+              <a:ext cx="9144000" cy="863601"/>
+            </a:xfrm>
+            <a:prstGeom prst="rect">
+              <a:avLst/>
+            </a:prstGeom>
+            <a:solidFill>
+              <a:srgbClr val="02409A"/>
+            </a:solidFill>
+            <a:ln>
+              <a:noFill/>
+            </a:ln>
+            <a:effectLst/>
+          </p:spPr>
+          <p:txBody>
+            <a:bodyPr tIns="0" bIns="0" anchor="ctr"/>
+            <a:lstStyle/>
+            <a:p>
+              <a:pPr algn="ctr">
+                <a:spcBef>
+                  <a:spcPct val="0"/>
+                </a:spcBef>
+                <a:defRPr/>
+              </a:pPr>
+              <a:endParaRPr lang="zh-CN" altLang="en-US" sz="4800" b="1" dirty="0">
+                <a:solidFill>
+                  <a:prstClr val="white"/>
+                </a:solidFill>
+                <a:latin typeface="微软雅黑" pitchFamily="34" charset="-122"/>
+                <a:ea typeface="微软雅黑" pitchFamily="34" charset="-122"/>
+              </a:endParaRPr>
+            </a:p>
+          </p:txBody>
+        </p:sp>
+        <p:cxnSp>
+          <p:nvCxnSpPr>
+            <p:cNvPr id="10" name="直接连接符 19">
+              <a:extLst>
+                <a:ext uri="{FF2B5EF4-FFF2-40B4-BE49-F238E27FC236}">
+                  <a16:creationId xmlns:a16="http://schemas.microsoft.com/office/drawing/2014/main" id="{3A276ED9-4D9E-440A-A84A-84AE621A77BA}"/>
+                </a:ext>
+              </a:extLst>
+            </p:cNvPr>
+            <p:cNvCxnSpPr>
+              <a:cxnSpLocks/>
+            </p:cNvCxnSpPr>
+            <p:nvPr/>
+          </p:nvCxnSpPr>
+          <p:spPr bwMode="auto">
+            <a:xfrm flipH="1">
+              <a:off x="449263" y="-25400"/>
+              <a:ext cx="1587" cy="841375"/>
+            </a:xfrm>
+            <a:prstGeom prst="line">
+              <a:avLst/>
+            </a:prstGeom>
+            <a:noFill/>
+            <a:ln w="28575" algn="ctr">
+              <a:solidFill>
+                <a:schemeClr val="bg1"/>
+              </a:solidFill>
+              <a:round/>
+              <a:headEnd/>
+              <a:tailEnd/>
+            </a:ln>
+            <a:effectLst/>
+            <a:extLst>
+              <a:ext uri="{909E8E84-426E-40DD-AFC4-6F175D3DCCD1}">
+                <a14:hiddenFill xmlns:a14="http://schemas.microsoft.com/office/drawing/2010/main">
+                  <a:noFill/>
+                </a14:hiddenFill>
+              </a:ext>
+            </a:extLst>
+          </p:spPr>
+        </p:cxnSp>
+        <p:cxnSp>
+          <p:nvCxnSpPr>
+            <p:cNvPr id="11" name="直接连接符 20">
+              <a:extLst>
+                <a:ext uri="{FF2B5EF4-FFF2-40B4-BE49-F238E27FC236}">
+                  <a16:creationId xmlns:a16="http://schemas.microsoft.com/office/drawing/2014/main" id="{8DC851E0-C218-4FEF-871A-3065C46D640F}"/>
+                </a:ext>
+              </a:extLst>
+            </p:cNvPr>
+            <p:cNvCxnSpPr>
+              <a:cxnSpLocks/>
+            </p:cNvCxnSpPr>
+            <p:nvPr/>
+          </p:nvCxnSpPr>
+          <p:spPr bwMode="auto">
+            <a:xfrm flipH="1">
+              <a:off x="511175" y="-26988"/>
+              <a:ext cx="1588" cy="554038"/>
+            </a:xfrm>
+            <a:prstGeom prst="line">
+              <a:avLst/>
+            </a:prstGeom>
+            <a:noFill/>
+            <a:ln w="28575" algn="ctr">
+              <a:solidFill>
+                <a:schemeClr val="bg1"/>
+              </a:solidFill>
+              <a:round/>
+              <a:headEnd/>
+              <a:tailEnd/>
+            </a:ln>
+            <a:effectLst/>
+            <a:extLst>
+              <a:ext uri="{909E8E84-426E-40DD-AFC4-6F175D3DCCD1}">
+                <a14:hiddenFill xmlns:a14="http://schemas.microsoft.com/office/drawing/2010/main">
+                  <a:noFill/>
+                </a14:hiddenFill>
+              </a:ext>
+            </a:extLst>
+          </p:spPr>
+        </p:cxnSp>
+        <p:cxnSp>
+          <p:nvCxnSpPr>
+            <p:cNvPr id="12" name="直接连接符 30">
+              <a:extLst>
+                <a:ext uri="{FF2B5EF4-FFF2-40B4-BE49-F238E27FC236}">
+                  <a16:creationId xmlns:a16="http://schemas.microsoft.com/office/drawing/2014/main" id="{C400D821-542D-4941-BD6A-B493542CA5AB}"/>
+                </a:ext>
+              </a:extLst>
+            </p:cNvPr>
+            <p:cNvCxnSpPr>
+              <a:cxnSpLocks/>
+            </p:cNvCxnSpPr>
+            <p:nvPr/>
+          </p:nvCxnSpPr>
+          <p:spPr bwMode="auto">
+            <a:xfrm>
+              <a:off x="576263" y="-26988"/>
+              <a:ext cx="0" cy="298451"/>
+            </a:xfrm>
+            <a:prstGeom prst="line">
+              <a:avLst/>
+            </a:prstGeom>
+            <a:noFill/>
+            <a:ln w="28575" algn="ctr">
+              <a:solidFill>
+                <a:schemeClr val="bg1"/>
+              </a:solidFill>
+              <a:round/>
+              <a:headEnd/>
+              <a:tailEnd/>
+            </a:ln>
+            <a:effectLst/>
+            <a:extLst>
+              <a:ext uri="{909E8E84-426E-40DD-AFC4-6F175D3DCCD1}">
+                <a14:hiddenFill xmlns:a14="http://schemas.microsoft.com/office/drawing/2010/main">
+                  <a:noFill/>
+                </a14:hiddenFill>
+              </a:ext>
+            </a:extLst>
+          </p:spPr>
+        </p:cxnSp>
+      </p:grpSp>
+      <p:sp>
+        <p:nvSpPr>
+          <p:cNvPr id="2" name="标题 1"/>
           <p:cNvSpPr>
             <a:spLocks noGrp="1"/>
           </p:cNvSpPr>
           <p:nvPr>
             <p:ph type="title"/>
+          </p:nvPr>
+        </p:nvSpPr>
+        <p:spPr>
+          <a:xfrm>
+            <a:off x="829733" y="169838"/>
+            <a:ext cx="11118683" cy="553998"/>
+          </a:xfrm>
+          <a:prstGeom prst="rect">
+            <a:avLst/>
+          </a:prstGeom>
+        </p:spPr>
+        <p:txBody>
+          <a:bodyPr vert="horz" lIns="91440" tIns="45720" rIns="91440" bIns="45720" rtlCol="0" anchor="ctr">
+            <a:normAutofit/>
+          </a:bodyPr>
+          <a:lstStyle>
+            <a:lvl1pPr algn="l">
+              <a:defRPr lang="zh-CN" altLang="en-US" sz="3000" b="1" dirty="0">
+                <a:solidFill>
+                  <a:prstClr val="white"/>
+                </a:solidFill>
+                <a:latin typeface="微软雅黑" panose="020B0503020204020204" pitchFamily="34" charset="-122"/>
+                <a:ea typeface="微软雅黑" panose="020B0503020204020204" pitchFamily="34" charset="-122"/>
+                <a:cs typeface="Arial" pitchFamily="34" charset="0"/>
+              </a:defRPr>
+            </a:lvl1pPr>
+          </a:lstStyle>
+          <a:p>
+            <a:pPr marL="0" lvl="0" algn="l" fontAlgn="base">
+              <a:spcAft>
+                <a:spcPct val="0"/>
+              </a:spcAft>
+            </a:pPr>
+            <a:r>
+              <a:rPr lang="zh-CN" altLang="en-US"/>
+              <a:t>单击此处编辑母版标题样式</a:t>
+            </a:r>
+            <a:endParaRPr lang="zh-CN" altLang="en-US" dirty="0"/>
+          </a:p>
+        </p:txBody>
+      </p:sp>
+      <p:sp>
+        <p:nvSpPr>
+          <p:cNvPr id="3" name="内容占位符 2"/>
+          <p:cNvSpPr>
+            <a:spLocks noGrp="1"/>
+          </p:cNvSpPr>
+          <p:nvPr>
+            <p:ph sz="half" idx="1"/>
+          </p:nvPr>
+        </p:nvSpPr>
+        <p:spPr>
+          <a:xfrm>
+            <a:off x="609600" y="1033440"/>
+            <a:ext cx="5384800" cy="5092724"/>
+          </a:xfrm>
+        </p:spPr>
+        <p:txBody>
+          <a:bodyPr/>
+          <a:lstStyle>
+            <a:lvl1pPr marL="342900" indent="-342900">
+              <a:buFont typeface="Wingdings" panose="05000000000000000000" pitchFamily="2" charset="2"/>
+              <a:buChar char="Ø"/>
+              <a:defRPr sz="2800"/>
+            </a:lvl1pPr>
+            <a:lvl2pPr marL="742950" indent="-285750">
+              <a:buFont typeface="Wingdings" panose="05000000000000000000" pitchFamily="2" charset="2"/>
+              <a:buChar char="n"/>
+              <a:defRPr sz="2400"/>
+            </a:lvl2pPr>
+            <a:lvl3pPr>
+              <a:defRPr sz="2000"/>
+            </a:lvl3pPr>
+            <a:lvl4pPr>
+              <a:defRPr sz="1800"/>
+            </a:lvl4pPr>
+            <a:lvl5pPr>
+              <a:defRPr sz="1800"/>
+            </a:lvl5pPr>
+            <a:lvl6pPr>
+              <a:defRPr sz="1800"/>
+            </a:lvl6pPr>
+            <a:lvl7pPr>
+              <a:defRPr sz="1800"/>
+            </a:lvl7pPr>
+            <a:lvl8pPr>
+              <a:defRPr sz="1800"/>
+            </a:lvl8pPr>
+            <a:lvl9pPr>
+              <a:defRPr sz="1800"/>
+            </a:lvl9pPr>
+          </a:lstStyle>
+          <a:p>
+            <a:pPr lvl="0"/>
+            <a:r>
+              <a:rPr lang="zh-CN" altLang="en-US"/>
+              <a:t>单击此处编辑母版文本样式</a:t>
+            </a:r>
+          </a:p>
+          <a:p>
+            <a:pPr lvl="1"/>
+            <a:r>
+              <a:rPr lang="zh-CN" altLang="en-US"/>
+              <a:t>二级</a:t>
+            </a:r>
+          </a:p>
+          <a:p>
+            <a:pPr lvl="2"/>
+            <a:r>
+              <a:rPr lang="zh-CN" altLang="en-US"/>
+              <a:t>三级</a:t>
+            </a:r>
+          </a:p>
+          <a:p>
+            <a:pPr lvl="3"/>
+            <a:r>
+              <a:rPr lang="zh-CN" altLang="en-US"/>
+              <a:t>四级</a:t>
+            </a:r>
+          </a:p>
+          <a:p>
+            <a:pPr lvl="4"/>
+            <a:r>
+              <a:rPr lang="zh-CN" altLang="en-US"/>
+              <a:t>五级</a:t>
+            </a:r>
+            <a:endParaRPr lang="zh-CN" altLang="en-US" dirty="0"/>
+          </a:p>
+        </p:txBody>
+      </p:sp>
+      <p:sp>
+        <p:nvSpPr>
+          <p:cNvPr id="4" name="内容占位符 3"/>
+          <p:cNvSpPr>
+            <a:spLocks noGrp="1"/>
+          </p:cNvSpPr>
+          <p:nvPr>
+            <p:ph sz="half" idx="2"/>
+          </p:nvPr>
+        </p:nvSpPr>
+        <p:spPr>
+          <a:xfrm>
+            <a:off x="6197600" y="1033440"/>
+            <a:ext cx="5384800" cy="5092724"/>
+          </a:xfrm>
+        </p:spPr>
+        <p:txBody>
+          <a:bodyPr/>
+          <a:lstStyle>
+            <a:lvl1pPr marL="342900" indent="-342900">
+              <a:buFont typeface="Wingdings" panose="05000000000000000000" pitchFamily="2" charset="2"/>
+              <a:buChar char="Ø"/>
+              <a:defRPr sz="2800"/>
+            </a:lvl1pPr>
+            <a:lvl2pPr marL="742950" indent="-285750">
+              <a:buFont typeface="Wingdings" panose="05000000000000000000" pitchFamily="2" charset="2"/>
+              <a:buChar char="n"/>
+              <a:defRPr sz="2400"/>
+            </a:lvl2pPr>
+            <a:lvl3pPr>
+              <a:defRPr sz="2000"/>
+            </a:lvl3pPr>
+            <a:lvl4pPr>
+              <a:defRPr sz="1800"/>
+            </a:lvl4pPr>
+            <a:lvl5pPr>
+              <a:defRPr sz="1800"/>
+            </a:lvl5pPr>
+            <a:lvl6pPr>
+              <a:defRPr sz="1800"/>
+            </a:lvl6pPr>
+            <a:lvl7pPr>
+              <a:defRPr sz="1800"/>
+            </a:lvl7pPr>
+            <a:lvl8pPr>
+              <a:defRPr sz="1800"/>
+            </a:lvl8pPr>
+            <a:lvl9pPr>
+              <a:defRPr sz="1800"/>
+            </a:lvl9pPr>
+          </a:lstStyle>
+          <a:p>
+            <a:pPr lvl="0"/>
+            <a:r>
+              <a:rPr lang="zh-CN" altLang="en-US"/>
+              <a:t>单击此处编辑母版文本样式</a:t>
+            </a:r>
+          </a:p>
+          <a:p>
+            <a:pPr lvl="1"/>
+            <a:r>
+              <a:rPr lang="zh-CN" altLang="en-US"/>
+              <a:t>二级</a:t>
+            </a:r>
+          </a:p>
+          <a:p>
+            <a:pPr lvl="2"/>
+            <a:r>
+              <a:rPr lang="zh-CN" altLang="en-US"/>
+              <a:t>三级</a:t>
+            </a:r>
+          </a:p>
+          <a:p>
+            <a:pPr lvl="3"/>
+            <a:r>
+              <a:rPr lang="zh-CN" altLang="en-US"/>
+              <a:t>四级</a:t>
+            </a:r>
+          </a:p>
+          <a:p>
+            <a:pPr lvl="4"/>
+            <a:r>
+              <a:rPr lang="zh-CN" altLang="en-US"/>
+              <a:t>五级</a:t>
+            </a:r>
+            <a:endParaRPr lang="zh-CN" altLang="en-US" dirty="0"/>
+          </a:p>
+        </p:txBody>
+      </p:sp>
+      <p:sp>
+        <p:nvSpPr>
+          <p:cNvPr id="5" name="日期占位符 4"/>
+          <p:cNvSpPr>
+            <a:spLocks noGrp="1"/>
+          </p:cNvSpPr>
+          <p:nvPr>
+            <p:ph type="dt" sz="half" idx="10"/>
           </p:nvPr>
         </p:nvSpPr>
         <p:spPr/>
@@ -1257,200 +2916,36 @@
           <a:bodyPr/>
           <a:lstStyle/>
           <a:p>
-            <a:r>
-              <a:rPr lang="zh-CN" altLang="en-US"/>
-              <a:t>单击此处编辑母版标题样式</a:t>
-            </a:r>
-          </a:p>
-        </p:txBody>
-      </p:sp>
-      <p:sp>
-        <p:nvSpPr>
-          <p:cNvPr id="3" name="内容占位符 2">
-            <a:extLst>
-              <a:ext uri="{FF2B5EF4-FFF2-40B4-BE49-F238E27FC236}">
-                <a16:creationId xmlns:a16="http://schemas.microsoft.com/office/drawing/2014/main" id="{C88A87F0-D0B4-427F-9B97-D58199D1E720}"/>
-              </a:ext>
-            </a:extLst>
-          </p:cNvPr>
-          <p:cNvSpPr>
-            <a:spLocks noGrp="1"/>
-          </p:cNvSpPr>
-          <p:nvPr>
-            <p:ph sz="half" idx="1"/>
-          </p:nvPr>
-        </p:nvSpPr>
-        <p:spPr>
-          <a:xfrm>
-            <a:off x="838200" y="1825625"/>
-            <a:ext cx="5181600" cy="4351338"/>
-          </a:xfrm>
-        </p:spPr>
+            <a:fld id="{2EAD0950-2054-428B-9889-8F686D45EC32}" type="datetimeFigureOut">
+              <a:rPr lang="zh-CN" altLang="en-US" smtClean="0"/>
+              <a:t>2020/6/23</a:t>
+            </a:fld>
+            <a:endParaRPr lang="zh-CN" altLang="en-US"/>
+          </a:p>
+        </p:txBody>
+      </p:sp>
+      <p:sp>
+        <p:nvSpPr>
+          <p:cNvPr id="6" name="页脚占位符 5"/>
+          <p:cNvSpPr>
+            <a:spLocks noGrp="1"/>
+          </p:cNvSpPr>
+          <p:nvPr>
+            <p:ph type="ftr" sz="quarter" idx="11"/>
+          </p:nvPr>
+        </p:nvSpPr>
+        <p:spPr/>
         <p:txBody>
           <a:bodyPr/>
           <a:lstStyle/>
           <a:p>
-            <a:pPr lvl="0"/>
-            <a:r>
-              <a:rPr lang="zh-CN" altLang="en-US"/>
-              <a:t>单击此处编辑母版文本样式</a:t>
-            </a:r>
-          </a:p>
-          <a:p>
-            <a:pPr lvl="1"/>
-            <a:r>
-              <a:rPr lang="zh-CN" altLang="en-US"/>
-              <a:t>二级</a:t>
-            </a:r>
-          </a:p>
-          <a:p>
-            <a:pPr lvl="2"/>
-            <a:r>
-              <a:rPr lang="zh-CN" altLang="en-US"/>
-              <a:t>三级</a:t>
-            </a:r>
-          </a:p>
-          <a:p>
-            <a:pPr lvl="3"/>
-            <a:r>
-              <a:rPr lang="zh-CN" altLang="en-US"/>
-              <a:t>四级</a:t>
-            </a:r>
-          </a:p>
-          <a:p>
-            <a:pPr lvl="4"/>
-            <a:r>
-              <a:rPr lang="zh-CN" altLang="en-US"/>
-              <a:t>五级</a:t>
-            </a:r>
-          </a:p>
-        </p:txBody>
-      </p:sp>
-      <p:sp>
-        <p:nvSpPr>
-          <p:cNvPr id="4" name="内容占位符 3">
-            <a:extLst>
-              <a:ext uri="{FF2B5EF4-FFF2-40B4-BE49-F238E27FC236}">
-                <a16:creationId xmlns:a16="http://schemas.microsoft.com/office/drawing/2014/main" id="{C63DB8FD-8EB3-425E-8EB8-339EF93CFD64}"/>
-              </a:ext>
-            </a:extLst>
-          </p:cNvPr>
-          <p:cNvSpPr>
-            <a:spLocks noGrp="1"/>
-          </p:cNvSpPr>
-          <p:nvPr>
-            <p:ph sz="half" idx="2"/>
-          </p:nvPr>
-        </p:nvSpPr>
-        <p:spPr>
-          <a:xfrm>
-            <a:off x="6172200" y="1825625"/>
-            <a:ext cx="5181600" cy="4351338"/>
-          </a:xfrm>
-        </p:spPr>
-        <p:txBody>
-          <a:bodyPr/>
-          <a:lstStyle/>
-          <a:p>
-            <a:pPr lvl="0"/>
-            <a:r>
-              <a:rPr lang="zh-CN" altLang="en-US"/>
-              <a:t>单击此处编辑母版文本样式</a:t>
-            </a:r>
-          </a:p>
-          <a:p>
-            <a:pPr lvl="1"/>
-            <a:r>
-              <a:rPr lang="zh-CN" altLang="en-US"/>
-              <a:t>二级</a:t>
-            </a:r>
-          </a:p>
-          <a:p>
-            <a:pPr lvl="2"/>
-            <a:r>
-              <a:rPr lang="zh-CN" altLang="en-US"/>
-              <a:t>三级</a:t>
-            </a:r>
-          </a:p>
-          <a:p>
-            <a:pPr lvl="3"/>
-            <a:r>
-              <a:rPr lang="zh-CN" altLang="en-US"/>
-              <a:t>四级</a:t>
-            </a:r>
-          </a:p>
-          <a:p>
-            <a:pPr lvl="4"/>
-            <a:r>
-              <a:rPr lang="zh-CN" altLang="en-US"/>
-              <a:t>五级</a:t>
-            </a:r>
-          </a:p>
-        </p:txBody>
-      </p:sp>
-      <p:sp>
-        <p:nvSpPr>
-          <p:cNvPr id="5" name="日期占位符 4">
-            <a:extLst>
-              <a:ext uri="{FF2B5EF4-FFF2-40B4-BE49-F238E27FC236}">
-                <a16:creationId xmlns:a16="http://schemas.microsoft.com/office/drawing/2014/main" id="{7EDE149B-0485-4E5C-8A7E-BC18E3C99BF2}"/>
-              </a:ext>
-            </a:extLst>
-          </p:cNvPr>
-          <p:cNvSpPr>
-            <a:spLocks noGrp="1"/>
-          </p:cNvSpPr>
-          <p:nvPr>
-            <p:ph type="dt" sz="half" idx="10"/>
-          </p:nvPr>
-        </p:nvSpPr>
-        <p:spPr/>
-        <p:txBody>
-          <a:bodyPr/>
-          <a:lstStyle/>
-          <a:p>
-            <a:fld id="{2EAD0950-2054-428B-9889-8F686D45EC32}" type="datetimeFigureOut">
-              <a:rPr lang="zh-CN" altLang="en-US" smtClean="0"/>
-              <a:t>2020/6/22</a:t>
-            </a:fld>
             <a:endParaRPr lang="zh-CN" altLang="en-US"/>
           </a:p>
         </p:txBody>
       </p:sp>
       <p:sp>
         <p:nvSpPr>
-          <p:cNvPr id="6" name="页脚占位符 5">
-            <a:extLst>
-              <a:ext uri="{FF2B5EF4-FFF2-40B4-BE49-F238E27FC236}">
-                <a16:creationId xmlns:a16="http://schemas.microsoft.com/office/drawing/2014/main" id="{770B1D4E-1C5E-455A-B1A8-E9901BD05390}"/>
-              </a:ext>
-            </a:extLst>
-          </p:cNvPr>
-          <p:cNvSpPr>
-            <a:spLocks noGrp="1"/>
-          </p:cNvSpPr>
-          <p:nvPr>
-            <p:ph type="ftr" sz="quarter" idx="11"/>
-          </p:nvPr>
-        </p:nvSpPr>
-        <p:spPr/>
-        <p:txBody>
-          <a:bodyPr/>
-          <a:lstStyle/>
-          <a:p>
-            <a:endParaRPr lang="zh-CN" altLang="en-US"/>
-          </a:p>
-        </p:txBody>
-      </p:sp>
-      <p:sp>
-        <p:nvSpPr>
-          <p:cNvPr id="7" name="灯片编号占位符 6">
-            <a:extLst>
-              <a:ext uri="{FF2B5EF4-FFF2-40B4-BE49-F238E27FC236}">
-                <a16:creationId xmlns:a16="http://schemas.microsoft.com/office/drawing/2014/main" id="{6AB00E6F-6C87-4214-B35B-6CFEBDF62C58}"/>
-              </a:ext>
-            </a:extLst>
-          </p:cNvPr>
+          <p:cNvPr id="7" name="灯片编号占位符 6"/>
           <p:cNvSpPr>
             <a:spLocks noGrp="1"/>
           </p:cNvSpPr>
@@ -1474,7 +2969,7 @@
     </p:spTree>
     <p:extLst>
       <p:ext uri="{BB962C8B-B14F-4D97-AF65-F5344CB8AC3E}">
-        <p14:creationId xmlns:p14="http://schemas.microsoft.com/office/powerpoint/2010/main" val="2432082934"/>
+        <p14:creationId xmlns:p14="http://schemas.microsoft.com/office/powerpoint/2010/main" val="299862838"/>
       </p:ext>
     </p:extLst>
   </p:cSld>
@@ -1501,15 +2996,203 @@
           <a:chExt cx="0" cy="0"/>
         </a:xfrm>
       </p:grpSpPr>
-      <p:sp>
-        <p:nvSpPr>
-          <p:cNvPr id="2" name="标题 1">
+      <p:grpSp>
+        <p:nvGrpSpPr>
+          <p:cNvPr id="10" name="组合 9">
             <a:extLst>
               <a:ext uri="{FF2B5EF4-FFF2-40B4-BE49-F238E27FC236}">
-                <a16:creationId xmlns:a16="http://schemas.microsoft.com/office/drawing/2014/main" id="{7532E679-56BE-441F-BBCF-F21481462286}"/>
+                <a16:creationId xmlns:a16="http://schemas.microsoft.com/office/drawing/2014/main" id="{0F997A75-5537-440A-81DD-40FE6869741F}"/>
               </a:ext>
             </a:extLst>
           </p:cNvPr>
+          <p:cNvGrpSpPr/>
+          <p:nvPr/>
+        </p:nvGrpSpPr>
+        <p:grpSpPr>
+          <a:xfrm>
+            <a:off x="0" y="-24"/>
+            <a:ext cx="12192000" cy="863601"/>
+            <a:chOff x="0" y="-26988"/>
+            <a:chExt cx="9144000" cy="863601"/>
+          </a:xfrm>
+        </p:grpSpPr>
+        <p:sp>
+          <p:nvSpPr>
+            <p:cNvPr id="11" name="标题 3">
+              <a:extLst>
+                <a:ext uri="{FF2B5EF4-FFF2-40B4-BE49-F238E27FC236}">
+                  <a16:creationId xmlns:a16="http://schemas.microsoft.com/office/drawing/2014/main" id="{7CE531F4-6090-42D3-A92F-67A519F6D078}"/>
+                </a:ext>
+              </a:extLst>
+            </p:cNvPr>
+            <p:cNvSpPr txBox="1">
+              <a:spLocks/>
+            </p:cNvSpPr>
+            <p:nvPr/>
+          </p:nvSpPr>
+          <p:spPr>
+            <a:xfrm>
+              <a:off x="0" y="-26988"/>
+              <a:ext cx="9144000" cy="863601"/>
+            </a:xfrm>
+            <a:prstGeom prst="rect">
+              <a:avLst/>
+            </a:prstGeom>
+            <a:solidFill>
+              <a:srgbClr val="02409A"/>
+            </a:solidFill>
+            <a:ln>
+              <a:noFill/>
+            </a:ln>
+            <a:effectLst/>
+          </p:spPr>
+          <p:txBody>
+            <a:bodyPr tIns="0" bIns="0" anchor="ctr"/>
+            <a:lstStyle/>
+            <a:p>
+              <a:pPr algn="ctr">
+                <a:spcBef>
+                  <a:spcPct val="0"/>
+                </a:spcBef>
+                <a:defRPr/>
+              </a:pPr>
+              <a:endParaRPr lang="zh-CN" altLang="en-US" sz="4800" b="1" dirty="0">
+                <a:solidFill>
+                  <a:prstClr val="white"/>
+                </a:solidFill>
+                <a:latin typeface="微软雅黑" pitchFamily="34" charset="-122"/>
+                <a:ea typeface="微软雅黑" pitchFamily="34" charset="-122"/>
+              </a:endParaRPr>
+            </a:p>
+          </p:txBody>
+        </p:sp>
+        <p:cxnSp>
+          <p:nvCxnSpPr>
+            <p:cNvPr id="12" name="直接连接符 19">
+              <a:extLst>
+                <a:ext uri="{FF2B5EF4-FFF2-40B4-BE49-F238E27FC236}">
+                  <a16:creationId xmlns:a16="http://schemas.microsoft.com/office/drawing/2014/main" id="{0C3A453E-A72A-4D5D-A50D-04D166C5F790}"/>
+                </a:ext>
+              </a:extLst>
+            </p:cNvPr>
+            <p:cNvCxnSpPr>
+              <a:cxnSpLocks/>
+            </p:cNvCxnSpPr>
+            <p:nvPr/>
+          </p:nvCxnSpPr>
+          <p:spPr bwMode="auto">
+            <a:xfrm flipH="1">
+              <a:off x="449263" y="-25400"/>
+              <a:ext cx="1587" cy="841375"/>
+            </a:xfrm>
+            <a:prstGeom prst="line">
+              <a:avLst/>
+            </a:prstGeom>
+            <a:noFill/>
+            <a:ln w="28575" algn="ctr">
+              <a:solidFill>
+                <a:schemeClr val="bg1"/>
+              </a:solidFill>
+              <a:round/>
+              <a:headEnd/>
+              <a:tailEnd/>
+            </a:ln>
+            <a:effectLst/>
+            <a:extLst>
+              <a:ext uri="{909E8E84-426E-40DD-AFC4-6F175D3DCCD1}">
+                <a14:hiddenFill xmlns:a14="http://schemas.microsoft.com/office/drawing/2010/main">
+                  <a:noFill/>
+                </a14:hiddenFill>
+              </a:ext>
+            </a:extLst>
+          </p:spPr>
+        </p:cxnSp>
+        <p:cxnSp>
+          <p:nvCxnSpPr>
+            <p:cNvPr id="13" name="直接连接符 20">
+              <a:extLst>
+                <a:ext uri="{FF2B5EF4-FFF2-40B4-BE49-F238E27FC236}">
+                  <a16:creationId xmlns:a16="http://schemas.microsoft.com/office/drawing/2014/main" id="{7AB50A70-8E93-4820-AAE5-F7D6D8ED343D}"/>
+                </a:ext>
+              </a:extLst>
+            </p:cNvPr>
+            <p:cNvCxnSpPr>
+              <a:cxnSpLocks/>
+            </p:cNvCxnSpPr>
+            <p:nvPr/>
+          </p:nvCxnSpPr>
+          <p:spPr bwMode="auto">
+            <a:xfrm flipH="1">
+              <a:off x="511175" y="-26988"/>
+              <a:ext cx="1588" cy="554038"/>
+            </a:xfrm>
+            <a:prstGeom prst="line">
+              <a:avLst/>
+            </a:prstGeom>
+            <a:noFill/>
+            <a:ln w="28575" algn="ctr">
+              <a:solidFill>
+                <a:schemeClr val="bg1"/>
+              </a:solidFill>
+              <a:round/>
+              <a:headEnd/>
+              <a:tailEnd/>
+            </a:ln>
+            <a:effectLst/>
+            <a:extLst>
+              <a:ext uri="{909E8E84-426E-40DD-AFC4-6F175D3DCCD1}">
+                <a14:hiddenFill xmlns:a14="http://schemas.microsoft.com/office/drawing/2010/main">
+                  <a:noFill/>
+                </a14:hiddenFill>
+              </a:ext>
+            </a:extLst>
+          </p:spPr>
+        </p:cxnSp>
+        <p:cxnSp>
+          <p:nvCxnSpPr>
+            <p:cNvPr id="14" name="直接连接符 30">
+              <a:extLst>
+                <a:ext uri="{FF2B5EF4-FFF2-40B4-BE49-F238E27FC236}">
+                  <a16:creationId xmlns:a16="http://schemas.microsoft.com/office/drawing/2014/main" id="{BC8A1772-E37A-4276-BC13-2F9DFCB9E34A}"/>
+                </a:ext>
+              </a:extLst>
+            </p:cNvPr>
+            <p:cNvCxnSpPr>
+              <a:cxnSpLocks/>
+            </p:cNvCxnSpPr>
+            <p:nvPr/>
+          </p:nvCxnSpPr>
+          <p:spPr bwMode="auto">
+            <a:xfrm>
+              <a:off x="576263" y="-26988"/>
+              <a:ext cx="0" cy="298451"/>
+            </a:xfrm>
+            <a:prstGeom prst="line">
+              <a:avLst/>
+            </a:prstGeom>
+            <a:noFill/>
+            <a:ln w="28575" algn="ctr">
+              <a:solidFill>
+                <a:schemeClr val="bg1"/>
+              </a:solidFill>
+              <a:round/>
+              <a:headEnd/>
+              <a:tailEnd/>
+            </a:ln>
+            <a:effectLst/>
+            <a:extLst>
+              <a:ext uri="{909E8E84-426E-40DD-AFC4-6F175D3DCCD1}">
+                <a14:hiddenFill xmlns:a14="http://schemas.microsoft.com/office/drawing/2010/main">
+                  <a:noFill/>
+                </a14:hiddenFill>
+              </a:ext>
+            </a:extLst>
+          </p:spPr>
+        </p:cxnSp>
+      </p:grpSp>
+      <p:sp>
+        <p:nvSpPr>
+          <p:cNvPr id="2" name="标题 1"/>
           <p:cNvSpPr>
             <a:spLocks noGrp="1"/>
           </p:cNvSpPr>
@@ -1519,30 +3202,46 @@
         </p:nvSpPr>
         <p:spPr>
           <a:xfrm>
-            <a:off x="839788" y="365125"/>
-            <a:ext cx="10515600" cy="1325563"/>
+            <a:off x="829733" y="169838"/>
+            <a:ext cx="11118683" cy="561999"/>
           </a:xfrm>
+          <a:prstGeom prst="rect">
+            <a:avLst/>
+          </a:prstGeom>
         </p:spPr>
         <p:txBody>
-          <a:bodyPr/>
-          <a:lstStyle/>
-          <a:p>
+          <a:bodyPr vert="horz" lIns="91440" tIns="45720" rIns="91440" bIns="45720" rtlCol="0" anchor="ctr">
+            <a:normAutofit/>
+          </a:bodyPr>
+          <a:lstStyle>
+            <a:lvl1pPr algn="l">
+              <a:defRPr lang="zh-CN" altLang="en-US" sz="3000" b="1" dirty="0">
+                <a:solidFill>
+                  <a:prstClr val="white"/>
+                </a:solidFill>
+                <a:latin typeface="微软雅黑" panose="020B0503020204020204" pitchFamily="34" charset="-122"/>
+                <a:ea typeface="微软雅黑" panose="020B0503020204020204" pitchFamily="34" charset="-122"/>
+                <a:cs typeface="Arial" pitchFamily="34" charset="0"/>
+              </a:defRPr>
+            </a:lvl1pPr>
+          </a:lstStyle>
+          <a:p>
+            <a:pPr marL="0" lvl="0" algn="l" fontAlgn="base">
+              <a:spcAft>
+                <a:spcPct val="0"/>
+              </a:spcAft>
+            </a:pPr>
             <a:r>
               <a:rPr lang="zh-CN" altLang="en-US"/>
               <a:t>单击此处编辑母版标题样式</a:t>
             </a:r>
-          </a:p>
-        </p:txBody>
-      </p:sp>
-      <p:sp>
-        <p:nvSpPr>
-          <p:cNvPr id="3" name="文本占位符 2">
-            <a:extLst>
-              <a:ext uri="{FF2B5EF4-FFF2-40B4-BE49-F238E27FC236}">
-                <a16:creationId xmlns:a16="http://schemas.microsoft.com/office/drawing/2014/main" id="{C0970319-C001-4E14-A97F-34F1B35AB618}"/>
-              </a:ext>
-            </a:extLst>
-          </p:cNvPr>
+            <a:endParaRPr lang="zh-CN" altLang="en-US" dirty="0"/>
+          </a:p>
+        </p:txBody>
+      </p:sp>
+      <p:sp>
+        <p:nvSpPr>
+          <p:cNvPr id="3" name="文本占位符 2"/>
           <p:cNvSpPr>
             <a:spLocks noGrp="1"/>
           </p:cNvSpPr>
@@ -1552,8 +3251,8 @@
         </p:nvSpPr>
         <p:spPr>
           <a:xfrm>
-            <a:off x="839788" y="1681163"/>
-            <a:ext cx="5157787" cy="823912"/>
+            <a:off x="609600" y="1033439"/>
+            <a:ext cx="5386917" cy="639762"/>
           </a:xfrm>
         </p:spPr>
         <p:txBody>
@@ -1607,13 +3306,7 @@
       </p:sp>
       <p:sp>
         <p:nvSpPr>
-          <p:cNvPr id="4" name="内容占位符 3">
-            <a:extLst>
-              <a:ext uri="{FF2B5EF4-FFF2-40B4-BE49-F238E27FC236}">
-                <a16:creationId xmlns:a16="http://schemas.microsoft.com/office/drawing/2014/main" id="{BEBEBD8D-F49B-4247-9ECD-7F3A726FC392}"/>
-              </a:ext>
-            </a:extLst>
-          </p:cNvPr>
+          <p:cNvPr id="4" name="内容占位符 3"/>
           <p:cNvSpPr>
             <a:spLocks noGrp="1"/>
           </p:cNvSpPr>
@@ -1623,13 +3316,45 @@
         </p:nvSpPr>
         <p:spPr>
           <a:xfrm>
-            <a:off x="839788" y="2505075"/>
-            <a:ext cx="5157787" cy="3684588"/>
+            <a:off x="609600" y="1673201"/>
+            <a:ext cx="5386917" cy="4452962"/>
           </a:xfrm>
         </p:spPr>
         <p:txBody>
           <a:bodyPr/>
-          <a:lstStyle/>
+          <a:lstStyle>
+            <a:lvl1pPr marL="342900" indent="-342900">
+              <a:buFont typeface="Wingdings" panose="05000000000000000000" pitchFamily="2" charset="2"/>
+              <a:buChar char="Ø"/>
+              <a:defRPr sz="2400"/>
+            </a:lvl1pPr>
+            <a:lvl2pPr marL="742950" indent="-285750">
+              <a:buFont typeface="Wingdings" panose="05000000000000000000" pitchFamily="2" charset="2"/>
+              <a:buChar char="n"/>
+              <a:defRPr sz="2000"/>
+            </a:lvl2pPr>
+            <a:lvl3pPr>
+              <a:defRPr sz="1800"/>
+            </a:lvl3pPr>
+            <a:lvl4pPr>
+              <a:defRPr sz="1600"/>
+            </a:lvl4pPr>
+            <a:lvl5pPr>
+              <a:defRPr sz="1600"/>
+            </a:lvl5pPr>
+            <a:lvl6pPr>
+              <a:defRPr sz="1600"/>
+            </a:lvl6pPr>
+            <a:lvl7pPr>
+              <a:defRPr sz="1600"/>
+            </a:lvl7pPr>
+            <a:lvl8pPr>
+              <a:defRPr sz="1600"/>
+            </a:lvl8pPr>
+            <a:lvl9pPr>
+              <a:defRPr sz="1600"/>
+            </a:lvl9pPr>
+          </a:lstStyle>
           <a:p>
             <a:pPr lvl="0"/>
             <a:r>
@@ -1664,18 +3389,13 @@
               <a:rPr lang="zh-CN" altLang="en-US"/>
               <a:t>五级</a:t>
             </a:r>
-          </a:p>
-        </p:txBody>
-      </p:sp>
-      <p:sp>
-        <p:nvSpPr>
-          <p:cNvPr id="5" name="文本占位符 4">
-            <a:extLst>
-              <a:ext uri="{FF2B5EF4-FFF2-40B4-BE49-F238E27FC236}">
-                <a16:creationId xmlns:a16="http://schemas.microsoft.com/office/drawing/2014/main" id="{66E3521B-7354-4E13-AF80-77C96F1AAD5D}"/>
-              </a:ext>
-            </a:extLst>
-          </p:cNvPr>
+            <a:endParaRPr lang="zh-CN" altLang="en-US" dirty="0"/>
+          </a:p>
+        </p:txBody>
+      </p:sp>
+      <p:sp>
+        <p:nvSpPr>
+          <p:cNvPr id="5" name="文本占位符 4"/>
           <p:cNvSpPr>
             <a:spLocks noGrp="1"/>
           </p:cNvSpPr>
@@ -1685,8 +3405,8 @@
         </p:nvSpPr>
         <p:spPr>
           <a:xfrm>
-            <a:off x="6172200" y="1681163"/>
-            <a:ext cx="5183188" cy="823912"/>
+            <a:off x="6193368" y="1033439"/>
+            <a:ext cx="5389033" cy="639762"/>
           </a:xfrm>
         </p:spPr>
         <p:txBody>
@@ -1740,13 +3460,7 @@
       </p:sp>
       <p:sp>
         <p:nvSpPr>
-          <p:cNvPr id="6" name="内容占位符 5">
-            <a:extLst>
-              <a:ext uri="{FF2B5EF4-FFF2-40B4-BE49-F238E27FC236}">
-                <a16:creationId xmlns:a16="http://schemas.microsoft.com/office/drawing/2014/main" id="{CC0103FF-5164-41B1-849B-E819B26ED45D}"/>
-              </a:ext>
-            </a:extLst>
-          </p:cNvPr>
+          <p:cNvPr id="6" name="内容占位符 5"/>
           <p:cNvSpPr>
             <a:spLocks noGrp="1"/>
           </p:cNvSpPr>
@@ -1756,13 +3470,45 @@
         </p:nvSpPr>
         <p:spPr>
           <a:xfrm>
-            <a:off x="6172200" y="2505075"/>
-            <a:ext cx="5183188" cy="3684588"/>
+            <a:off x="6193368" y="1673201"/>
+            <a:ext cx="5389033" cy="4452962"/>
           </a:xfrm>
         </p:spPr>
         <p:txBody>
           <a:bodyPr/>
-          <a:lstStyle/>
+          <a:lstStyle>
+            <a:lvl1pPr marL="342900" indent="-342900">
+              <a:buFont typeface="Wingdings" panose="05000000000000000000" pitchFamily="2" charset="2"/>
+              <a:buChar char="Ø"/>
+              <a:defRPr sz="2400"/>
+            </a:lvl1pPr>
+            <a:lvl2pPr marL="742950" indent="-285750">
+              <a:buFont typeface="Wingdings" panose="05000000000000000000" pitchFamily="2" charset="2"/>
+              <a:buChar char="n"/>
+              <a:defRPr sz="2000"/>
+            </a:lvl2pPr>
+            <a:lvl3pPr>
+              <a:defRPr sz="1800"/>
+            </a:lvl3pPr>
+            <a:lvl4pPr>
+              <a:defRPr sz="1600"/>
+            </a:lvl4pPr>
+            <a:lvl5pPr>
+              <a:defRPr sz="1600"/>
+            </a:lvl5pPr>
+            <a:lvl6pPr>
+              <a:defRPr sz="1600"/>
+            </a:lvl6pPr>
+            <a:lvl7pPr>
+              <a:defRPr sz="1600"/>
+            </a:lvl7pPr>
+            <a:lvl8pPr>
+              <a:defRPr sz="1600"/>
+            </a:lvl8pPr>
+            <a:lvl9pPr>
+              <a:defRPr sz="1600"/>
+            </a:lvl9pPr>
+          </a:lstStyle>
           <a:p>
             <a:pPr lvl="0"/>
             <a:r>
@@ -1797,18 +3543,13 @@
               <a:rPr lang="zh-CN" altLang="en-US"/>
               <a:t>五级</a:t>
             </a:r>
-          </a:p>
-        </p:txBody>
-      </p:sp>
-      <p:sp>
-        <p:nvSpPr>
-          <p:cNvPr id="7" name="日期占位符 6">
-            <a:extLst>
-              <a:ext uri="{FF2B5EF4-FFF2-40B4-BE49-F238E27FC236}">
-                <a16:creationId xmlns:a16="http://schemas.microsoft.com/office/drawing/2014/main" id="{BC3A2367-1E57-4DA0-894C-CBA998639730}"/>
-              </a:ext>
-            </a:extLst>
-          </p:cNvPr>
+            <a:endParaRPr lang="zh-CN" altLang="en-US" dirty="0"/>
+          </a:p>
+        </p:txBody>
+      </p:sp>
+      <p:sp>
+        <p:nvSpPr>
+          <p:cNvPr id="7" name="日期占位符 6"/>
           <p:cNvSpPr>
             <a:spLocks noGrp="1"/>
           </p:cNvSpPr>
@@ -1823,7 +3564,7 @@
           <a:p>
             <a:fld id="{2EAD0950-2054-428B-9889-8F686D45EC32}" type="datetimeFigureOut">
               <a:rPr lang="zh-CN" altLang="en-US" smtClean="0"/>
-              <a:t>2020/6/22</a:t>
+              <a:t>2020/6/23</a:t>
             </a:fld>
             <a:endParaRPr lang="zh-CN" altLang="en-US"/>
           </a:p>
@@ -1831,13 +3572,7 @@
       </p:sp>
       <p:sp>
         <p:nvSpPr>
-          <p:cNvPr id="8" name="页脚占位符 7">
-            <a:extLst>
-              <a:ext uri="{FF2B5EF4-FFF2-40B4-BE49-F238E27FC236}">
-                <a16:creationId xmlns:a16="http://schemas.microsoft.com/office/drawing/2014/main" id="{2985FE7C-859F-49A8-9062-8DBC40AE5E47}"/>
-              </a:ext>
-            </a:extLst>
-          </p:cNvPr>
+          <p:cNvPr id="8" name="页脚占位符 7"/>
           <p:cNvSpPr>
             <a:spLocks noGrp="1"/>
           </p:cNvSpPr>
@@ -1856,13 +3591,7 @@
       </p:sp>
       <p:sp>
         <p:nvSpPr>
-          <p:cNvPr id="9" name="灯片编号占位符 8">
-            <a:extLst>
-              <a:ext uri="{FF2B5EF4-FFF2-40B4-BE49-F238E27FC236}">
-                <a16:creationId xmlns:a16="http://schemas.microsoft.com/office/drawing/2014/main" id="{C4195D87-428E-43C2-BEE7-E8FE9B792A23}"/>
-              </a:ext>
-            </a:extLst>
-          </p:cNvPr>
+          <p:cNvPr id="9" name="灯片编号占位符 8"/>
           <p:cNvSpPr>
             <a:spLocks noGrp="1"/>
           </p:cNvSpPr>
@@ -1886,7 +3615,7 @@
     </p:spTree>
     <p:extLst>
       <p:ext uri="{BB962C8B-B14F-4D97-AF65-F5344CB8AC3E}">
-        <p14:creationId xmlns:p14="http://schemas.microsoft.com/office/powerpoint/2010/main" val="3158633523"/>
+        <p14:creationId xmlns:p14="http://schemas.microsoft.com/office/powerpoint/2010/main" val="491070272"/>
       </p:ext>
     </p:extLst>
   </p:cSld>
@@ -1913,20 +3642,257 @@
           <a:chExt cx="0" cy="0"/>
         </a:xfrm>
       </p:grpSpPr>
-      <p:sp>
-        <p:nvSpPr>
-          <p:cNvPr id="2" name="标题 1">
+      <p:grpSp>
+        <p:nvGrpSpPr>
+          <p:cNvPr id="6" name="组合 5">
             <a:extLst>
               <a:ext uri="{FF2B5EF4-FFF2-40B4-BE49-F238E27FC236}">
-                <a16:creationId xmlns:a16="http://schemas.microsoft.com/office/drawing/2014/main" id="{869D382D-5E81-4912-BC1D-C4BF634CB5EE}"/>
+                <a16:creationId xmlns:a16="http://schemas.microsoft.com/office/drawing/2014/main" id="{A12912D2-0DF4-4AFD-987D-E4A4BE79C44B}"/>
               </a:ext>
             </a:extLst>
           </p:cNvPr>
+          <p:cNvGrpSpPr/>
+          <p:nvPr/>
+        </p:nvGrpSpPr>
+        <p:grpSpPr>
+          <a:xfrm>
+            <a:off x="0" y="-24"/>
+            <a:ext cx="12192000" cy="863601"/>
+            <a:chOff x="0" y="-26988"/>
+            <a:chExt cx="9144000" cy="863601"/>
+          </a:xfrm>
+        </p:grpSpPr>
+        <p:sp>
+          <p:nvSpPr>
+            <p:cNvPr id="7" name="标题 3">
+              <a:extLst>
+                <a:ext uri="{FF2B5EF4-FFF2-40B4-BE49-F238E27FC236}">
+                  <a16:creationId xmlns:a16="http://schemas.microsoft.com/office/drawing/2014/main" id="{EE11A992-40E0-4E14-AC49-D270EDB90950}"/>
+                </a:ext>
+              </a:extLst>
+            </p:cNvPr>
+            <p:cNvSpPr txBox="1">
+              <a:spLocks/>
+            </p:cNvSpPr>
+            <p:nvPr/>
+          </p:nvSpPr>
+          <p:spPr>
+            <a:xfrm>
+              <a:off x="0" y="-26988"/>
+              <a:ext cx="9144000" cy="863601"/>
+            </a:xfrm>
+            <a:prstGeom prst="rect">
+              <a:avLst/>
+            </a:prstGeom>
+            <a:solidFill>
+              <a:srgbClr val="02409A"/>
+            </a:solidFill>
+            <a:ln>
+              <a:noFill/>
+            </a:ln>
+            <a:effectLst/>
+          </p:spPr>
+          <p:txBody>
+            <a:bodyPr tIns="0" bIns="0" anchor="ctr"/>
+            <a:lstStyle/>
+            <a:p>
+              <a:pPr algn="ctr">
+                <a:spcBef>
+                  <a:spcPct val="0"/>
+                </a:spcBef>
+                <a:defRPr/>
+              </a:pPr>
+              <a:endParaRPr lang="zh-CN" altLang="en-US" sz="4800" b="1" dirty="0">
+                <a:solidFill>
+                  <a:prstClr val="white"/>
+                </a:solidFill>
+                <a:latin typeface="微软雅黑" pitchFamily="34" charset="-122"/>
+                <a:ea typeface="微软雅黑" pitchFamily="34" charset="-122"/>
+              </a:endParaRPr>
+            </a:p>
+          </p:txBody>
+        </p:sp>
+        <p:cxnSp>
+          <p:nvCxnSpPr>
+            <p:cNvPr id="8" name="直接连接符 19">
+              <a:extLst>
+                <a:ext uri="{FF2B5EF4-FFF2-40B4-BE49-F238E27FC236}">
+                  <a16:creationId xmlns:a16="http://schemas.microsoft.com/office/drawing/2014/main" id="{5DFC2A33-AB71-4FEB-8310-CC5635A08721}"/>
+                </a:ext>
+              </a:extLst>
+            </p:cNvPr>
+            <p:cNvCxnSpPr>
+              <a:cxnSpLocks/>
+            </p:cNvCxnSpPr>
+            <p:nvPr/>
+          </p:nvCxnSpPr>
+          <p:spPr bwMode="auto">
+            <a:xfrm flipH="1">
+              <a:off x="449263" y="-25400"/>
+              <a:ext cx="1587" cy="841375"/>
+            </a:xfrm>
+            <a:prstGeom prst="line">
+              <a:avLst/>
+            </a:prstGeom>
+            <a:noFill/>
+            <a:ln w="28575" algn="ctr">
+              <a:solidFill>
+                <a:schemeClr val="bg1"/>
+              </a:solidFill>
+              <a:round/>
+              <a:headEnd/>
+              <a:tailEnd/>
+            </a:ln>
+            <a:effectLst/>
+            <a:extLst>
+              <a:ext uri="{909E8E84-426E-40DD-AFC4-6F175D3DCCD1}">
+                <a14:hiddenFill xmlns:a14="http://schemas.microsoft.com/office/drawing/2010/main">
+                  <a:noFill/>
+                </a14:hiddenFill>
+              </a:ext>
+            </a:extLst>
+          </p:spPr>
+        </p:cxnSp>
+        <p:cxnSp>
+          <p:nvCxnSpPr>
+            <p:cNvPr id="9" name="直接连接符 20">
+              <a:extLst>
+                <a:ext uri="{FF2B5EF4-FFF2-40B4-BE49-F238E27FC236}">
+                  <a16:creationId xmlns:a16="http://schemas.microsoft.com/office/drawing/2014/main" id="{7EDE707B-1815-4F6E-AE62-356B0843661F}"/>
+                </a:ext>
+              </a:extLst>
+            </p:cNvPr>
+            <p:cNvCxnSpPr>
+              <a:cxnSpLocks/>
+            </p:cNvCxnSpPr>
+            <p:nvPr/>
+          </p:nvCxnSpPr>
+          <p:spPr bwMode="auto">
+            <a:xfrm flipH="1">
+              <a:off x="511175" y="-26988"/>
+              <a:ext cx="1588" cy="554038"/>
+            </a:xfrm>
+            <a:prstGeom prst="line">
+              <a:avLst/>
+            </a:prstGeom>
+            <a:noFill/>
+            <a:ln w="28575" algn="ctr">
+              <a:solidFill>
+                <a:schemeClr val="bg1"/>
+              </a:solidFill>
+              <a:round/>
+              <a:headEnd/>
+              <a:tailEnd/>
+            </a:ln>
+            <a:effectLst/>
+            <a:extLst>
+              <a:ext uri="{909E8E84-426E-40DD-AFC4-6F175D3DCCD1}">
+                <a14:hiddenFill xmlns:a14="http://schemas.microsoft.com/office/drawing/2010/main">
+                  <a:noFill/>
+                </a14:hiddenFill>
+              </a:ext>
+            </a:extLst>
+          </p:spPr>
+        </p:cxnSp>
+        <p:cxnSp>
+          <p:nvCxnSpPr>
+            <p:cNvPr id="10" name="直接连接符 30">
+              <a:extLst>
+                <a:ext uri="{FF2B5EF4-FFF2-40B4-BE49-F238E27FC236}">
+                  <a16:creationId xmlns:a16="http://schemas.microsoft.com/office/drawing/2014/main" id="{503B0CE3-D7D8-4814-9D62-C1B54623C0E5}"/>
+                </a:ext>
+              </a:extLst>
+            </p:cNvPr>
+            <p:cNvCxnSpPr>
+              <a:cxnSpLocks/>
+            </p:cNvCxnSpPr>
+            <p:nvPr/>
+          </p:nvCxnSpPr>
+          <p:spPr bwMode="auto">
+            <a:xfrm>
+              <a:off x="576263" y="-26988"/>
+              <a:ext cx="0" cy="298451"/>
+            </a:xfrm>
+            <a:prstGeom prst="line">
+              <a:avLst/>
+            </a:prstGeom>
+            <a:noFill/>
+            <a:ln w="28575" algn="ctr">
+              <a:solidFill>
+                <a:schemeClr val="bg1"/>
+              </a:solidFill>
+              <a:round/>
+              <a:headEnd/>
+              <a:tailEnd/>
+            </a:ln>
+            <a:effectLst/>
+            <a:extLst>
+              <a:ext uri="{909E8E84-426E-40DD-AFC4-6F175D3DCCD1}">
+                <a14:hiddenFill xmlns:a14="http://schemas.microsoft.com/office/drawing/2010/main">
+                  <a:noFill/>
+                </a14:hiddenFill>
+              </a:ext>
+            </a:extLst>
+          </p:spPr>
+        </p:cxnSp>
+      </p:grpSp>
+      <p:sp>
+        <p:nvSpPr>
+          <p:cNvPr id="2" name="标题 1"/>
           <p:cNvSpPr>
             <a:spLocks noGrp="1"/>
           </p:cNvSpPr>
           <p:nvPr>
             <p:ph type="title"/>
+          </p:nvPr>
+        </p:nvSpPr>
+        <p:spPr>
+          <a:xfrm>
+            <a:off x="829733" y="169838"/>
+            <a:ext cx="11118683" cy="561999"/>
+          </a:xfrm>
+          <a:prstGeom prst="rect">
+            <a:avLst/>
+          </a:prstGeom>
+        </p:spPr>
+        <p:txBody>
+          <a:bodyPr vert="horz" lIns="91440" tIns="45720" rIns="91440" bIns="45720" rtlCol="0" anchor="ctr">
+            <a:normAutofit/>
+          </a:bodyPr>
+          <a:lstStyle>
+            <a:lvl1pPr algn="l">
+              <a:defRPr lang="zh-CN" altLang="en-US" sz="3000" b="1" dirty="0">
+                <a:solidFill>
+                  <a:prstClr val="white"/>
+                </a:solidFill>
+                <a:latin typeface="微软雅黑" panose="020B0503020204020204" pitchFamily="34" charset="-122"/>
+                <a:ea typeface="微软雅黑" panose="020B0503020204020204" pitchFamily="34" charset="-122"/>
+                <a:cs typeface="Arial" pitchFamily="34" charset="0"/>
+              </a:defRPr>
+            </a:lvl1pPr>
+          </a:lstStyle>
+          <a:p>
+            <a:pPr marL="0" lvl="0" algn="l" fontAlgn="base">
+              <a:spcAft>
+                <a:spcPct val="0"/>
+              </a:spcAft>
+            </a:pPr>
+            <a:r>
+              <a:rPr lang="zh-CN" altLang="en-US"/>
+              <a:t>单击此处编辑母版标题样式</a:t>
+            </a:r>
+            <a:endParaRPr lang="zh-CN" altLang="en-US" dirty="0"/>
+          </a:p>
+        </p:txBody>
+      </p:sp>
+      <p:sp>
+        <p:nvSpPr>
+          <p:cNvPr id="3" name="日期占位符 2"/>
+          <p:cNvSpPr>
+            <a:spLocks noGrp="1"/>
+          </p:cNvSpPr>
+          <p:nvPr>
+            <p:ph type="dt" sz="half" idx="10"/>
           </p:nvPr>
         </p:nvSpPr>
         <p:spPr/>
@@ -1934,27 +3900,22 @@
           <a:bodyPr/>
           <a:lstStyle/>
           <a:p>
-            <a:r>
-              <a:rPr lang="zh-CN" altLang="en-US"/>
-              <a:t>单击此处编辑母版标题样式</a:t>
-            </a:r>
-          </a:p>
-        </p:txBody>
-      </p:sp>
-      <p:sp>
-        <p:nvSpPr>
-          <p:cNvPr id="3" name="日期占位符 2">
-            <a:extLst>
-              <a:ext uri="{FF2B5EF4-FFF2-40B4-BE49-F238E27FC236}">
-                <a16:creationId xmlns:a16="http://schemas.microsoft.com/office/drawing/2014/main" id="{5B5BA3A2-91D7-43B9-B1EB-EE68B1E2C175}"/>
-              </a:ext>
-            </a:extLst>
-          </p:cNvPr>
-          <p:cNvSpPr>
-            <a:spLocks noGrp="1"/>
-          </p:cNvSpPr>
-          <p:nvPr>
-            <p:ph type="dt" sz="half" idx="10"/>
+            <a:fld id="{2EAD0950-2054-428B-9889-8F686D45EC32}" type="datetimeFigureOut">
+              <a:rPr lang="zh-CN" altLang="en-US" smtClean="0"/>
+              <a:t>2020/6/23</a:t>
+            </a:fld>
+            <a:endParaRPr lang="zh-CN" altLang="en-US"/>
+          </a:p>
+        </p:txBody>
+      </p:sp>
+      <p:sp>
+        <p:nvSpPr>
+          <p:cNvPr id="4" name="页脚占位符 3"/>
+          <p:cNvSpPr>
+            <a:spLocks noGrp="1"/>
+          </p:cNvSpPr>
+          <p:nvPr>
+            <p:ph type="ftr" sz="quarter" idx="11"/>
           </p:nvPr>
         </p:nvSpPr>
         <p:spPr/>
@@ -1962,48 +3923,13 @@
           <a:bodyPr/>
           <a:lstStyle/>
           <a:p>
-            <a:fld id="{2EAD0950-2054-428B-9889-8F686D45EC32}" type="datetimeFigureOut">
-              <a:rPr lang="zh-CN" altLang="en-US" smtClean="0"/>
-              <a:t>2020/6/22</a:t>
-            </a:fld>
             <a:endParaRPr lang="zh-CN" altLang="en-US"/>
           </a:p>
         </p:txBody>
       </p:sp>
       <p:sp>
         <p:nvSpPr>
-          <p:cNvPr id="4" name="页脚占位符 3">
-            <a:extLst>
-              <a:ext uri="{FF2B5EF4-FFF2-40B4-BE49-F238E27FC236}">
-                <a16:creationId xmlns:a16="http://schemas.microsoft.com/office/drawing/2014/main" id="{951CD569-64C3-45AB-A831-68B87BE30C82}"/>
-              </a:ext>
-            </a:extLst>
-          </p:cNvPr>
-          <p:cNvSpPr>
-            <a:spLocks noGrp="1"/>
-          </p:cNvSpPr>
-          <p:nvPr>
-            <p:ph type="ftr" sz="quarter" idx="11"/>
-          </p:nvPr>
-        </p:nvSpPr>
-        <p:spPr/>
-        <p:txBody>
-          <a:bodyPr/>
-          <a:lstStyle/>
-          <a:p>
-            <a:endParaRPr lang="zh-CN" altLang="en-US"/>
-          </a:p>
-        </p:txBody>
-      </p:sp>
-      <p:sp>
-        <p:nvSpPr>
-          <p:cNvPr id="5" name="灯片编号占位符 4">
-            <a:extLst>
-              <a:ext uri="{FF2B5EF4-FFF2-40B4-BE49-F238E27FC236}">
-                <a16:creationId xmlns:a16="http://schemas.microsoft.com/office/drawing/2014/main" id="{2E4A6AEC-35AD-4431-9A29-DCCD8B6EAE4B}"/>
-              </a:ext>
-            </a:extLst>
-          </p:cNvPr>
+          <p:cNvPr id="5" name="灯片编号占位符 4"/>
           <p:cNvSpPr>
             <a:spLocks noGrp="1"/>
           </p:cNvSpPr>
@@ -2027,7 +3953,7 @@
     </p:spTree>
     <p:extLst>
       <p:ext uri="{BB962C8B-B14F-4D97-AF65-F5344CB8AC3E}">
-        <p14:creationId xmlns:p14="http://schemas.microsoft.com/office/powerpoint/2010/main" val="844668789"/>
+        <p14:creationId xmlns:p14="http://schemas.microsoft.com/office/powerpoint/2010/main" val="2343438558"/>
       </p:ext>
     </p:extLst>
   </p:cSld>
@@ -2056,13 +3982,7 @@
       </p:grpSpPr>
       <p:sp>
         <p:nvSpPr>
-          <p:cNvPr id="2" name="日期占位符 1">
-            <a:extLst>
-              <a:ext uri="{FF2B5EF4-FFF2-40B4-BE49-F238E27FC236}">
-                <a16:creationId xmlns:a16="http://schemas.microsoft.com/office/drawing/2014/main" id="{CBE6CC8A-A2E4-4861-9DDC-C8A8057CAAAD}"/>
-              </a:ext>
-            </a:extLst>
-          </p:cNvPr>
+          <p:cNvPr id="2" name="日期占位符 1"/>
           <p:cNvSpPr>
             <a:spLocks noGrp="1"/>
           </p:cNvSpPr>
@@ -2077,7 +3997,7 @@
           <a:p>
             <a:fld id="{2EAD0950-2054-428B-9889-8F686D45EC32}" type="datetimeFigureOut">
               <a:rPr lang="zh-CN" altLang="en-US" smtClean="0"/>
-              <a:t>2020/6/22</a:t>
+              <a:t>2020/6/23</a:t>
             </a:fld>
             <a:endParaRPr lang="zh-CN" altLang="en-US"/>
           </a:p>
@@ -2085,13 +4005,7 @@
       </p:sp>
       <p:sp>
         <p:nvSpPr>
-          <p:cNvPr id="3" name="页脚占位符 2">
-            <a:extLst>
-              <a:ext uri="{FF2B5EF4-FFF2-40B4-BE49-F238E27FC236}">
-                <a16:creationId xmlns:a16="http://schemas.microsoft.com/office/drawing/2014/main" id="{8E1453FA-FFF4-4CC6-B921-69387E90C8A3}"/>
-              </a:ext>
-            </a:extLst>
-          </p:cNvPr>
+          <p:cNvPr id="3" name="页脚占位符 2"/>
           <p:cNvSpPr>
             <a:spLocks noGrp="1"/>
           </p:cNvSpPr>
@@ -2110,13 +4024,7 @@
       </p:sp>
       <p:sp>
         <p:nvSpPr>
-          <p:cNvPr id="4" name="灯片编号占位符 3">
-            <a:extLst>
-              <a:ext uri="{FF2B5EF4-FFF2-40B4-BE49-F238E27FC236}">
-                <a16:creationId xmlns:a16="http://schemas.microsoft.com/office/drawing/2014/main" id="{18FAB732-726B-4727-9F03-8400470E6F2D}"/>
-              </a:ext>
-            </a:extLst>
-          </p:cNvPr>
+          <p:cNvPr id="4" name="灯片编号占位符 3"/>
           <p:cNvSpPr>
             <a:spLocks noGrp="1"/>
           </p:cNvSpPr>
@@ -2140,7 +4048,7 @@
     </p:spTree>
     <p:extLst>
       <p:ext uri="{BB962C8B-B14F-4D97-AF65-F5344CB8AC3E}">
-        <p14:creationId xmlns:p14="http://schemas.microsoft.com/office/powerpoint/2010/main" val="4159796739"/>
+        <p14:creationId xmlns:p14="http://schemas.microsoft.com/office/powerpoint/2010/main" val="2613406459"/>
       </p:ext>
     </p:extLst>
   </p:cSld>
@@ -2151,6 +4059,443 @@
 </file>
 
 <file path=ppt/slideLayouts/slideLayout8.xml><?xml version="1.0" encoding="utf-8"?>
+<p:sldLayout xmlns:a="http://schemas.openxmlformats.org/drawingml/2006/main" xmlns:r="http://schemas.openxmlformats.org/officeDocument/2006/relationships" xmlns:p="http://schemas.openxmlformats.org/presentationml/2006/main" preserve="1">
+  <p:cSld name="致谢">
+    <p:spTree>
+      <p:nvGrpSpPr>
+        <p:cNvPr id="1" name=""/>
+        <p:cNvGrpSpPr/>
+        <p:nvPr/>
+      </p:nvGrpSpPr>
+      <p:grpSpPr>
+        <a:xfrm>
+          <a:off x="0" y="0"/>
+          <a:ext cx="0" cy="0"/>
+          <a:chOff x="0" y="0"/>
+          <a:chExt cx="0" cy="0"/>
+        </a:xfrm>
+      </p:grpSpPr>
+      <p:sp>
+        <p:nvSpPr>
+          <p:cNvPr id="3" name="日期占位符 2">
+            <a:extLst>
+              <a:ext uri="{FF2B5EF4-FFF2-40B4-BE49-F238E27FC236}">
+                <a16:creationId xmlns:a16="http://schemas.microsoft.com/office/drawing/2014/main" id="{4FB062C8-8753-4729-A2AC-00E51378E261}"/>
+              </a:ext>
+            </a:extLst>
+          </p:cNvPr>
+          <p:cNvSpPr>
+            <a:spLocks noGrp="1"/>
+          </p:cNvSpPr>
+          <p:nvPr>
+            <p:ph type="dt" sz="half" idx="10"/>
+          </p:nvPr>
+        </p:nvSpPr>
+        <p:spPr/>
+        <p:txBody>
+          <a:bodyPr/>
+          <a:lstStyle/>
+          <a:p>
+            <a:fld id="{2EAD0950-2054-428B-9889-8F686D45EC32}" type="datetimeFigureOut">
+              <a:rPr lang="zh-CN" altLang="en-US" smtClean="0"/>
+              <a:t>2020/6/23</a:t>
+            </a:fld>
+            <a:endParaRPr lang="zh-CN" altLang="en-US"/>
+          </a:p>
+        </p:txBody>
+      </p:sp>
+      <p:sp>
+        <p:nvSpPr>
+          <p:cNvPr id="4" name="页脚占位符 3">
+            <a:extLst>
+              <a:ext uri="{FF2B5EF4-FFF2-40B4-BE49-F238E27FC236}">
+                <a16:creationId xmlns:a16="http://schemas.microsoft.com/office/drawing/2014/main" id="{FB0B1FA3-89C5-42E1-BC99-5A18B6AA9534}"/>
+              </a:ext>
+            </a:extLst>
+          </p:cNvPr>
+          <p:cNvSpPr>
+            <a:spLocks noGrp="1"/>
+          </p:cNvSpPr>
+          <p:nvPr>
+            <p:ph type="ftr" sz="quarter" idx="11"/>
+          </p:nvPr>
+        </p:nvSpPr>
+        <p:spPr/>
+        <p:txBody>
+          <a:bodyPr/>
+          <a:lstStyle/>
+          <a:p>
+            <a:endParaRPr lang="zh-CN" altLang="en-US"/>
+          </a:p>
+        </p:txBody>
+      </p:sp>
+      <p:sp>
+        <p:nvSpPr>
+          <p:cNvPr id="5" name="灯片编号占位符 4">
+            <a:extLst>
+              <a:ext uri="{FF2B5EF4-FFF2-40B4-BE49-F238E27FC236}">
+                <a16:creationId xmlns:a16="http://schemas.microsoft.com/office/drawing/2014/main" id="{6372A1CF-E4C3-4C1D-9AA9-A3422C5D4CA1}"/>
+              </a:ext>
+            </a:extLst>
+          </p:cNvPr>
+          <p:cNvSpPr>
+            <a:spLocks noGrp="1"/>
+          </p:cNvSpPr>
+          <p:nvPr>
+            <p:ph type="sldNum" sz="quarter" idx="12"/>
+          </p:nvPr>
+        </p:nvSpPr>
+        <p:spPr/>
+        <p:txBody>
+          <a:bodyPr/>
+          <a:lstStyle/>
+          <a:p>
+            <a:fld id="{5657022F-552F-4AF8-9C9A-FD683D921B86}" type="slidenum">
+              <a:rPr lang="zh-CN" altLang="en-US" smtClean="0"/>
+              <a:t>‹#›</a:t>
+            </a:fld>
+            <a:endParaRPr lang="zh-CN" altLang="en-US"/>
+          </a:p>
+        </p:txBody>
+      </p:sp>
+      <p:sp>
+        <p:nvSpPr>
+          <p:cNvPr id="6" name="标题 3">
+            <a:extLst>
+              <a:ext uri="{FF2B5EF4-FFF2-40B4-BE49-F238E27FC236}">
+                <a16:creationId xmlns:a16="http://schemas.microsoft.com/office/drawing/2014/main" id="{FC290AC1-FD36-4F3C-A293-1435AA3E4C39}"/>
+              </a:ext>
+            </a:extLst>
+          </p:cNvPr>
+          <p:cNvSpPr txBox="1">
+            <a:spLocks/>
+          </p:cNvSpPr>
+          <p:nvPr/>
+        </p:nvSpPr>
+        <p:spPr>
+          <a:xfrm>
+            <a:off x="0" y="2277691"/>
+            <a:ext cx="12192000" cy="1943844"/>
+          </a:xfrm>
+          <a:prstGeom prst="rect">
+            <a:avLst/>
+          </a:prstGeom>
+          <a:solidFill>
+            <a:srgbClr val="02409A"/>
+          </a:solidFill>
+          <a:ln>
+            <a:noFill/>
+          </a:ln>
+          <a:effectLst>
+            <a:outerShdw blurRad="44450" dist="27940" dir="5400000" algn="ctr">
+              <a:srgbClr val="000000">
+                <a:alpha val="32000"/>
+              </a:srgbClr>
+            </a:outerShdw>
+          </a:effectLst>
+        </p:spPr>
+        <p:txBody>
+          <a:bodyPr tIns="0" bIns="0" anchor="ctr"/>
+          <a:lstStyle/>
+          <a:p>
+            <a:pPr algn="ctr">
+              <a:spcBef>
+                <a:spcPct val="0"/>
+              </a:spcBef>
+              <a:defRPr/>
+            </a:pPr>
+            <a:endParaRPr lang="zh-CN" altLang="en-US" sz="4800" b="1" dirty="0">
+              <a:solidFill>
+                <a:prstClr val="white"/>
+              </a:solidFill>
+              <a:latin typeface="微软雅黑" pitchFamily="34" charset="-122"/>
+              <a:ea typeface="微软雅黑" pitchFamily="34" charset="-122"/>
+            </a:endParaRPr>
+          </a:p>
+        </p:txBody>
+      </p:sp>
+      <p:sp>
+        <p:nvSpPr>
+          <p:cNvPr id="7" name="TextBox 4">
+            <a:extLst>
+              <a:ext uri="{FF2B5EF4-FFF2-40B4-BE49-F238E27FC236}">
+                <a16:creationId xmlns:a16="http://schemas.microsoft.com/office/drawing/2014/main" id="{C8842466-337A-4916-8970-BB531A1FEC01}"/>
+              </a:ext>
+            </a:extLst>
+          </p:cNvPr>
+          <p:cNvSpPr txBox="1"/>
+          <p:nvPr/>
+        </p:nvSpPr>
+        <p:spPr>
+          <a:xfrm>
+            <a:off x="1524000" y="2464783"/>
+            <a:ext cx="9144000" cy="1569660"/>
+          </a:xfrm>
+          <a:prstGeom prst="rect">
+            <a:avLst/>
+          </a:prstGeom>
+          <a:noFill/>
+        </p:spPr>
+        <p:txBody>
+          <a:bodyPr wrap="square">
+            <a:spAutoFit/>
+          </a:bodyPr>
+          <a:lstStyle/>
+          <a:p>
+            <a:pPr algn="ctr">
+              <a:defRPr/>
+            </a:pPr>
+            <a:r>
+              <a:rPr lang="zh-CN" altLang="en-US" sz="4800" b="1" dirty="0">
+                <a:solidFill>
+                  <a:prstClr val="white"/>
+                </a:solidFill>
+                <a:effectLst>
+                  <a:outerShdw blurRad="38100" dist="38100" dir="2700000" algn="tl">
+                    <a:srgbClr val="000000">
+                      <a:alpha val="43137"/>
+                    </a:srgbClr>
+                  </a:outerShdw>
+                </a:effectLst>
+                <a:latin typeface="微软雅黑" panose="020B0503020204020204" pitchFamily="34" charset="-122"/>
+                <a:ea typeface="微软雅黑" panose="020B0503020204020204" pitchFamily="34" charset="-122"/>
+              </a:rPr>
+              <a:t>  感谢各位老师和同学！</a:t>
+            </a:r>
+          </a:p>
+          <a:p>
+            <a:pPr algn="ctr">
+              <a:defRPr/>
+            </a:pPr>
+            <a:r>
+              <a:rPr lang="zh-CN" altLang="en-US" sz="4800" b="1" dirty="0">
+                <a:solidFill>
+                  <a:prstClr val="white"/>
+                </a:solidFill>
+                <a:effectLst>
+                  <a:outerShdw blurRad="38100" dist="38100" dir="2700000" algn="tl">
+                    <a:srgbClr val="000000">
+                      <a:alpha val="43137"/>
+                    </a:srgbClr>
+                  </a:outerShdw>
+                </a:effectLst>
+                <a:latin typeface="微软雅黑" panose="020B0503020204020204" pitchFamily="34" charset="-122"/>
+                <a:ea typeface="微软雅黑" panose="020B0503020204020204" pitchFamily="34" charset="-122"/>
+              </a:rPr>
+              <a:t>  请大家提出宝贵意见！</a:t>
+            </a:r>
+          </a:p>
+        </p:txBody>
+      </p:sp>
+      <p:pic>
+        <p:nvPicPr>
+          <p:cNvPr id="8" name="Picture 5">
+            <a:extLst>
+              <a:ext uri="{FF2B5EF4-FFF2-40B4-BE49-F238E27FC236}">
+                <a16:creationId xmlns:a16="http://schemas.microsoft.com/office/drawing/2014/main" id="{E45B8ADE-1A65-4AC9-9F73-9F3D7441831A}"/>
+              </a:ext>
+            </a:extLst>
+          </p:cNvPr>
+          <p:cNvPicPr>
+            <a:picLocks noChangeAspect="1" noChangeArrowheads="1"/>
+          </p:cNvPicPr>
+          <p:nvPr/>
+        </p:nvPicPr>
+        <p:blipFill>
+          <a:blip r:embed="rId2" cstate="print">
+            <a:extLst>
+              <a:ext uri="{28A0092B-C50C-407E-A947-70E740481C1C}">
+                <a14:useLocalDpi xmlns:a14="http://schemas.microsoft.com/office/drawing/2010/main" val="0"/>
+              </a:ext>
+            </a:extLst>
+          </a:blip>
+          <a:srcRect/>
+          <a:stretch>
+            <a:fillRect/>
+          </a:stretch>
+        </p:blipFill>
+        <p:spPr bwMode="auto">
+          <a:xfrm>
+            <a:off x="180306" y="355983"/>
+            <a:ext cx="2303462" cy="766762"/>
+          </a:xfrm>
+          <a:prstGeom prst="rect">
+            <a:avLst/>
+          </a:prstGeom>
+          <a:noFill/>
+          <a:ln>
+            <a:noFill/>
+          </a:ln>
+          <a:extLst>
+            <a:ext uri="{909E8E84-426E-40DD-AFC4-6F175D3DCCD1}">
+              <a14:hiddenFill xmlns:a14="http://schemas.microsoft.com/office/drawing/2010/main">
+                <a:solidFill>
+                  <a:srgbClr val="FFFFFF"/>
+                </a:solidFill>
+              </a14:hiddenFill>
+            </a:ext>
+            <a:ext uri="{91240B29-F687-4F45-9708-019B960494DF}">
+              <a14:hiddenLine xmlns:a14="http://schemas.microsoft.com/office/drawing/2010/main" w="9525">
+                <a:solidFill>
+                  <a:srgbClr val="000000"/>
+                </a:solidFill>
+                <a:miter lim="800000"/>
+                <a:headEnd/>
+                <a:tailEnd/>
+              </a14:hiddenLine>
+            </a:ext>
+          </a:extLst>
+        </p:spPr>
+      </p:pic>
+    </p:spTree>
+    <p:extLst>
+      <p:ext uri="{BB962C8B-B14F-4D97-AF65-F5344CB8AC3E}">
+        <p14:creationId xmlns:p14="http://schemas.microsoft.com/office/powerpoint/2010/main" val="3669976942"/>
+      </p:ext>
+    </p:extLst>
+  </p:cSld>
+  <p:clrMapOvr>
+    <a:masterClrMapping/>
+  </p:clrMapOvr>
+  <p:timing>
+    <p:tnLst>
+      <p:par>
+        <p:cTn id="1" dur="indefinite" restart="never" nodeType="tmRoot">
+          <p:childTnLst>
+            <p:seq concurrent="1" nextAc="seek">
+              <p:cTn id="2" dur="indefinite" nodeType="mainSeq">
+                <p:childTnLst>
+                  <p:par>
+                    <p:cTn id="3" fill="hold">
+                      <p:stCondLst>
+                        <p:cond delay="indefinite"/>
+                        <p:cond evt="onBegin" delay="0">
+                          <p:tn val="2"/>
+                        </p:cond>
+                      </p:stCondLst>
+                      <p:childTnLst>
+                        <p:par>
+                          <p:cTn id="4" fill="hold">
+                            <p:stCondLst>
+                              <p:cond delay="0"/>
+                            </p:stCondLst>
+                            <p:childTnLst>
+                              <p:par>
+                                <p:cTn id="5" presetID="53" presetClass="entr" presetSubtype="16" fill="hold" grpId="0" nodeType="withEffect">
+                                  <p:stCondLst>
+                                    <p:cond delay="0"/>
+                                  </p:stCondLst>
+                                  <p:childTnLst>
+                                    <p:set>
+                                      <p:cBhvr>
+                                        <p:cTn id="6" dur="1" fill="hold">
+                                          <p:stCondLst>
+                                            <p:cond delay="0"/>
+                                          </p:stCondLst>
+                                        </p:cTn>
+                                        <p:tgtEl>
+                                          <p:spTgt spid="7"/>
+                                        </p:tgtEl>
+                                        <p:attrNameLst>
+                                          <p:attrName>style.visibility</p:attrName>
+                                        </p:attrNameLst>
+                                      </p:cBhvr>
+                                      <p:to>
+                                        <p:strVal val="visible"/>
+                                      </p:to>
+                                    </p:set>
+                                    <p:anim calcmode="lin" valueType="num">
+                                      <p:cBhvr>
+                                        <p:cTn id="7" dur="500" fill="hold"/>
+                                        <p:tgtEl>
+                                          <p:spTgt spid="7"/>
+                                        </p:tgtEl>
+                                        <p:attrNameLst>
+                                          <p:attrName>ppt_w</p:attrName>
+                                        </p:attrNameLst>
+                                      </p:cBhvr>
+                                      <p:tavLst>
+                                        <p:tav tm="0">
+                                          <p:val>
+                                            <p:fltVal val="0"/>
+                                          </p:val>
+                                        </p:tav>
+                                        <p:tav tm="100000">
+                                          <p:val>
+                                            <p:strVal val="#ppt_w"/>
+                                          </p:val>
+                                        </p:tav>
+                                      </p:tavLst>
+                                    </p:anim>
+                                    <p:anim calcmode="lin" valueType="num">
+                                      <p:cBhvr>
+                                        <p:cTn id="8" dur="500" fill="hold"/>
+                                        <p:tgtEl>
+                                          <p:spTgt spid="7"/>
+                                        </p:tgtEl>
+                                        <p:attrNameLst>
+                                          <p:attrName>ppt_h</p:attrName>
+                                        </p:attrNameLst>
+                                      </p:cBhvr>
+                                      <p:tavLst>
+                                        <p:tav tm="0">
+                                          <p:val>
+                                            <p:fltVal val="0"/>
+                                          </p:val>
+                                        </p:tav>
+                                        <p:tav tm="100000">
+                                          <p:val>
+                                            <p:strVal val="#ppt_h"/>
+                                          </p:val>
+                                        </p:tav>
+                                      </p:tavLst>
+                                    </p:anim>
+                                    <p:animEffect transition="in" filter="fade">
+                                      <p:cBhvr>
+                                        <p:cTn id="9" dur="500"/>
+                                        <p:tgtEl>
+                                          <p:spTgt spid="7"/>
+                                        </p:tgtEl>
+                                      </p:cBhvr>
+                                    </p:animEffect>
+                                  </p:childTnLst>
+                                </p:cTn>
+                              </p:par>
+                            </p:childTnLst>
+                          </p:cTn>
+                        </p:par>
+                      </p:childTnLst>
+                    </p:cTn>
+                  </p:par>
+                </p:childTnLst>
+              </p:cTn>
+              <p:prevCondLst>
+                <p:cond evt="onPrev" delay="0">
+                  <p:tgtEl>
+                    <p:sldTgt/>
+                  </p:tgtEl>
+                </p:cond>
+              </p:prevCondLst>
+              <p:nextCondLst>
+                <p:cond evt="onNext" delay="0">
+                  <p:tgtEl>
+                    <p:sldTgt/>
+                  </p:tgtEl>
+                </p:cond>
+              </p:nextCondLst>
+            </p:seq>
+          </p:childTnLst>
+        </p:cTn>
+      </p:par>
+    </p:tnLst>
+    <p:bldLst>
+      <p:bldP spid="7" grpId="0"/>
+    </p:bldLst>
+  </p:timing>
+</p:sldLayout>
+</file>
+
+<file path=ppt/slideLayouts/slideLayout9.xml><?xml version="1.0" encoding="utf-8"?>
 <p:sldLayout xmlns:a="http://schemas.openxmlformats.org/drawingml/2006/main" xmlns:r="http://schemas.openxmlformats.org/officeDocument/2006/relationships" xmlns:p="http://schemas.openxmlformats.org/presentationml/2006/main" type="objTx" preserve="1">
   <p:cSld name="内容与标题">
     <p:spTree>
@@ -2167,15 +4512,203 @@
           <a:chExt cx="0" cy="0"/>
         </a:xfrm>
       </p:grpSpPr>
-      <p:sp>
-        <p:nvSpPr>
-          <p:cNvPr id="2" name="标题 1">
+      <p:grpSp>
+        <p:nvGrpSpPr>
+          <p:cNvPr id="8" name="组合 7">
             <a:extLst>
               <a:ext uri="{FF2B5EF4-FFF2-40B4-BE49-F238E27FC236}">
-                <a16:creationId xmlns:a16="http://schemas.microsoft.com/office/drawing/2014/main" id="{8921DDD2-A402-4E25-BE49-0E0D0E8696E4}"/>
+                <a16:creationId xmlns:a16="http://schemas.microsoft.com/office/drawing/2014/main" id="{3239D7E3-952F-4DFC-A6A0-4C11CFBB9ECC}"/>
               </a:ext>
             </a:extLst>
           </p:cNvPr>
+          <p:cNvGrpSpPr/>
+          <p:nvPr/>
+        </p:nvGrpSpPr>
+        <p:grpSpPr>
+          <a:xfrm>
+            <a:off x="0" y="-24"/>
+            <a:ext cx="4766733" cy="6237336"/>
+            <a:chOff x="0" y="-26988"/>
+            <a:chExt cx="3575050" cy="6237336"/>
+          </a:xfrm>
+        </p:grpSpPr>
+        <p:sp>
+          <p:nvSpPr>
+            <p:cNvPr id="9" name="标题 3">
+              <a:extLst>
+                <a:ext uri="{FF2B5EF4-FFF2-40B4-BE49-F238E27FC236}">
+                  <a16:creationId xmlns:a16="http://schemas.microsoft.com/office/drawing/2014/main" id="{7ED03D04-5254-4133-8E60-869A42A49C69}"/>
+                </a:ext>
+              </a:extLst>
+            </p:cNvPr>
+            <p:cNvSpPr txBox="1">
+              <a:spLocks/>
+            </p:cNvSpPr>
+            <p:nvPr/>
+          </p:nvSpPr>
+          <p:spPr>
+            <a:xfrm>
+              <a:off x="0" y="-26988"/>
+              <a:ext cx="3575050" cy="6237336"/>
+            </a:xfrm>
+            <a:prstGeom prst="rect">
+              <a:avLst/>
+            </a:prstGeom>
+            <a:solidFill>
+              <a:srgbClr val="02409A"/>
+            </a:solidFill>
+            <a:ln>
+              <a:noFill/>
+            </a:ln>
+            <a:effectLst/>
+          </p:spPr>
+          <p:txBody>
+            <a:bodyPr tIns="0" bIns="0" anchor="ctr"/>
+            <a:lstStyle/>
+            <a:p>
+              <a:pPr algn="ctr">
+                <a:spcBef>
+                  <a:spcPct val="0"/>
+                </a:spcBef>
+                <a:defRPr/>
+              </a:pPr>
+              <a:endParaRPr lang="zh-CN" altLang="en-US" sz="4800" b="1" dirty="0">
+                <a:solidFill>
+                  <a:prstClr val="white"/>
+                </a:solidFill>
+                <a:latin typeface="微软雅黑" pitchFamily="34" charset="-122"/>
+                <a:ea typeface="微软雅黑" pitchFamily="34" charset="-122"/>
+              </a:endParaRPr>
+            </a:p>
+          </p:txBody>
+        </p:sp>
+        <p:cxnSp>
+          <p:nvCxnSpPr>
+            <p:cNvPr id="10" name="直接连接符 19">
+              <a:extLst>
+                <a:ext uri="{FF2B5EF4-FFF2-40B4-BE49-F238E27FC236}">
+                  <a16:creationId xmlns:a16="http://schemas.microsoft.com/office/drawing/2014/main" id="{2B907581-060F-4C52-B91A-13D97D4B12D2}"/>
+                </a:ext>
+              </a:extLst>
+            </p:cNvPr>
+            <p:cNvCxnSpPr>
+              <a:cxnSpLocks/>
+            </p:cNvCxnSpPr>
+            <p:nvPr/>
+          </p:nvCxnSpPr>
+          <p:spPr bwMode="auto">
+            <a:xfrm flipH="1">
+              <a:off x="449263" y="-25400"/>
+              <a:ext cx="1587" cy="841375"/>
+            </a:xfrm>
+            <a:prstGeom prst="line">
+              <a:avLst/>
+            </a:prstGeom>
+            <a:noFill/>
+            <a:ln w="28575" algn="ctr">
+              <a:solidFill>
+                <a:schemeClr val="bg1"/>
+              </a:solidFill>
+              <a:round/>
+              <a:headEnd/>
+              <a:tailEnd/>
+            </a:ln>
+            <a:effectLst/>
+            <a:extLst>
+              <a:ext uri="{909E8E84-426E-40DD-AFC4-6F175D3DCCD1}">
+                <a14:hiddenFill xmlns:a14="http://schemas.microsoft.com/office/drawing/2010/main">
+                  <a:noFill/>
+                </a14:hiddenFill>
+              </a:ext>
+            </a:extLst>
+          </p:spPr>
+        </p:cxnSp>
+        <p:cxnSp>
+          <p:nvCxnSpPr>
+            <p:cNvPr id="11" name="直接连接符 20">
+              <a:extLst>
+                <a:ext uri="{FF2B5EF4-FFF2-40B4-BE49-F238E27FC236}">
+                  <a16:creationId xmlns:a16="http://schemas.microsoft.com/office/drawing/2014/main" id="{F1C2E4E4-0EDE-4C0B-8343-2920F8B43D74}"/>
+                </a:ext>
+              </a:extLst>
+            </p:cNvPr>
+            <p:cNvCxnSpPr>
+              <a:cxnSpLocks/>
+            </p:cNvCxnSpPr>
+            <p:nvPr/>
+          </p:nvCxnSpPr>
+          <p:spPr bwMode="auto">
+            <a:xfrm flipH="1">
+              <a:off x="511175" y="-26988"/>
+              <a:ext cx="1588" cy="554038"/>
+            </a:xfrm>
+            <a:prstGeom prst="line">
+              <a:avLst/>
+            </a:prstGeom>
+            <a:noFill/>
+            <a:ln w="28575" algn="ctr">
+              <a:solidFill>
+                <a:schemeClr val="bg1"/>
+              </a:solidFill>
+              <a:round/>
+              <a:headEnd/>
+              <a:tailEnd/>
+            </a:ln>
+            <a:effectLst/>
+            <a:extLst>
+              <a:ext uri="{909E8E84-426E-40DD-AFC4-6F175D3DCCD1}">
+                <a14:hiddenFill xmlns:a14="http://schemas.microsoft.com/office/drawing/2010/main">
+                  <a:noFill/>
+                </a14:hiddenFill>
+              </a:ext>
+            </a:extLst>
+          </p:spPr>
+        </p:cxnSp>
+        <p:cxnSp>
+          <p:nvCxnSpPr>
+            <p:cNvPr id="12" name="直接连接符 30">
+              <a:extLst>
+                <a:ext uri="{FF2B5EF4-FFF2-40B4-BE49-F238E27FC236}">
+                  <a16:creationId xmlns:a16="http://schemas.microsoft.com/office/drawing/2014/main" id="{6BFC0A1C-1BD8-4541-8818-56E847A9B65F}"/>
+                </a:ext>
+              </a:extLst>
+            </p:cNvPr>
+            <p:cNvCxnSpPr>
+              <a:cxnSpLocks/>
+            </p:cNvCxnSpPr>
+            <p:nvPr/>
+          </p:nvCxnSpPr>
+          <p:spPr bwMode="auto">
+            <a:xfrm>
+              <a:off x="576263" y="-26988"/>
+              <a:ext cx="0" cy="298451"/>
+            </a:xfrm>
+            <a:prstGeom prst="line">
+              <a:avLst/>
+            </a:prstGeom>
+            <a:noFill/>
+            <a:ln w="28575" algn="ctr">
+              <a:solidFill>
+                <a:schemeClr val="bg1"/>
+              </a:solidFill>
+              <a:round/>
+              <a:headEnd/>
+              <a:tailEnd/>
+            </a:ln>
+            <a:effectLst/>
+            <a:extLst>
+              <a:ext uri="{909E8E84-426E-40DD-AFC4-6F175D3DCCD1}">
+                <a14:hiddenFill xmlns:a14="http://schemas.microsoft.com/office/drawing/2010/main">
+                  <a:noFill/>
+                </a14:hiddenFill>
+              </a:ext>
+            </a:extLst>
+          </p:spPr>
+        </p:cxnSp>
+      </p:grpSp>
+      <p:sp>
+        <p:nvSpPr>
+          <p:cNvPr id="2" name="标题 1"/>
           <p:cNvSpPr>
             <a:spLocks noGrp="1"/>
           </p:cNvSpPr>
@@ -2185,54 +4718,62 @@
         </p:nvSpPr>
         <p:spPr>
           <a:xfrm>
-            <a:off x="839788" y="457200"/>
-            <a:ext cx="3932237" cy="1600200"/>
+            <a:off x="609601" y="273050"/>
+            <a:ext cx="4011084" cy="1162050"/>
+          </a:xfrm>
+          <a:prstGeom prst="rect">
+            <a:avLst/>
+          </a:prstGeom>
+        </p:spPr>
+        <p:txBody>
+          <a:bodyPr anchor="b"/>
+          <a:lstStyle>
+            <a:lvl1pPr algn="l">
+              <a:defRPr sz="2000" b="1">
+                <a:solidFill>
+                  <a:schemeClr val="bg1"/>
+                </a:solidFill>
+                <a:latin typeface="微软雅黑" panose="020B0503020204020204" pitchFamily="34" charset="-122"/>
+                <a:ea typeface="微软雅黑" panose="020B0503020204020204" pitchFamily="34" charset="-122"/>
+              </a:defRPr>
+            </a:lvl1pPr>
+          </a:lstStyle>
+          <a:p>
+            <a:r>
+              <a:rPr lang="zh-CN" altLang="en-US"/>
+              <a:t>单击此处编辑母版标题样式</a:t>
+            </a:r>
+            <a:endParaRPr lang="zh-CN" altLang="en-US" dirty="0"/>
+          </a:p>
+        </p:txBody>
+      </p:sp>
+      <p:sp>
+        <p:nvSpPr>
+          <p:cNvPr id="3" name="内容占位符 2"/>
+          <p:cNvSpPr>
+            <a:spLocks noGrp="1"/>
+          </p:cNvSpPr>
+          <p:nvPr>
+            <p:ph idx="1"/>
+          </p:nvPr>
+        </p:nvSpPr>
+        <p:spPr>
+          <a:xfrm>
+            <a:off x="4766733" y="273051"/>
+            <a:ext cx="6815667" cy="5853113"/>
           </a:xfrm>
         </p:spPr>
         <p:txBody>
-          <a:bodyPr anchor="b"/>
+          <a:bodyPr/>
           <a:lstStyle>
-            <a:lvl1pPr>
+            <a:lvl1pPr marL="342900" indent="-342900">
+              <a:buFont typeface="Wingdings" panose="05000000000000000000" pitchFamily="2" charset="2"/>
+              <a:buChar char="Ø"/>
               <a:defRPr sz="3200"/>
             </a:lvl1pPr>
-          </a:lstStyle>
-          <a:p>
-            <a:r>
-              <a:rPr lang="zh-CN" altLang="en-US"/>
-              <a:t>单击此处编辑母版标题样式</a:t>
-            </a:r>
-          </a:p>
-        </p:txBody>
-      </p:sp>
-      <p:sp>
-        <p:nvSpPr>
-          <p:cNvPr id="3" name="内容占位符 2">
-            <a:extLst>
-              <a:ext uri="{FF2B5EF4-FFF2-40B4-BE49-F238E27FC236}">
-                <a16:creationId xmlns:a16="http://schemas.microsoft.com/office/drawing/2014/main" id="{2CE0E33A-8772-4693-AF8E-FCC684988235}"/>
-              </a:ext>
-            </a:extLst>
-          </p:cNvPr>
-          <p:cNvSpPr>
-            <a:spLocks noGrp="1"/>
-          </p:cNvSpPr>
-          <p:nvPr>
-            <p:ph idx="1"/>
-          </p:nvPr>
-        </p:nvSpPr>
-        <p:spPr>
-          <a:xfrm>
-            <a:off x="5183188" y="987425"/>
-            <a:ext cx="6172200" cy="4873625"/>
-          </a:xfrm>
-        </p:spPr>
-        <p:txBody>
-          <a:bodyPr/>
-          <a:lstStyle>
-            <a:lvl1pPr>
-              <a:defRPr sz="3200"/>
-            </a:lvl1pPr>
-            <a:lvl2pPr>
+            <a:lvl2pPr marL="742950" indent="-285750">
+              <a:buFont typeface="Wingdings" panose="05000000000000000000" pitchFamily="2" charset="2"/>
+              <a:buChar char="n"/>
               <a:defRPr sz="2800"/>
             </a:lvl2pPr>
             <a:lvl3pPr>
@@ -2291,18 +4832,13 @@
               <a:rPr lang="zh-CN" altLang="en-US"/>
               <a:t>五级</a:t>
             </a:r>
-          </a:p>
-        </p:txBody>
-      </p:sp>
-      <p:sp>
-        <p:nvSpPr>
-          <p:cNvPr id="4" name="文本占位符 3">
-            <a:extLst>
-              <a:ext uri="{FF2B5EF4-FFF2-40B4-BE49-F238E27FC236}">
-                <a16:creationId xmlns:a16="http://schemas.microsoft.com/office/drawing/2014/main" id="{F2B4E637-362E-48F8-B025-DA86B4822A78}"/>
-              </a:ext>
-            </a:extLst>
-          </p:cNvPr>
+            <a:endParaRPr lang="zh-CN" altLang="en-US" dirty="0"/>
+          </a:p>
+        </p:txBody>
+      </p:sp>
+      <p:sp>
+        <p:nvSpPr>
+          <p:cNvPr id="4" name="文本占位符 3"/>
           <p:cNvSpPr>
             <a:spLocks noGrp="1"/>
           </p:cNvSpPr>
@@ -2312,8 +4848,8 @@
         </p:nvSpPr>
         <p:spPr>
           <a:xfrm>
-            <a:off x="839788" y="2057400"/>
-            <a:ext cx="3932237" cy="3811588"/>
+            <a:off x="609601" y="1435101"/>
+            <a:ext cx="4011084" cy="4691063"/>
           </a:xfrm>
         </p:spPr>
         <p:txBody>
@@ -2321,39 +4857,43 @@
           <a:lstStyle>
             <a:lvl1pPr marL="0" indent="0">
               <a:buNone/>
-              <a:defRPr sz="1600"/>
+              <a:defRPr sz="1400">
+                <a:solidFill>
+                  <a:schemeClr val="bg1"/>
+                </a:solidFill>
+              </a:defRPr>
             </a:lvl1pPr>
             <a:lvl2pPr marL="457200" indent="0">
               <a:buNone/>
-              <a:defRPr sz="1400"/>
+              <a:defRPr sz="1200"/>
             </a:lvl2pPr>
             <a:lvl3pPr marL="914400" indent="0">
               <a:buNone/>
-              <a:defRPr sz="1200"/>
+              <a:defRPr sz="1000"/>
             </a:lvl3pPr>
             <a:lvl4pPr marL="1371600" indent="0">
               <a:buNone/>
-              <a:defRPr sz="1000"/>
+              <a:defRPr sz="900"/>
             </a:lvl4pPr>
             <a:lvl5pPr marL="1828800" indent="0">
               <a:buNone/>
-              <a:defRPr sz="1000"/>
+              <a:defRPr sz="900"/>
             </a:lvl5pPr>
             <a:lvl6pPr marL="2286000" indent="0">
               <a:buNone/>
-              <a:defRPr sz="1000"/>
+              <a:defRPr sz="900"/>
             </a:lvl6pPr>
             <a:lvl7pPr marL="2743200" indent="0">
               <a:buNone/>
-              <a:defRPr sz="1000"/>
+              <a:defRPr sz="900"/>
             </a:lvl7pPr>
             <a:lvl8pPr marL="3200400" indent="0">
               <a:buNone/>
-              <a:defRPr sz="1000"/>
+              <a:defRPr sz="900"/>
             </a:lvl8pPr>
             <a:lvl9pPr marL="3657600" indent="0">
               <a:buNone/>
-              <a:defRPr sz="1000"/>
+              <a:defRPr sz="900"/>
             </a:lvl9pPr>
           </a:lstStyle>
           <a:p>
@@ -2367,13 +4907,7 @@
       </p:sp>
       <p:sp>
         <p:nvSpPr>
-          <p:cNvPr id="5" name="日期占位符 4">
-            <a:extLst>
-              <a:ext uri="{FF2B5EF4-FFF2-40B4-BE49-F238E27FC236}">
-                <a16:creationId xmlns:a16="http://schemas.microsoft.com/office/drawing/2014/main" id="{15F8A5F0-13BB-4AD4-A60F-D1A7637BE0D3}"/>
-              </a:ext>
-            </a:extLst>
-          </p:cNvPr>
+          <p:cNvPr id="5" name="日期占位符 4"/>
           <p:cNvSpPr>
             <a:spLocks noGrp="1"/>
           </p:cNvSpPr>
@@ -2388,7 +4922,7 @@
           <a:p>
             <a:fld id="{2EAD0950-2054-428B-9889-8F686D45EC32}" type="datetimeFigureOut">
               <a:rPr lang="zh-CN" altLang="en-US" smtClean="0"/>
-              <a:t>2020/6/22</a:t>
+              <a:t>2020/6/23</a:t>
             </a:fld>
             <a:endParaRPr lang="zh-CN" altLang="en-US"/>
           </a:p>
@@ -2396,13 +4930,7 @@
       </p:sp>
       <p:sp>
         <p:nvSpPr>
-          <p:cNvPr id="6" name="页脚占位符 5">
-            <a:extLst>
-              <a:ext uri="{FF2B5EF4-FFF2-40B4-BE49-F238E27FC236}">
-                <a16:creationId xmlns:a16="http://schemas.microsoft.com/office/drawing/2014/main" id="{D8290F35-01B2-4FAC-BCB7-578D28ED7845}"/>
-              </a:ext>
-            </a:extLst>
-          </p:cNvPr>
+          <p:cNvPr id="6" name="页脚占位符 5"/>
           <p:cNvSpPr>
             <a:spLocks noGrp="1"/>
           </p:cNvSpPr>
@@ -2421,13 +4949,7 @@
       </p:sp>
       <p:sp>
         <p:nvSpPr>
-          <p:cNvPr id="7" name="灯片编号占位符 6">
-            <a:extLst>
-              <a:ext uri="{FF2B5EF4-FFF2-40B4-BE49-F238E27FC236}">
-                <a16:creationId xmlns:a16="http://schemas.microsoft.com/office/drawing/2014/main" id="{1FDAC842-F121-4234-8CB3-61DEDDF0FC80}"/>
-              </a:ext>
-            </a:extLst>
-          </p:cNvPr>
+          <p:cNvPr id="7" name="灯片编号占位符 6"/>
           <p:cNvSpPr>
             <a:spLocks noGrp="1"/>
           </p:cNvSpPr>
@@ -2451,295 +4973,7 @@
     </p:spTree>
     <p:extLst>
       <p:ext uri="{BB962C8B-B14F-4D97-AF65-F5344CB8AC3E}">
-        <p14:creationId xmlns:p14="http://schemas.microsoft.com/office/powerpoint/2010/main" val="624359435"/>
-      </p:ext>
-    </p:extLst>
-  </p:cSld>
-  <p:clrMapOvr>
-    <a:masterClrMapping/>
-  </p:clrMapOvr>
-</p:sldLayout>
-</file>
-
-<file path=ppt/slideLayouts/slideLayout9.xml><?xml version="1.0" encoding="utf-8"?>
-<p:sldLayout xmlns:a="http://schemas.openxmlformats.org/drawingml/2006/main" xmlns:r="http://schemas.openxmlformats.org/officeDocument/2006/relationships" xmlns:p="http://schemas.openxmlformats.org/presentationml/2006/main" type="picTx" preserve="1">
-  <p:cSld name="图片与标题">
-    <p:spTree>
-      <p:nvGrpSpPr>
-        <p:cNvPr id="1" name=""/>
-        <p:cNvGrpSpPr/>
-        <p:nvPr/>
-      </p:nvGrpSpPr>
-      <p:grpSpPr>
-        <a:xfrm>
-          <a:off x="0" y="0"/>
-          <a:ext cx="0" cy="0"/>
-          <a:chOff x="0" y="0"/>
-          <a:chExt cx="0" cy="0"/>
-        </a:xfrm>
-      </p:grpSpPr>
-      <p:sp>
-        <p:nvSpPr>
-          <p:cNvPr id="2" name="标题 1">
-            <a:extLst>
-              <a:ext uri="{FF2B5EF4-FFF2-40B4-BE49-F238E27FC236}">
-                <a16:creationId xmlns:a16="http://schemas.microsoft.com/office/drawing/2014/main" id="{E0998C3D-1AE7-459B-93A0-A8EA0FC5E56A}"/>
-              </a:ext>
-            </a:extLst>
-          </p:cNvPr>
-          <p:cNvSpPr>
-            <a:spLocks noGrp="1"/>
-          </p:cNvSpPr>
-          <p:nvPr>
-            <p:ph type="title"/>
-          </p:nvPr>
-        </p:nvSpPr>
-        <p:spPr>
-          <a:xfrm>
-            <a:off x="839788" y="457200"/>
-            <a:ext cx="3932237" cy="1600200"/>
-          </a:xfrm>
-        </p:spPr>
-        <p:txBody>
-          <a:bodyPr anchor="b"/>
-          <a:lstStyle>
-            <a:lvl1pPr>
-              <a:defRPr sz="3200"/>
-            </a:lvl1pPr>
-          </a:lstStyle>
-          <a:p>
-            <a:r>
-              <a:rPr lang="zh-CN" altLang="en-US"/>
-              <a:t>单击此处编辑母版标题样式</a:t>
-            </a:r>
-          </a:p>
-        </p:txBody>
-      </p:sp>
-      <p:sp>
-        <p:nvSpPr>
-          <p:cNvPr id="3" name="图片占位符 2">
-            <a:extLst>
-              <a:ext uri="{FF2B5EF4-FFF2-40B4-BE49-F238E27FC236}">
-                <a16:creationId xmlns:a16="http://schemas.microsoft.com/office/drawing/2014/main" id="{EDB1E26A-F0C8-4A34-8236-C02084EEB434}"/>
-              </a:ext>
-            </a:extLst>
-          </p:cNvPr>
-          <p:cNvSpPr>
-            <a:spLocks noGrp="1"/>
-          </p:cNvSpPr>
-          <p:nvPr>
-            <p:ph type="pic" idx="1"/>
-          </p:nvPr>
-        </p:nvSpPr>
-        <p:spPr>
-          <a:xfrm>
-            <a:off x="5183188" y="987425"/>
-            <a:ext cx="6172200" cy="4873625"/>
-          </a:xfrm>
-        </p:spPr>
-        <p:txBody>
-          <a:bodyPr/>
-          <a:lstStyle>
-            <a:lvl1pPr marL="0" indent="0">
-              <a:buNone/>
-              <a:defRPr sz="3200"/>
-            </a:lvl1pPr>
-            <a:lvl2pPr marL="457200" indent="0">
-              <a:buNone/>
-              <a:defRPr sz="2800"/>
-            </a:lvl2pPr>
-            <a:lvl3pPr marL="914400" indent="0">
-              <a:buNone/>
-              <a:defRPr sz="2400"/>
-            </a:lvl3pPr>
-            <a:lvl4pPr marL="1371600" indent="0">
-              <a:buNone/>
-              <a:defRPr sz="2000"/>
-            </a:lvl4pPr>
-            <a:lvl5pPr marL="1828800" indent="0">
-              <a:buNone/>
-              <a:defRPr sz="2000"/>
-            </a:lvl5pPr>
-            <a:lvl6pPr marL="2286000" indent="0">
-              <a:buNone/>
-              <a:defRPr sz="2000"/>
-            </a:lvl6pPr>
-            <a:lvl7pPr marL="2743200" indent="0">
-              <a:buNone/>
-              <a:defRPr sz="2000"/>
-            </a:lvl7pPr>
-            <a:lvl8pPr marL="3200400" indent="0">
-              <a:buNone/>
-              <a:defRPr sz="2000"/>
-            </a:lvl8pPr>
-            <a:lvl9pPr marL="3657600" indent="0">
-              <a:buNone/>
-              <a:defRPr sz="2000"/>
-            </a:lvl9pPr>
-          </a:lstStyle>
-          <a:p>
-            <a:endParaRPr lang="zh-CN" altLang="en-US"/>
-          </a:p>
-        </p:txBody>
-      </p:sp>
-      <p:sp>
-        <p:nvSpPr>
-          <p:cNvPr id="4" name="文本占位符 3">
-            <a:extLst>
-              <a:ext uri="{FF2B5EF4-FFF2-40B4-BE49-F238E27FC236}">
-                <a16:creationId xmlns:a16="http://schemas.microsoft.com/office/drawing/2014/main" id="{D74AD62E-8367-4D5A-BD65-6A8341DECB95}"/>
-              </a:ext>
-            </a:extLst>
-          </p:cNvPr>
-          <p:cNvSpPr>
-            <a:spLocks noGrp="1"/>
-          </p:cNvSpPr>
-          <p:nvPr>
-            <p:ph type="body" sz="half" idx="2"/>
-          </p:nvPr>
-        </p:nvSpPr>
-        <p:spPr>
-          <a:xfrm>
-            <a:off x="839788" y="2057400"/>
-            <a:ext cx="3932237" cy="3811588"/>
-          </a:xfrm>
-        </p:spPr>
-        <p:txBody>
-          <a:bodyPr/>
-          <a:lstStyle>
-            <a:lvl1pPr marL="0" indent="0">
-              <a:buNone/>
-              <a:defRPr sz="1600"/>
-            </a:lvl1pPr>
-            <a:lvl2pPr marL="457200" indent="0">
-              <a:buNone/>
-              <a:defRPr sz="1400"/>
-            </a:lvl2pPr>
-            <a:lvl3pPr marL="914400" indent="0">
-              <a:buNone/>
-              <a:defRPr sz="1200"/>
-            </a:lvl3pPr>
-            <a:lvl4pPr marL="1371600" indent="0">
-              <a:buNone/>
-              <a:defRPr sz="1000"/>
-            </a:lvl4pPr>
-            <a:lvl5pPr marL="1828800" indent="0">
-              <a:buNone/>
-              <a:defRPr sz="1000"/>
-            </a:lvl5pPr>
-            <a:lvl6pPr marL="2286000" indent="0">
-              <a:buNone/>
-              <a:defRPr sz="1000"/>
-            </a:lvl6pPr>
-            <a:lvl7pPr marL="2743200" indent="0">
-              <a:buNone/>
-              <a:defRPr sz="1000"/>
-            </a:lvl7pPr>
-            <a:lvl8pPr marL="3200400" indent="0">
-              <a:buNone/>
-              <a:defRPr sz="1000"/>
-            </a:lvl8pPr>
-            <a:lvl9pPr marL="3657600" indent="0">
-              <a:buNone/>
-              <a:defRPr sz="1000"/>
-            </a:lvl9pPr>
-          </a:lstStyle>
-          <a:p>
-            <a:pPr lvl="0"/>
-            <a:r>
-              <a:rPr lang="zh-CN" altLang="en-US"/>
-              <a:t>单击此处编辑母版文本样式</a:t>
-            </a:r>
-          </a:p>
-        </p:txBody>
-      </p:sp>
-      <p:sp>
-        <p:nvSpPr>
-          <p:cNvPr id="5" name="日期占位符 4">
-            <a:extLst>
-              <a:ext uri="{FF2B5EF4-FFF2-40B4-BE49-F238E27FC236}">
-                <a16:creationId xmlns:a16="http://schemas.microsoft.com/office/drawing/2014/main" id="{F47F88D7-1912-40A3-8FF0-04ACB574E2C2}"/>
-              </a:ext>
-            </a:extLst>
-          </p:cNvPr>
-          <p:cNvSpPr>
-            <a:spLocks noGrp="1"/>
-          </p:cNvSpPr>
-          <p:nvPr>
-            <p:ph type="dt" sz="half" idx="10"/>
-          </p:nvPr>
-        </p:nvSpPr>
-        <p:spPr/>
-        <p:txBody>
-          <a:bodyPr/>
-          <a:lstStyle/>
-          <a:p>
-            <a:fld id="{2EAD0950-2054-428B-9889-8F686D45EC32}" type="datetimeFigureOut">
-              <a:rPr lang="zh-CN" altLang="en-US" smtClean="0"/>
-              <a:t>2020/6/22</a:t>
-            </a:fld>
-            <a:endParaRPr lang="zh-CN" altLang="en-US"/>
-          </a:p>
-        </p:txBody>
-      </p:sp>
-      <p:sp>
-        <p:nvSpPr>
-          <p:cNvPr id="6" name="页脚占位符 5">
-            <a:extLst>
-              <a:ext uri="{FF2B5EF4-FFF2-40B4-BE49-F238E27FC236}">
-                <a16:creationId xmlns:a16="http://schemas.microsoft.com/office/drawing/2014/main" id="{0DEF40B9-C060-4B1B-83CF-0E6240DF1372}"/>
-              </a:ext>
-            </a:extLst>
-          </p:cNvPr>
-          <p:cNvSpPr>
-            <a:spLocks noGrp="1"/>
-          </p:cNvSpPr>
-          <p:nvPr>
-            <p:ph type="ftr" sz="quarter" idx="11"/>
-          </p:nvPr>
-        </p:nvSpPr>
-        <p:spPr/>
-        <p:txBody>
-          <a:bodyPr/>
-          <a:lstStyle/>
-          <a:p>
-            <a:endParaRPr lang="zh-CN" altLang="en-US"/>
-          </a:p>
-        </p:txBody>
-      </p:sp>
-      <p:sp>
-        <p:nvSpPr>
-          <p:cNvPr id="7" name="灯片编号占位符 6">
-            <a:extLst>
-              <a:ext uri="{FF2B5EF4-FFF2-40B4-BE49-F238E27FC236}">
-                <a16:creationId xmlns:a16="http://schemas.microsoft.com/office/drawing/2014/main" id="{D59CA973-8E22-457B-86AA-7AA8731A868B}"/>
-              </a:ext>
-            </a:extLst>
-          </p:cNvPr>
-          <p:cNvSpPr>
-            <a:spLocks noGrp="1"/>
-          </p:cNvSpPr>
-          <p:nvPr>
-            <p:ph type="sldNum" sz="quarter" idx="12"/>
-          </p:nvPr>
-        </p:nvSpPr>
-        <p:spPr/>
-        <p:txBody>
-          <a:bodyPr/>
-          <a:lstStyle/>
-          <a:p>
-            <a:fld id="{5657022F-552F-4AF8-9C9A-FD683D921B86}" type="slidenum">
-              <a:rPr lang="zh-CN" altLang="en-US" smtClean="0"/>
-              <a:t>‹#›</a:t>
-            </a:fld>
-            <a:endParaRPr lang="zh-CN" altLang="en-US"/>
-          </a:p>
-        </p:txBody>
-      </p:sp>
-    </p:spTree>
-    <p:extLst>
-      <p:ext uri="{BB962C8B-B14F-4D97-AF65-F5344CB8AC3E}">
-        <p14:creationId xmlns:p14="http://schemas.microsoft.com/office/powerpoint/2010/main" val="865203188"/>
+        <p14:creationId xmlns:p14="http://schemas.microsoft.com/office/powerpoint/2010/main" val="2887169532"/>
       </p:ext>
     </p:extLst>
   </p:cSld>
@@ -2773,13 +5007,7 @@
       </p:grpSpPr>
       <p:sp>
         <p:nvSpPr>
-          <p:cNvPr id="2" name="标题占位符 1">
-            <a:extLst>
-              <a:ext uri="{FF2B5EF4-FFF2-40B4-BE49-F238E27FC236}">
-                <a16:creationId xmlns:a16="http://schemas.microsoft.com/office/drawing/2014/main" id="{7F81375A-F3D0-4AF9-A0E0-0AEF8FB6DEAB}"/>
-              </a:ext>
-            </a:extLst>
-          </p:cNvPr>
+          <p:cNvPr id="2" name="标题占位符 1"/>
           <p:cNvSpPr>
             <a:spLocks noGrp="1"/>
           </p:cNvSpPr>
@@ -2789,8 +5017,8 @@
         </p:nvSpPr>
         <p:spPr>
           <a:xfrm>
-            <a:off x="838200" y="365125"/>
-            <a:ext cx="10515600" cy="1325563"/>
+            <a:off x="609600" y="274638"/>
+            <a:ext cx="10972800" cy="1143000"/>
           </a:xfrm>
           <a:prstGeom prst="rect">
             <a:avLst/>
@@ -2803,7 +5031,7 @@
           <a:lstStyle/>
           <a:p>
             <a:r>
-              <a:rPr lang="zh-CN" altLang="en-US"/>
+              <a:rPr lang="zh-CN" altLang="en-US" dirty="0"/>
               <a:t>单击此处编辑母版标题样式</a:t>
             </a:r>
           </a:p>
@@ -2811,13 +5039,7 @@
       </p:sp>
       <p:sp>
         <p:nvSpPr>
-          <p:cNvPr id="3" name="文本占位符 2">
-            <a:extLst>
-              <a:ext uri="{FF2B5EF4-FFF2-40B4-BE49-F238E27FC236}">
-                <a16:creationId xmlns:a16="http://schemas.microsoft.com/office/drawing/2014/main" id="{82450EBA-01E0-4656-BBE8-96E892B20CBB}"/>
-              </a:ext>
-            </a:extLst>
-          </p:cNvPr>
+          <p:cNvPr id="3" name="文本占位符 2"/>
           <p:cNvSpPr>
             <a:spLocks noGrp="1"/>
           </p:cNvSpPr>
@@ -2827,8 +5049,8 @@
         </p:nvSpPr>
         <p:spPr>
           <a:xfrm>
-            <a:off x="838200" y="1825625"/>
-            <a:ext cx="10515600" cy="4351338"/>
+            <a:off x="609600" y="1600201"/>
+            <a:ext cx="10972800" cy="4525963"/>
           </a:xfrm>
           <a:prstGeom prst="rect">
             <a:avLst/>
@@ -2850,41 +5072,35 @@
             <a:pPr lvl="1"/>
             <a:r>
               <a:rPr lang="zh-CN" altLang="en-US"/>
-              <a:t>二级</a:t>
+              <a:t>第二级</a:t>
             </a:r>
           </a:p>
           <a:p>
             <a:pPr lvl="2"/>
             <a:r>
               <a:rPr lang="zh-CN" altLang="en-US"/>
-              <a:t>三级</a:t>
+              <a:t>第三级</a:t>
             </a:r>
           </a:p>
           <a:p>
             <a:pPr lvl="3"/>
             <a:r>
               <a:rPr lang="zh-CN" altLang="en-US"/>
-              <a:t>四级</a:t>
+              <a:t>第四级</a:t>
             </a:r>
           </a:p>
           <a:p>
             <a:pPr lvl="4"/>
             <a:r>
               <a:rPr lang="zh-CN" altLang="en-US"/>
-              <a:t>五级</a:t>
-            </a:r>
-          </a:p>
-        </p:txBody>
-      </p:sp>
-      <p:sp>
-        <p:nvSpPr>
-          <p:cNvPr id="4" name="日期占位符 3">
-            <a:extLst>
-              <a:ext uri="{FF2B5EF4-FFF2-40B4-BE49-F238E27FC236}">
-                <a16:creationId xmlns:a16="http://schemas.microsoft.com/office/drawing/2014/main" id="{ED5262A2-CDAA-4C25-B4D0-739CBE9BFDDD}"/>
-              </a:ext>
-            </a:extLst>
-          </p:cNvPr>
+              <a:t>第五级</a:t>
+            </a:r>
+          </a:p>
+        </p:txBody>
+      </p:sp>
+      <p:sp>
+        <p:nvSpPr>
+          <p:cNvPr id="4" name="日期占位符 3"/>
           <p:cNvSpPr>
             <a:spLocks noGrp="1"/>
           </p:cNvSpPr>
@@ -2894,8 +5110,8 @@
         </p:nvSpPr>
         <p:spPr>
           <a:xfrm>
-            <a:off x="838200" y="6356350"/>
-            <a:ext cx="2743200" cy="365125"/>
+            <a:off x="609600" y="6356351"/>
+            <a:ext cx="2844800" cy="365125"/>
           </a:xfrm>
           <a:prstGeom prst="rect">
             <a:avLst/>
@@ -2917,7 +5133,7 @@
           <a:p>
             <a:fld id="{2EAD0950-2054-428B-9889-8F686D45EC32}" type="datetimeFigureOut">
               <a:rPr lang="zh-CN" altLang="en-US" smtClean="0"/>
-              <a:t>2020/6/22</a:t>
+              <a:t>2020/6/23</a:t>
             </a:fld>
             <a:endParaRPr lang="zh-CN" altLang="en-US"/>
           </a:p>
@@ -2925,13 +5141,7 @@
       </p:sp>
       <p:sp>
         <p:nvSpPr>
-          <p:cNvPr id="5" name="页脚占位符 4">
-            <a:extLst>
-              <a:ext uri="{FF2B5EF4-FFF2-40B4-BE49-F238E27FC236}">
-                <a16:creationId xmlns:a16="http://schemas.microsoft.com/office/drawing/2014/main" id="{8CF87646-4C94-448B-9946-AF1E4A434F64}"/>
-              </a:ext>
-            </a:extLst>
-          </p:cNvPr>
+          <p:cNvPr id="5" name="页脚占位符 4"/>
           <p:cNvSpPr>
             <a:spLocks noGrp="1"/>
           </p:cNvSpPr>
@@ -2941,8 +5151,8 @@
         </p:nvSpPr>
         <p:spPr>
           <a:xfrm>
-            <a:off x="4038600" y="6356350"/>
-            <a:ext cx="4114800" cy="365125"/>
+            <a:off x="4165600" y="6356351"/>
+            <a:ext cx="3860800" cy="365125"/>
           </a:xfrm>
           <a:prstGeom prst="rect">
             <a:avLst/>
@@ -2968,13 +5178,7 @@
       </p:sp>
       <p:sp>
         <p:nvSpPr>
-          <p:cNvPr id="6" name="灯片编号占位符 5">
-            <a:extLst>
-              <a:ext uri="{FF2B5EF4-FFF2-40B4-BE49-F238E27FC236}">
-                <a16:creationId xmlns:a16="http://schemas.microsoft.com/office/drawing/2014/main" id="{6D8AF296-0C44-4B46-B0C3-6F32C68A58E3}"/>
-              </a:ext>
-            </a:extLst>
-          </p:cNvPr>
+          <p:cNvPr id="6" name="灯片编号占位符 5"/>
           <p:cNvSpPr>
             <a:spLocks noGrp="1"/>
           </p:cNvSpPr>
@@ -2984,8 +5188,8 @@
         </p:nvSpPr>
         <p:spPr>
           <a:xfrm>
-            <a:off x="8610600" y="6356350"/>
-            <a:ext cx="2743200" cy="365125"/>
+            <a:off x="8737600" y="6356351"/>
+            <a:ext cx="2844800" cy="365125"/>
           </a:xfrm>
           <a:prstGeom prst="rect">
             <a:avLst/>
@@ -3016,30 +5220,28 @@
     </p:spTree>
     <p:extLst>
       <p:ext uri="{BB962C8B-B14F-4D97-AF65-F5344CB8AC3E}">
-        <p14:creationId xmlns:p14="http://schemas.microsoft.com/office/powerpoint/2010/main" val="2247954366"/>
+        <p14:creationId xmlns:p14="http://schemas.microsoft.com/office/powerpoint/2010/main" val="3871116810"/>
       </p:ext>
     </p:extLst>
   </p:cSld>
   <p:clrMap bg1="lt1" tx1="dk1" bg2="lt2" tx2="dk2" accent1="accent1" accent2="accent2" accent3="accent3" accent4="accent4" accent5="accent5" accent6="accent6" hlink="hlink" folHlink="folHlink"/>
   <p:sldLayoutIdLst>
-    <p:sldLayoutId id="2147483649" r:id="rId1"/>
-    <p:sldLayoutId id="2147483650" r:id="rId2"/>
-    <p:sldLayoutId id="2147483651" r:id="rId3"/>
-    <p:sldLayoutId id="2147483652" r:id="rId4"/>
-    <p:sldLayoutId id="2147483653" r:id="rId5"/>
-    <p:sldLayoutId id="2147483654" r:id="rId6"/>
-    <p:sldLayoutId id="2147483655" r:id="rId7"/>
-    <p:sldLayoutId id="2147483656" r:id="rId8"/>
-    <p:sldLayoutId id="2147483657" r:id="rId9"/>
-    <p:sldLayoutId id="2147483658" r:id="rId10"/>
-    <p:sldLayoutId id="2147483659" r:id="rId11"/>
+    <p:sldLayoutId id="2147483661" r:id="rId1"/>
+    <p:sldLayoutId id="2147483662" r:id="rId2"/>
+    <p:sldLayoutId id="2147483663" r:id="rId3"/>
+    <p:sldLayoutId id="2147483664" r:id="rId4"/>
+    <p:sldLayoutId id="2147483665" r:id="rId5"/>
+    <p:sldLayoutId id="2147483666" r:id="rId6"/>
+    <p:sldLayoutId id="2147483667" r:id="rId7"/>
+    <p:sldLayoutId id="2147483668" r:id="rId8"/>
+    <p:sldLayoutId id="2147483669" r:id="rId9"/>
+    <p:sldLayoutId id="2147483670" r:id="rId10"/>
+    <p:sldLayoutId id="2147483671" r:id="rId11"/>
+    <p:sldLayoutId id="2147483672" r:id="rId12"/>
   </p:sldLayoutIdLst>
   <p:txStyles>
     <p:titleStyle>
-      <a:lvl1pPr algn="l" defTabSz="914400" rtl="0" eaLnBrk="1" latinLnBrk="0" hangingPunct="1">
-        <a:lnSpc>
-          <a:spcPct val="90000"/>
-        </a:lnSpc>
+      <a:lvl1pPr algn="ctr" defTabSz="914400" rtl="0" eaLnBrk="1" latinLnBrk="0" hangingPunct="1">
         <a:spcBef>
           <a:spcPct val="0"/>
         </a:spcBef>
@@ -3055,15 +5257,27 @@
       </a:lvl1pPr>
     </p:titleStyle>
     <p:bodyStyle>
-      <a:lvl1pPr marL="228600" indent="-228600" algn="l" defTabSz="914400" rtl="0" eaLnBrk="1" latinLnBrk="0" hangingPunct="1">
-        <a:lnSpc>
-          <a:spcPct val="90000"/>
-        </a:lnSpc>
+      <a:lvl1pPr marL="342900" indent="-342900" algn="l" defTabSz="914400" rtl="0" eaLnBrk="1" latinLnBrk="0" hangingPunct="1">
         <a:spcBef>
-          <a:spcPts val="1000"/>
+          <a:spcPct val="20000"/>
         </a:spcBef>
-        <a:buFont typeface="Arial" panose="020B0604020202020204" pitchFamily="34" charset="0"/>
+        <a:buFont typeface="Arial" pitchFamily="34" charset="0"/>
         <a:buChar char="•"/>
+        <a:defRPr sz="3200" kern="1200">
+          <a:solidFill>
+            <a:schemeClr val="tx1"/>
+          </a:solidFill>
+          <a:latin typeface="+mn-lt"/>
+          <a:ea typeface="+mn-ea"/>
+          <a:cs typeface="+mn-cs"/>
+        </a:defRPr>
+      </a:lvl1pPr>
+      <a:lvl2pPr marL="742950" indent="-285750" algn="l" defTabSz="914400" rtl="0" eaLnBrk="1" latinLnBrk="0" hangingPunct="1">
+        <a:spcBef>
+          <a:spcPct val="20000"/>
+        </a:spcBef>
+        <a:buFont typeface="Arial" pitchFamily="34" charset="0"/>
+        <a:buChar char="–"/>
         <a:defRPr sz="2800" kern="1200">
           <a:solidFill>
             <a:schemeClr val="tx1"/>
@@ -3072,15 +5286,12 @@
           <a:ea typeface="+mn-ea"/>
           <a:cs typeface="+mn-cs"/>
         </a:defRPr>
-      </a:lvl1pPr>
-      <a:lvl2pPr marL="685800" indent="-228600" algn="l" defTabSz="914400" rtl="0" eaLnBrk="1" latinLnBrk="0" hangingPunct="1">
-        <a:lnSpc>
-          <a:spcPct val="90000"/>
-        </a:lnSpc>
+      </a:lvl2pPr>
+      <a:lvl3pPr marL="1143000" indent="-228600" algn="l" defTabSz="914400" rtl="0" eaLnBrk="1" latinLnBrk="0" hangingPunct="1">
         <a:spcBef>
-          <a:spcPts val="500"/>
+          <a:spcPct val="20000"/>
         </a:spcBef>
-        <a:buFont typeface="Arial" panose="020B0604020202020204" pitchFamily="34" charset="0"/>
+        <a:buFont typeface="Arial" pitchFamily="34" charset="0"/>
         <a:buChar char="•"/>
         <a:defRPr sz="2400" kern="1200">
           <a:solidFill>
@@ -3090,15 +5301,42 @@
           <a:ea typeface="+mn-ea"/>
           <a:cs typeface="+mn-cs"/>
         </a:defRPr>
-      </a:lvl2pPr>
-      <a:lvl3pPr marL="1143000" indent="-228600" algn="l" defTabSz="914400" rtl="0" eaLnBrk="1" latinLnBrk="0" hangingPunct="1">
-        <a:lnSpc>
-          <a:spcPct val="90000"/>
-        </a:lnSpc>
+      </a:lvl3pPr>
+      <a:lvl4pPr marL="1600200" indent="-228600" algn="l" defTabSz="914400" rtl="0" eaLnBrk="1" latinLnBrk="0" hangingPunct="1">
         <a:spcBef>
-          <a:spcPts val="500"/>
+          <a:spcPct val="20000"/>
         </a:spcBef>
-        <a:buFont typeface="Arial" panose="020B0604020202020204" pitchFamily="34" charset="0"/>
+        <a:buFont typeface="Arial" pitchFamily="34" charset="0"/>
+        <a:buChar char="–"/>
+        <a:defRPr sz="2000" kern="1200">
+          <a:solidFill>
+            <a:schemeClr val="tx1"/>
+          </a:solidFill>
+          <a:latin typeface="+mn-lt"/>
+          <a:ea typeface="+mn-ea"/>
+          <a:cs typeface="+mn-cs"/>
+        </a:defRPr>
+      </a:lvl4pPr>
+      <a:lvl5pPr marL="2057400" indent="-228600" algn="l" defTabSz="914400" rtl="0" eaLnBrk="1" latinLnBrk="0" hangingPunct="1">
+        <a:spcBef>
+          <a:spcPct val="20000"/>
+        </a:spcBef>
+        <a:buFont typeface="Arial" pitchFamily="34" charset="0"/>
+        <a:buChar char="»"/>
+        <a:defRPr sz="2000" kern="1200">
+          <a:solidFill>
+            <a:schemeClr val="tx1"/>
+          </a:solidFill>
+          <a:latin typeface="+mn-lt"/>
+          <a:ea typeface="+mn-ea"/>
+          <a:cs typeface="+mn-cs"/>
+        </a:defRPr>
+      </a:lvl5pPr>
+      <a:lvl6pPr marL="2514600" indent="-228600" algn="l" defTabSz="914400" rtl="0" eaLnBrk="1" latinLnBrk="0" hangingPunct="1">
+        <a:spcBef>
+          <a:spcPct val="20000"/>
+        </a:spcBef>
+        <a:buFont typeface="Arial" pitchFamily="34" charset="0"/>
         <a:buChar char="•"/>
         <a:defRPr sz="2000" kern="1200">
           <a:solidFill>
@@ -3108,71 +5346,14 @@
           <a:ea typeface="+mn-ea"/>
           <a:cs typeface="+mn-cs"/>
         </a:defRPr>
-      </a:lvl3pPr>
-      <a:lvl4pPr marL="1600200" indent="-228600" algn="l" defTabSz="914400" rtl="0" eaLnBrk="1" latinLnBrk="0" hangingPunct="1">
-        <a:lnSpc>
-          <a:spcPct val="90000"/>
-        </a:lnSpc>
-        <a:spcBef>
-          <a:spcPts val="500"/>
-        </a:spcBef>
-        <a:buFont typeface="Arial" panose="020B0604020202020204" pitchFamily="34" charset="0"/>
-        <a:buChar char="•"/>
-        <a:defRPr sz="1800" kern="1200">
-          <a:solidFill>
-            <a:schemeClr val="tx1"/>
-          </a:solidFill>
-          <a:latin typeface="+mn-lt"/>
-          <a:ea typeface="+mn-ea"/>
-          <a:cs typeface="+mn-cs"/>
-        </a:defRPr>
-      </a:lvl4pPr>
-      <a:lvl5pPr marL="2057400" indent="-228600" algn="l" defTabSz="914400" rtl="0" eaLnBrk="1" latinLnBrk="0" hangingPunct="1">
-        <a:lnSpc>
-          <a:spcPct val="90000"/>
-        </a:lnSpc>
-        <a:spcBef>
-          <a:spcPts val="500"/>
-        </a:spcBef>
-        <a:buFont typeface="Arial" panose="020B0604020202020204" pitchFamily="34" charset="0"/>
-        <a:buChar char="•"/>
-        <a:defRPr sz="1800" kern="1200">
-          <a:solidFill>
-            <a:schemeClr val="tx1"/>
-          </a:solidFill>
-          <a:latin typeface="+mn-lt"/>
-          <a:ea typeface="+mn-ea"/>
-          <a:cs typeface="+mn-cs"/>
-        </a:defRPr>
-      </a:lvl5pPr>
-      <a:lvl6pPr marL="2514600" indent="-228600" algn="l" defTabSz="914400" rtl="0" eaLnBrk="1" latinLnBrk="0" hangingPunct="1">
-        <a:lnSpc>
-          <a:spcPct val="90000"/>
-        </a:lnSpc>
-        <a:spcBef>
-          <a:spcPts val="500"/>
-        </a:spcBef>
-        <a:buFont typeface="Arial" panose="020B0604020202020204" pitchFamily="34" charset="0"/>
-        <a:buChar char="•"/>
-        <a:defRPr sz="1800" kern="1200">
-          <a:solidFill>
-            <a:schemeClr val="tx1"/>
-          </a:solidFill>
-          <a:latin typeface="+mn-lt"/>
-          <a:ea typeface="+mn-ea"/>
-          <a:cs typeface="+mn-cs"/>
-        </a:defRPr>
       </a:lvl6pPr>
       <a:lvl7pPr marL="2971800" indent="-228600" algn="l" defTabSz="914400" rtl="0" eaLnBrk="1" latinLnBrk="0" hangingPunct="1">
-        <a:lnSpc>
-          <a:spcPct val="90000"/>
-        </a:lnSpc>
         <a:spcBef>
-          <a:spcPts val="500"/>
+          <a:spcPct val="20000"/>
         </a:spcBef>
-        <a:buFont typeface="Arial" panose="020B0604020202020204" pitchFamily="34" charset="0"/>
+        <a:buFont typeface="Arial" pitchFamily="34" charset="0"/>
         <a:buChar char="•"/>
-        <a:defRPr sz="1800" kern="1200">
+        <a:defRPr sz="2000" kern="1200">
           <a:solidFill>
             <a:schemeClr val="tx1"/>
           </a:solidFill>
@@ -3182,15 +5363,12 @@
         </a:defRPr>
       </a:lvl7pPr>
       <a:lvl8pPr marL="3429000" indent="-228600" algn="l" defTabSz="914400" rtl="0" eaLnBrk="1" latinLnBrk="0" hangingPunct="1">
-        <a:lnSpc>
-          <a:spcPct val="90000"/>
-        </a:lnSpc>
         <a:spcBef>
-          <a:spcPts val="500"/>
+          <a:spcPct val="20000"/>
         </a:spcBef>
-        <a:buFont typeface="Arial" panose="020B0604020202020204" pitchFamily="34" charset="0"/>
+        <a:buFont typeface="Arial" pitchFamily="34" charset="0"/>
         <a:buChar char="•"/>
-        <a:defRPr sz="1800" kern="1200">
+        <a:defRPr sz="2000" kern="1200">
           <a:solidFill>
             <a:schemeClr val="tx1"/>
           </a:solidFill>
@@ -3200,15 +5378,12 @@
         </a:defRPr>
       </a:lvl8pPr>
       <a:lvl9pPr marL="3886200" indent="-228600" algn="l" defTabSz="914400" rtl="0" eaLnBrk="1" latinLnBrk="0" hangingPunct="1">
-        <a:lnSpc>
-          <a:spcPct val="90000"/>
-        </a:lnSpc>
         <a:spcBef>
-          <a:spcPts val="500"/>
+          <a:spcPct val="20000"/>
         </a:spcBef>
-        <a:buFont typeface="Arial" panose="020B0604020202020204" pitchFamily="34" charset="0"/>
+        <a:buFont typeface="Arial" pitchFamily="34" charset="0"/>
         <a:buChar char="•"/>
-        <a:defRPr sz="1800" kern="1200">
+        <a:defRPr sz="2000" kern="1200">
           <a:solidFill>
             <a:schemeClr val="tx1"/>
           </a:solidFill>
@@ -3381,7 +5556,9 @@
         </p:nvSpPr>
         <p:spPr/>
         <p:txBody>
-          <a:bodyPr/>
+          <a:bodyPr>
+            <a:normAutofit/>
+          </a:bodyPr>
           <a:lstStyle/>
           <a:p>
             <a:r>
@@ -3781,7 +5958,7 @@
         <p:spPr/>
         <p:txBody>
           <a:bodyPr>
-            <a:normAutofit fontScale="92500" lnSpcReduction="10000"/>
+            <a:normAutofit fontScale="92500" lnSpcReduction="20000"/>
           </a:bodyPr>
           <a:lstStyle/>
           <a:p>
@@ -3930,7 +6107,9 @@
         </p:nvSpPr>
         <p:spPr/>
         <p:txBody>
-          <a:bodyPr/>
+          <a:bodyPr>
+            <a:normAutofit fontScale="90000"/>
+          </a:bodyPr>
           <a:lstStyle/>
           <a:p>
             <a:r>
@@ -4262,7 +6441,7 @@
         <p:spPr/>
         <p:txBody>
           <a:bodyPr>
-            <a:normAutofit fontScale="85000" lnSpcReduction="20000"/>
+            <a:normAutofit fontScale="77500" lnSpcReduction="20000"/>
           </a:bodyPr>
           <a:lstStyle/>
           <a:p>
@@ -4784,7 +6963,7 @@
 </file>
 
 <file path=ppt/theme/theme1.xml><?xml version="1.0" encoding="utf-8"?>
-<a:theme xmlns:a="http://schemas.openxmlformats.org/drawingml/2006/main" name="Office 主题​​">
+<a:theme xmlns:a="http://schemas.openxmlformats.org/drawingml/2006/main" name="组会模板16：9">
   <a:themeElements>
     <a:clrScheme name="Office">
       <a:dk1>
@@ -4794,44 +6973,44 @@
         <a:sysClr val="window" lastClr="FFFFFF"/>
       </a:lt1>
       <a:dk2>
-        <a:srgbClr val="44546A"/>
+        <a:srgbClr val="1F497D"/>
       </a:dk2>
       <a:lt2>
-        <a:srgbClr val="E7E6E6"/>
+        <a:srgbClr val="EEECE1"/>
       </a:lt2>
       <a:accent1>
-        <a:srgbClr val="4472C4"/>
+        <a:srgbClr val="4F81BD"/>
       </a:accent1>
       <a:accent2>
-        <a:srgbClr val="ED7D31"/>
+        <a:srgbClr val="C0504D"/>
       </a:accent2>
       <a:accent3>
-        <a:srgbClr val="A5A5A5"/>
+        <a:srgbClr val="9BBB59"/>
       </a:accent3>
       <a:accent4>
-        <a:srgbClr val="FFC000"/>
+        <a:srgbClr val="8064A2"/>
       </a:accent4>
       <a:accent5>
-        <a:srgbClr val="5B9BD5"/>
+        <a:srgbClr val="4BACC6"/>
       </a:accent5>
       <a:accent6>
-        <a:srgbClr val="70AD47"/>
+        <a:srgbClr val="F79646"/>
       </a:accent6>
       <a:hlink>
-        <a:srgbClr val="0563C1"/>
+        <a:srgbClr val="0000FF"/>
       </a:hlink>
       <a:folHlink>
-        <a:srgbClr val="954F72"/>
+        <a:srgbClr val="800080"/>
       </a:folHlink>
     </a:clrScheme>
     <a:fontScheme name="Office">
       <a:majorFont>
-        <a:latin typeface="等线 Light" panose="020F0302020204030204"/>
+        <a:latin typeface="Calibri"/>
         <a:ea typeface=""/>
         <a:cs typeface=""/>
-        <a:font script="Jpan" typeface="游ゴシック Light"/>
+        <a:font script="Jpan" typeface="ＭＳ Ｐゴシック"/>
         <a:font script="Hang" typeface="맑은 고딕"/>
-        <a:font script="Hans" typeface="等线 Light"/>
+        <a:font script="Hans" typeface="宋体"/>
         <a:font script="Hant" typeface="新細明體"/>
         <a:font script="Arab" typeface="Times New Roman"/>
         <a:font script="Hebr" typeface="Times New Roman"/>
@@ -4858,32 +7037,14 @@
         <a:font script="Mong" typeface="Mongolian Baiti"/>
         <a:font script="Viet" typeface="Times New Roman"/>
         <a:font script="Uigh" typeface="Microsoft Uighur"/>
-        <a:font script="Geor" typeface="Sylfaen"/>
-        <a:font script="Armn" typeface="Arial"/>
-        <a:font script="Bugi" typeface="Leelawadee UI"/>
-        <a:font script="Bopo" typeface="Microsoft JhengHei"/>
-        <a:font script="Java" typeface="Javanese Text"/>
-        <a:font script="Lisu" typeface="Segoe UI"/>
-        <a:font script="Mymr" typeface="Myanmar Text"/>
-        <a:font script="Nkoo" typeface="Ebrima"/>
-        <a:font script="Olck" typeface="Nirmala UI"/>
-        <a:font script="Osma" typeface="Ebrima"/>
-        <a:font script="Phag" typeface="Phagspa"/>
-        <a:font script="Syrn" typeface="Estrangelo Edessa"/>
-        <a:font script="Syrj" typeface="Estrangelo Edessa"/>
-        <a:font script="Syre" typeface="Estrangelo Edessa"/>
-        <a:font script="Sora" typeface="Nirmala UI"/>
-        <a:font script="Tale" typeface="Microsoft Tai Le"/>
-        <a:font script="Talu" typeface="Microsoft New Tai Lue"/>
-        <a:font script="Tfng" typeface="Ebrima"/>
       </a:majorFont>
       <a:minorFont>
-        <a:latin typeface="等线" panose="020F0502020204030204"/>
+        <a:latin typeface="Calibri"/>
         <a:ea typeface=""/>
         <a:cs typeface=""/>
-        <a:font script="Jpan" typeface="游ゴシック"/>
+        <a:font script="Jpan" typeface="ＭＳ Ｐゴシック"/>
         <a:font script="Hang" typeface="맑은 고딕"/>
-        <a:font script="Hans" typeface="等线"/>
+        <a:font script="Hans" typeface="宋体"/>
         <a:font script="Hant" typeface="新細明體"/>
         <a:font script="Arab" typeface="Arial"/>
         <a:font script="Hebr" typeface="Arial"/>
@@ -4910,24 +7071,6 @@
         <a:font script="Mong" typeface="Mongolian Baiti"/>
         <a:font script="Viet" typeface="Arial"/>
         <a:font script="Uigh" typeface="Microsoft Uighur"/>
-        <a:font script="Geor" typeface="Sylfaen"/>
-        <a:font script="Armn" typeface="Arial"/>
-        <a:font script="Bugi" typeface="Leelawadee UI"/>
-        <a:font script="Bopo" typeface="Microsoft JhengHei"/>
-        <a:font script="Java" typeface="Javanese Text"/>
-        <a:font script="Lisu" typeface="Segoe UI"/>
-        <a:font script="Mymr" typeface="Myanmar Text"/>
-        <a:font script="Nkoo" typeface="Ebrima"/>
-        <a:font script="Olck" typeface="Nirmala UI"/>
-        <a:font script="Osma" typeface="Ebrima"/>
-        <a:font script="Phag" typeface="Phagspa"/>
-        <a:font script="Syrn" typeface="Estrangelo Edessa"/>
-        <a:font script="Syrj" typeface="Estrangelo Edessa"/>
-        <a:font script="Syre" typeface="Estrangelo Edessa"/>
-        <a:font script="Sora" typeface="Nirmala UI"/>
-        <a:font script="Tale" typeface="Microsoft Tai Le"/>
-        <a:font script="Talu" typeface="Microsoft New Tai Lue"/>
-        <a:font script="Tfng" typeface="Ebrima"/>
       </a:minorFont>
     </a:fontScheme>
     <a:fmtScheme name="Office">
@@ -4939,131 +7082,160 @@
           <a:gsLst>
             <a:gs pos="0">
               <a:schemeClr val="phClr">
-                <a:lumMod val="110000"/>
-                <a:satMod val="105000"/>
-                <a:tint val="67000"/>
+                <a:tint val="50000"/>
+                <a:satMod val="300000"/>
               </a:schemeClr>
             </a:gs>
-            <a:gs pos="50000">
+            <a:gs pos="35000">
               <a:schemeClr val="phClr">
-                <a:lumMod val="105000"/>
-                <a:satMod val="103000"/>
-                <a:tint val="73000"/>
+                <a:tint val="37000"/>
+                <a:satMod val="300000"/>
               </a:schemeClr>
             </a:gs>
             <a:gs pos="100000">
               <a:schemeClr val="phClr">
-                <a:lumMod val="105000"/>
-                <a:satMod val="109000"/>
-                <a:tint val="81000"/>
+                <a:tint val="15000"/>
+                <a:satMod val="350000"/>
               </a:schemeClr>
             </a:gs>
           </a:gsLst>
-          <a:lin ang="5400000" scaled="0"/>
+          <a:lin ang="16200000" scaled="1"/>
         </a:gradFill>
         <a:gradFill rotWithShape="1">
           <a:gsLst>
             <a:gs pos="0">
               <a:schemeClr val="phClr">
-                <a:satMod val="103000"/>
-                <a:lumMod val="102000"/>
-                <a:tint val="94000"/>
+                <a:shade val="51000"/>
+                <a:satMod val="130000"/>
               </a:schemeClr>
             </a:gs>
-            <a:gs pos="50000">
+            <a:gs pos="80000">
               <a:schemeClr val="phClr">
-                <a:satMod val="110000"/>
-                <a:lumMod val="100000"/>
-                <a:shade val="100000"/>
+                <a:shade val="93000"/>
+                <a:satMod val="130000"/>
               </a:schemeClr>
             </a:gs>
             <a:gs pos="100000">
               <a:schemeClr val="phClr">
-                <a:lumMod val="99000"/>
-                <a:satMod val="120000"/>
-                <a:shade val="78000"/>
+                <a:shade val="94000"/>
+                <a:satMod val="135000"/>
               </a:schemeClr>
             </a:gs>
           </a:gsLst>
-          <a:lin ang="5400000" scaled="0"/>
+          <a:lin ang="16200000" scaled="0"/>
         </a:gradFill>
       </a:fillStyleLst>
       <a:lnStyleLst>
-        <a:ln w="6350" cap="flat" cmpd="sng" algn="ctr">
+        <a:ln w="9525" cap="flat" cmpd="sng" algn="ctr">
+          <a:solidFill>
+            <a:schemeClr val="phClr">
+              <a:shade val="95000"/>
+              <a:satMod val="105000"/>
+            </a:schemeClr>
+          </a:solidFill>
+          <a:prstDash val="solid"/>
+        </a:ln>
+        <a:ln w="25400" cap="flat" cmpd="sng" algn="ctr">
           <a:solidFill>
             <a:schemeClr val="phClr"/>
           </a:solidFill>
           <a:prstDash val="solid"/>
-          <a:miter lim="800000"/>
         </a:ln>
-        <a:ln w="12700" cap="flat" cmpd="sng" algn="ctr">
+        <a:ln w="38100" cap="flat" cmpd="sng" algn="ctr">
           <a:solidFill>
             <a:schemeClr val="phClr"/>
           </a:solidFill>
           <a:prstDash val="solid"/>
-          <a:miter lim="800000"/>
-        </a:ln>
-        <a:ln w="19050" cap="flat" cmpd="sng" algn="ctr">
-          <a:solidFill>
-            <a:schemeClr val="phClr"/>
-          </a:solidFill>
-          <a:prstDash val="solid"/>
-          <a:miter lim="800000"/>
         </a:ln>
       </a:lnStyleLst>
       <a:effectStyleLst>
         <a:effectStyle>
-          <a:effectLst/>
-        </a:effectStyle>
-        <a:effectStyle>
-          <a:effectLst/>
+          <a:effectLst>
+            <a:outerShdw blurRad="40000" dist="20000" dir="5400000" rotWithShape="0">
+              <a:srgbClr val="000000">
+                <a:alpha val="38000"/>
+              </a:srgbClr>
+            </a:outerShdw>
+          </a:effectLst>
         </a:effectStyle>
         <a:effectStyle>
           <a:effectLst>
-            <a:outerShdw blurRad="57150" dist="19050" dir="5400000" algn="ctr" rotWithShape="0">
+            <a:outerShdw blurRad="40000" dist="23000" dir="5400000" rotWithShape="0">
               <a:srgbClr val="000000">
-                <a:alpha val="63000"/>
+                <a:alpha val="35000"/>
               </a:srgbClr>
             </a:outerShdw>
           </a:effectLst>
+        </a:effectStyle>
+        <a:effectStyle>
+          <a:effectLst>
+            <a:outerShdw blurRad="40000" dist="23000" dir="5400000" rotWithShape="0">
+              <a:srgbClr val="000000">
+                <a:alpha val="35000"/>
+              </a:srgbClr>
+            </a:outerShdw>
+          </a:effectLst>
+          <a:scene3d>
+            <a:camera prst="orthographicFront">
+              <a:rot lat="0" lon="0" rev="0"/>
+            </a:camera>
+            <a:lightRig rig="threePt" dir="t">
+              <a:rot lat="0" lon="0" rev="1200000"/>
+            </a:lightRig>
+          </a:scene3d>
+          <a:sp3d>
+            <a:bevelT w="63500" h="25400"/>
+          </a:sp3d>
         </a:effectStyle>
       </a:effectStyleLst>
       <a:bgFillStyleLst>
         <a:solidFill>
           <a:schemeClr val="phClr"/>
         </a:solidFill>
-        <a:solidFill>
-          <a:schemeClr val="phClr">
-            <a:tint val="95000"/>
-            <a:satMod val="170000"/>
-          </a:schemeClr>
-        </a:solidFill>
         <a:gradFill rotWithShape="1">
           <a:gsLst>
             <a:gs pos="0">
               <a:schemeClr val="phClr">
-                <a:tint val="93000"/>
-                <a:satMod val="150000"/>
-                <a:shade val="98000"/>
-                <a:lumMod val="102000"/>
+                <a:tint val="40000"/>
+                <a:satMod val="350000"/>
               </a:schemeClr>
             </a:gs>
-            <a:gs pos="50000">
+            <a:gs pos="40000">
               <a:schemeClr val="phClr">
-                <a:tint val="98000"/>
-                <a:satMod val="130000"/>
-                <a:shade val="90000"/>
-                <a:lumMod val="103000"/>
+                <a:tint val="45000"/>
+                <a:shade val="99000"/>
+                <a:satMod val="350000"/>
               </a:schemeClr>
             </a:gs>
             <a:gs pos="100000">
               <a:schemeClr val="phClr">
-                <a:shade val="63000"/>
-                <a:satMod val="120000"/>
+                <a:shade val="20000"/>
+                <a:satMod val="255000"/>
               </a:schemeClr>
             </a:gs>
           </a:gsLst>
-          <a:lin ang="5400000" scaled="0"/>
+          <a:path path="circle">
+            <a:fillToRect l="50000" t="-80000" r="50000" b="180000"/>
+          </a:path>
+        </a:gradFill>
+        <a:gradFill rotWithShape="1">
+          <a:gsLst>
+            <a:gs pos="0">
+              <a:schemeClr val="phClr">
+                <a:tint val="80000"/>
+                <a:satMod val="300000"/>
+              </a:schemeClr>
+            </a:gs>
+            <a:gs pos="100000">
+              <a:schemeClr val="phClr">
+                <a:shade val="30000"/>
+                <a:satMod val="200000"/>
+              </a:schemeClr>
+            </a:gs>
+          </a:gsLst>
+          <a:path path="circle">
+            <a:fillToRect l="50000" t="50000" r="50000" b="50000"/>
+          </a:path>
         </a:gradFill>
       </a:bgFillStyleLst>
     </a:fmtScheme>
@@ -5072,7 +7244,7 @@
   <a:extraClrSchemeLst/>
   <a:extLst>
     <a:ext uri="{05A4C25C-085E-4340-85A3-A5531E510DB2}">
-      <thm15:themeFamily xmlns:thm15="http://schemas.microsoft.com/office/thememl/2012/main" name="Office Theme" id="{62F939B6-93AF-4DB8-9C6B-D6C7DFDC589F}" vid="{4A3C46E8-61CC-4603-A589-7422A47A8E4A}"/>
+      <thm15:themeFamily xmlns:thm15="http://schemas.microsoft.com/office/thememl/2012/main" name="组会模板16：9" id="{722C1CE8-8F34-440C-8F82-DF9A61DD2FC2}" vid="{84B508D6-EB5E-4151-8B64-1876C2B964D2}"/>
     </a:ext>
   </a:extLst>
 </a:theme>

--- a/学习笔记/边缘计算/CORD.pptx
+++ b/学习笔记/边缘计算/CORD.pptx
@@ -4,16 +4,20 @@
   <p:sldMasterIdLst>
     <p:sldMasterId id="2147483660" r:id="rId1"/>
   </p:sldMasterIdLst>
+  <p:notesMasterIdLst>
+    <p:notesMasterId r:id="rId12"/>
+  </p:notesMasterIdLst>
   <p:sldIdLst>
     <p:sldId id="256" r:id="rId2"/>
-    <p:sldId id="257" r:id="rId3"/>
-    <p:sldId id="258" r:id="rId4"/>
-    <p:sldId id="259" r:id="rId5"/>
-    <p:sldId id="260" r:id="rId6"/>
-    <p:sldId id="261" r:id="rId7"/>
-    <p:sldId id="262" r:id="rId8"/>
-    <p:sldId id="263" r:id="rId9"/>
-    <p:sldId id="264" r:id="rId10"/>
+    <p:sldId id="317" r:id="rId3"/>
+    <p:sldId id="257" r:id="rId4"/>
+    <p:sldId id="258" r:id="rId5"/>
+    <p:sldId id="259" r:id="rId6"/>
+    <p:sldId id="260" r:id="rId7"/>
+    <p:sldId id="261" r:id="rId8"/>
+    <p:sldId id="262" r:id="rId9"/>
+    <p:sldId id="263" r:id="rId10"/>
+    <p:sldId id="264" r:id="rId11"/>
   </p:sldIdLst>
   <p:sldSz cx="12192000" cy="6858000"/>
   <p:notesSz cx="6858000" cy="9144000"/>
@@ -120,6 +124,452 @@
 </p:presentation>
 </file>
 
+<file path=ppt/notesMasters/notesMaster1.xml><?xml version="1.0" encoding="utf-8"?>
+<p:notesMaster xmlns:a="http://schemas.openxmlformats.org/drawingml/2006/main" xmlns:r="http://schemas.openxmlformats.org/officeDocument/2006/relationships" xmlns:p="http://schemas.openxmlformats.org/presentationml/2006/main">
+  <p:cSld>
+    <p:bg>
+      <p:bgRef idx="1001">
+        <a:schemeClr val="bg1"/>
+      </p:bgRef>
+    </p:bg>
+    <p:spTree>
+      <p:nvGrpSpPr>
+        <p:cNvPr id="1" name=""/>
+        <p:cNvGrpSpPr/>
+        <p:nvPr/>
+      </p:nvGrpSpPr>
+      <p:grpSpPr>
+        <a:xfrm>
+          <a:off x="0" y="0"/>
+          <a:ext cx="0" cy="0"/>
+          <a:chOff x="0" y="0"/>
+          <a:chExt cx="0" cy="0"/>
+        </a:xfrm>
+      </p:grpSpPr>
+      <p:sp>
+        <p:nvSpPr>
+          <p:cNvPr id="2" name="页眉占位符 1"/>
+          <p:cNvSpPr>
+            <a:spLocks noGrp="1"/>
+          </p:cNvSpPr>
+          <p:nvPr>
+            <p:ph type="hdr" sz="quarter"/>
+          </p:nvPr>
+        </p:nvSpPr>
+        <p:spPr>
+          <a:xfrm>
+            <a:off x="0" y="0"/>
+            <a:ext cx="2971800" cy="458788"/>
+          </a:xfrm>
+          <a:prstGeom prst="rect">
+            <a:avLst/>
+          </a:prstGeom>
+        </p:spPr>
+        <p:txBody>
+          <a:bodyPr vert="horz" lIns="91440" tIns="45720" rIns="91440" bIns="45720" rtlCol="0"/>
+          <a:lstStyle>
+            <a:lvl1pPr algn="l">
+              <a:defRPr sz="1200"/>
+            </a:lvl1pPr>
+          </a:lstStyle>
+          <a:p>
+            <a:endParaRPr lang="zh-CN" altLang="en-US"/>
+          </a:p>
+        </p:txBody>
+      </p:sp>
+      <p:sp>
+        <p:nvSpPr>
+          <p:cNvPr id="3" name="日期占位符 2"/>
+          <p:cNvSpPr>
+            <a:spLocks noGrp="1"/>
+          </p:cNvSpPr>
+          <p:nvPr>
+            <p:ph type="dt" idx="1"/>
+          </p:nvPr>
+        </p:nvSpPr>
+        <p:spPr>
+          <a:xfrm>
+            <a:off x="3884613" y="0"/>
+            <a:ext cx="2971800" cy="458788"/>
+          </a:xfrm>
+          <a:prstGeom prst="rect">
+            <a:avLst/>
+          </a:prstGeom>
+        </p:spPr>
+        <p:txBody>
+          <a:bodyPr vert="horz" lIns="91440" tIns="45720" rIns="91440" bIns="45720" rtlCol="0"/>
+          <a:lstStyle>
+            <a:lvl1pPr algn="r">
+              <a:defRPr sz="1200"/>
+            </a:lvl1pPr>
+          </a:lstStyle>
+          <a:p>
+            <a:fld id="{F6153C3B-EE6F-4982-A345-BAF21E4F47EB}" type="datetimeFigureOut">
+              <a:rPr lang="zh-CN" altLang="en-US" smtClean="0"/>
+              <a:t>2020/6/24</a:t>
+            </a:fld>
+            <a:endParaRPr lang="zh-CN" altLang="en-US"/>
+          </a:p>
+        </p:txBody>
+      </p:sp>
+      <p:sp>
+        <p:nvSpPr>
+          <p:cNvPr id="4" name="幻灯片图像占位符 3"/>
+          <p:cNvSpPr>
+            <a:spLocks noGrp="1" noRot="1" noChangeAspect="1"/>
+          </p:cNvSpPr>
+          <p:nvPr>
+            <p:ph type="sldImg" idx="2"/>
+          </p:nvPr>
+        </p:nvSpPr>
+        <p:spPr>
+          <a:xfrm>
+            <a:off x="685800" y="1143000"/>
+            <a:ext cx="5486400" cy="3086100"/>
+          </a:xfrm>
+          <a:prstGeom prst="rect">
+            <a:avLst/>
+          </a:prstGeom>
+          <a:noFill/>
+          <a:ln w="12700">
+            <a:solidFill>
+              <a:prstClr val="black"/>
+            </a:solidFill>
+          </a:ln>
+        </p:spPr>
+        <p:txBody>
+          <a:bodyPr vert="horz" lIns="91440" tIns="45720" rIns="91440" bIns="45720" rtlCol="0" anchor="ctr"/>
+          <a:lstStyle/>
+          <a:p>
+            <a:endParaRPr lang="zh-CN" altLang="en-US"/>
+          </a:p>
+        </p:txBody>
+      </p:sp>
+      <p:sp>
+        <p:nvSpPr>
+          <p:cNvPr id="5" name="备注占位符 4"/>
+          <p:cNvSpPr>
+            <a:spLocks noGrp="1"/>
+          </p:cNvSpPr>
+          <p:nvPr>
+            <p:ph type="body" sz="quarter" idx="3"/>
+          </p:nvPr>
+        </p:nvSpPr>
+        <p:spPr>
+          <a:xfrm>
+            <a:off x="685800" y="4400550"/>
+            <a:ext cx="5486400" cy="3600450"/>
+          </a:xfrm>
+          <a:prstGeom prst="rect">
+            <a:avLst/>
+          </a:prstGeom>
+        </p:spPr>
+        <p:txBody>
+          <a:bodyPr vert="horz" lIns="91440" tIns="45720" rIns="91440" bIns="45720" rtlCol="0"/>
+          <a:lstStyle/>
+          <a:p>
+            <a:pPr lvl="0"/>
+            <a:r>
+              <a:rPr lang="zh-CN" altLang="en-US"/>
+              <a:t>单击此处编辑母版文本样式</a:t>
+            </a:r>
+          </a:p>
+          <a:p>
+            <a:pPr lvl="1"/>
+            <a:r>
+              <a:rPr lang="zh-CN" altLang="en-US"/>
+              <a:t>二级</a:t>
+            </a:r>
+          </a:p>
+          <a:p>
+            <a:pPr lvl="2"/>
+            <a:r>
+              <a:rPr lang="zh-CN" altLang="en-US"/>
+              <a:t>三级</a:t>
+            </a:r>
+          </a:p>
+          <a:p>
+            <a:pPr lvl="3"/>
+            <a:r>
+              <a:rPr lang="zh-CN" altLang="en-US"/>
+              <a:t>四级</a:t>
+            </a:r>
+          </a:p>
+          <a:p>
+            <a:pPr lvl="4"/>
+            <a:r>
+              <a:rPr lang="zh-CN" altLang="en-US"/>
+              <a:t>五级</a:t>
+            </a:r>
+          </a:p>
+        </p:txBody>
+      </p:sp>
+      <p:sp>
+        <p:nvSpPr>
+          <p:cNvPr id="6" name="页脚占位符 5"/>
+          <p:cNvSpPr>
+            <a:spLocks noGrp="1"/>
+          </p:cNvSpPr>
+          <p:nvPr>
+            <p:ph type="ftr" sz="quarter" idx="4"/>
+          </p:nvPr>
+        </p:nvSpPr>
+        <p:spPr>
+          <a:xfrm>
+            <a:off x="0" y="8685213"/>
+            <a:ext cx="2971800" cy="458787"/>
+          </a:xfrm>
+          <a:prstGeom prst="rect">
+            <a:avLst/>
+          </a:prstGeom>
+        </p:spPr>
+        <p:txBody>
+          <a:bodyPr vert="horz" lIns="91440" tIns="45720" rIns="91440" bIns="45720" rtlCol="0" anchor="b"/>
+          <a:lstStyle>
+            <a:lvl1pPr algn="l">
+              <a:defRPr sz="1200"/>
+            </a:lvl1pPr>
+          </a:lstStyle>
+          <a:p>
+            <a:endParaRPr lang="zh-CN" altLang="en-US"/>
+          </a:p>
+        </p:txBody>
+      </p:sp>
+      <p:sp>
+        <p:nvSpPr>
+          <p:cNvPr id="7" name="灯片编号占位符 6"/>
+          <p:cNvSpPr>
+            <a:spLocks noGrp="1"/>
+          </p:cNvSpPr>
+          <p:nvPr>
+            <p:ph type="sldNum" sz="quarter" idx="5"/>
+          </p:nvPr>
+        </p:nvSpPr>
+        <p:spPr>
+          <a:xfrm>
+            <a:off x="3884613" y="8685213"/>
+            <a:ext cx="2971800" cy="458787"/>
+          </a:xfrm>
+          <a:prstGeom prst="rect">
+            <a:avLst/>
+          </a:prstGeom>
+        </p:spPr>
+        <p:txBody>
+          <a:bodyPr vert="horz" lIns="91440" tIns="45720" rIns="91440" bIns="45720" rtlCol="0" anchor="b"/>
+          <a:lstStyle>
+            <a:lvl1pPr algn="r">
+              <a:defRPr sz="1200"/>
+            </a:lvl1pPr>
+          </a:lstStyle>
+          <a:p>
+            <a:fld id="{7C0CD043-A201-4B8A-A8E0-C77D268072A8}" type="slidenum">
+              <a:rPr lang="zh-CN" altLang="en-US" smtClean="0"/>
+              <a:t>‹#›</a:t>
+            </a:fld>
+            <a:endParaRPr lang="zh-CN" altLang="en-US"/>
+          </a:p>
+        </p:txBody>
+      </p:sp>
+    </p:spTree>
+    <p:extLst>
+      <p:ext uri="{BB962C8B-B14F-4D97-AF65-F5344CB8AC3E}">
+        <p14:creationId xmlns:p14="http://schemas.microsoft.com/office/powerpoint/2010/main" val="1890578240"/>
+      </p:ext>
+    </p:extLst>
+  </p:cSld>
+  <p:clrMap bg1="lt1" tx1="dk1" bg2="lt2" tx2="dk2" accent1="accent1" accent2="accent2" accent3="accent3" accent4="accent4" accent5="accent5" accent6="accent6" hlink="hlink" folHlink="folHlink"/>
+  <p:notesStyle>
+    <a:lvl1pPr marL="0" algn="l" defTabSz="914400" rtl="0" eaLnBrk="1" latinLnBrk="0" hangingPunct="1">
+      <a:defRPr sz="1200" kern="1200">
+        <a:solidFill>
+          <a:schemeClr val="tx1"/>
+        </a:solidFill>
+        <a:latin typeface="+mn-lt"/>
+        <a:ea typeface="+mn-ea"/>
+        <a:cs typeface="+mn-cs"/>
+      </a:defRPr>
+    </a:lvl1pPr>
+    <a:lvl2pPr marL="457200" algn="l" defTabSz="914400" rtl="0" eaLnBrk="1" latinLnBrk="0" hangingPunct="1">
+      <a:defRPr sz="1200" kern="1200">
+        <a:solidFill>
+          <a:schemeClr val="tx1"/>
+        </a:solidFill>
+        <a:latin typeface="+mn-lt"/>
+        <a:ea typeface="+mn-ea"/>
+        <a:cs typeface="+mn-cs"/>
+      </a:defRPr>
+    </a:lvl2pPr>
+    <a:lvl3pPr marL="914400" algn="l" defTabSz="914400" rtl="0" eaLnBrk="1" latinLnBrk="0" hangingPunct="1">
+      <a:defRPr sz="1200" kern="1200">
+        <a:solidFill>
+          <a:schemeClr val="tx1"/>
+        </a:solidFill>
+        <a:latin typeface="+mn-lt"/>
+        <a:ea typeface="+mn-ea"/>
+        <a:cs typeface="+mn-cs"/>
+      </a:defRPr>
+    </a:lvl3pPr>
+    <a:lvl4pPr marL="1371600" algn="l" defTabSz="914400" rtl="0" eaLnBrk="1" latinLnBrk="0" hangingPunct="1">
+      <a:defRPr sz="1200" kern="1200">
+        <a:solidFill>
+          <a:schemeClr val="tx1"/>
+        </a:solidFill>
+        <a:latin typeface="+mn-lt"/>
+        <a:ea typeface="+mn-ea"/>
+        <a:cs typeface="+mn-cs"/>
+      </a:defRPr>
+    </a:lvl4pPr>
+    <a:lvl5pPr marL="1828800" algn="l" defTabSz="914400" rtl="0" eaLnBrk="1" latinLnBrk="0" hangingPunct="1">
+      <a:defRPr sz="1200" kern="1200">
+        <a:solidFill>
+          <a:schemeClr val="tx1"/>
+        </a:solidFill>
+        <a:latin typeface="+mn-lt"/>
+        <a:ea typeface="+mn-ea"/>
+        <a:cs typeface="+mn-cs"/>
+      </a:defRPr>
+    </a:lvl5pPr>
+    <a:lvl6pPr marL="2286000" algn="l" defTabSz="914400" rtl="0" eaLnBrk="1" latinLnBrk="0" hangingPunct="1">
+      <a:defRPr sz="1200" kern="1200">
+        <a:solidFill>
+          <a:schemeClr val="tx1"/>
+        </a:solidFill>
+        <a:latin typeface="+mn-lt"/>
+        <a:ea typeface="+mn-ea"/>
+        <a:cs typeface="+mn-cs"/>
+      </a:defRPr>
+    </a:lvl6pPr>
+    <a:lvl7pPr marL="2743200" algn="l" defTabSz="914400" rtl="0" eaLnBrk="1" latinLnBrk="0" hangingPunct="1">
+      <a:defRPr sz="1200" kern="1200">
+        <a:solidFill>
+          <a:schemeClr val="tx1"/>
+        </a:solidFill>
+        <a:latin typeface="+mn-lt"/>
+        <a:ea typeface="+mn-ea"/>
+        <a:cs typeface="+mn-cs"/>
+      </a:defRPr>
+    </a:lvl7pPr>
+    <a:lvl8pPr marL="3200400" algn="l" defTabSz="914400" rtl="0" eaLnBrk="1" latinLnBrk="0" hangingPunct="1">
+      <a:defRPr sz="1200" kern="1200">
+        <a:solidFill>
+          <a:schemeClr val="tx1"/>
+        </a:solidFill>
+        <a:latin typeface="+mn-lt"/>
+        <a:ea typeface="+mn-ea"/>
+        <a:cs typeface="+mn-cs"/>
+      </a:defRPr>
+    </a:lvl8pPr>
+    <a:lvl9pPr marL="3657600" algn="l" defTabSz="914400" rtl="0" eaLnBrk="1" latinLnBrk="0" hangingPunct="1">
+      <a:defRPr sz="1200" kern="1200">
+        <a:solidFill>
+          <a:schemeClr val="tx1"/>
+        </a:solidFill>
+        <a:latin typeface="+mn-lt"/>
+        <a:ea typeface="+mn-ea"/>
+        <a:cs typeface="+mn-cs"/>
+      </a:defRPr>
+    </a:lvl9pPr>
+  </p:notesStyle>
+</p:notesMaster>
+</file>
+
+<file path=ppt/notesSlides/notesSlide1.xml><?xml version="1.0" encoding="utf-8"?>
+<p:notes xmlns:a="http://schemas.openxmlformats.org/drawingml/2006/main" xmlns:r="http://schemas.openxmlformats.org/officeDocument/2006/relationships" xmlns:p="http://schemas.openxmlformats.org/presentationml/2006/main">
+  <p:cSld>
+    <p:spTree>
+      <p:nvGrpSpPr>
+        <p:cNvPr id="1" name=""/>
+        <p:cNvGrpSpPr/>
+        <p:nvPr/>
+      </p:nvGrpSpPr>
+      <p:grpSpPr>
+        <a:xfrm>
+          <a:off x="0" y="0"/>
+          <a:ext cx="0" cy="0"/>
+          <a:chOff x="0" y="0"/>
+          <a:chExt cx="0" cy="0"/>
+        </a:xfrm>
+      </p:grpSpPr>
+      <p:sp>
+        <p:nvSpPr>
+          <p:cNvPr id="2" name="幻灯片图像占位符 1"/>
+          <p:cNvSpPr>
+            <a:spLocks noGrp="1" noRot="1" noChangeAspect="1"/>
+          </p:cNvSpPr>
+          <p:nvPr>
+            <p:ph type="sldImg"/>
+          </p:nvPr>
+        </p:nvSpPr>
+        <p:spPr/>
+      </p:sp>
+      <p:sp>
+        <p:nvSpPr>
+          <p:cNvPr id="3" name="备注占位符 2"/>
+          <p:cNvSpPr>
+            <a:spLocks noGrp="1"/>
+          </p:cNvSpPr>
+          <p:nvPr>
+            <p:ph type="body" idx="1"/>
+          </p:nvPr>
+        </p:nvSpPr>
+        <p:spPr/>
+        <p:txBody>
+          <a:bodyPr/>
+          <a:lstStyle/>
+          <a:p>
+            <a:endParaRPr lang="zh-CN" altLang="en-US" dirty="0"/>
+          </a:p>
+        </p:txBody>
+      </p:sp>
+      <p:sp>
+        <p:nvSpPr>
+          <p:cNvPr id="4" name="灯片编号占位符 3"/>
+          <p:cNvSpPr>
+            <a:spLocks noGrp="1"/>
+          </p:cNvSpPr>
+          <p:nvPr>
+            <p:ph type="sldNum" sz="quarter" idx="10"/>
+          </p:nvPr>
+        </p:nvSpPr>
+        <p:spPr/>
+        <p:txBody>
+          <a:bodyPr/>
+          <a:lstStyle/>
+          <a:p>
+            <a:fld id="{268C3F19-532C-4836-AB5A-5A9132B4A718}" type="slidenum">
+              <a:rPr lang="zh-CN" altLang="en-US" smtClean="0">
+                <a:solidFill>
+                  <a:prstClr val="black"/>
+                </a:solidFill>
+                <a:latin typeface="DengXian" panose="020F0502020204030204"/>
+                <a:ea typeface="DengXian" panose="02010600030101010101" pitchFamily="2" charset="-122"/>
+              </a:rPr>
+              <a:pPr/>
+              <a:t>2</a:t>
+            </a:fld>
+            <a:endParaRPr lang="zh-CN" altLang="en-US">
+              <a:solidFill>
+                <a:prstClr val="black"/>
+              </a:solidFill>
+              <a:latin typeface="DengXian" panose="020F0502020204030204"/>
+              <a:ea typeface="DengXian" panose="02010600030101010101" pitchFamily="2" charset="-122"/>
+            </a:endParaRPr>
+          </a:p>
+        </p:txBody>
+      </p:sp>
+    </p:spTree>
+    <p:extLst>
+      <p:ext uri="{BB962C8B-B14F-4D97-AF65-F5344CB8AC3E}">
+        <p14:creationId xmlns:p14="http://schemas.microsoft.com/office/powerpoint/2010/main" val="1891153717"/>
+      </p:ext>
+    </p:extLst>
+  </p:cSld>
+  <p:clrMapOvr>
+    <a:masterClrMapping/>
+  </p:clrMapOvr>
+</p:notes>
+</file>
+
 <file path=ppt/slideLayouts/slideLayout1.xml><?xml version="1.0" encoding="utf-8"?>
 <p:sldLayout xmlns:a="http://schemas.openxmlformats.org/drawingml/2006/main" xmlns:r="http://schemas.openxmlformats.org/officeDocument/2006/relationships" xmlns:p="http://schemas.openxmlformats.org/presentationml/2006/main" type="title" preserve="1">
   <p:cSld name="标题幻灯片">
@@ -263,7 +713,7 @@
           <a:p>
             <a:fld id="{2EAD0950-2054-428B-9889-8F686D45EC32}" type="datetimeFigureOut">
               <a:rPr lang="zh-CN" altLang="en-US" smtClean="0"/>
-              <a:t>2020/6/23</a:t>
+              <a:t>2020/6/24</a:t>
             </a:fld>
             <a:endParaRPr lang="zh-CN" altLang="en-US"/>
           </a:p>
@@ -581,7 +1031,7 @@
           <a:p>
             <a:fld id="{2EAD0950-2054-428B-9889-8F686D45EC32}" type="datetimeFigureOut">
               <a:rPr lang="zh-CN" altLang="en-US" smtClean="0"/>
-              <a:t>2020/6/23</a:t>
+              <a:t>2020/6/24</a:t>
             </a:fld>
             <a:endParaRPr lang="zh-CN" altLang="en-US"/>
           </a:p>
@@ -987,7 +1437,7 @@
           <a:p>
             <a:fld id="{2EAD0950-2054-428B-9889-8F686D45EC32}" type="datetimeFigureOut">
               <a:rPr lang="zh-CN" altLang="en-US" smtClean="0"/>
-              <a:t>2020/6/23</a:t>
+              <a:t>2020/6/24</a:t>
             </a:fld>
             <a:endParaRPr lang="zh-CN" altLang="en-US"/>
           </a:p>
@@ -1393,7 +1843,7 @@
           <a:p>
             <a:fld id="{2EAD0950-2054-428B-9889-8F686D45EC32}" type="datetimeFigureOut">
               <a:rPr lang="zh-CN" altLang="en-US" smtClean="0"/>
-              <a:t>2020/6/23</a:t>
+              <a:t>2020/6/24</a:t>
             </a:fld>
             <a:endParaRPr lang="zh-CN" altLang="en-US"/>
           </a:p>
@@ -1800,7 +2250,7 @@
           <a:p>
             <a:fld id="{2EAD0950-2054-428B-9889-8F686D45EC32}" type="datetimeFigureOut">
               <a:rPr lang="zh-CN" altLang="en-US" smtClean="0"/>
-              <a:t>2020/6/23</a:t>
+              <a:t>2020/6/24</a:t>
             </a:fld>
             <a:endParaRPr lang="zh-CN" altLang="en-US"/>
           </a:p>
@@ -2048,7 +2498,7 @@
           <a:p>
             <a:fld id="{2EAD0950-2054-428B-9889-8F686D45EC32}" type="datetimeFigureOut">
               <a:rPr lang="zh-CN" altLang="en-US" smtClean="0"/>
-              <a:t>2020/6/23</a:t>
+              <a:t>2020/6/24</a:t>
             </a:fld>
             <a:endParaRPr lang="zh-CN" altLang="en-US"/>
           </a:p>
@@ -2918,7 +3368,7 @@
           <a:p>
             <a:fld id="{2EAD0950-2054-428B-9889-8F686D45EC32}" type="datetimeFigureOut">
               <a:rPr lang="zh-CN" altLang="en-US" smtClean="0"/>
-              <a:t>2020/6/23</a:t>
+              <a:t>2020/6/24</a:t>
             </a:fld>
             <a:endParaRPr lang="zh-CN" altLang="en-US"/>
           </a:p>
@@ -3564,7 +4014,7 @@
           <a:p>
             <a:fld id="{2EAD0950-2054-428B-9889-8F686D45EC32}" type="datetimeFigureOut">
               <a:rPr lang="zh-CN" altLang="en-US" smtClean="0"/>
-              <a:t>2020/6/23</a:t>
+              <a:t>2020/6/24</a:t>
             </a:fld>
             <a:endParaRPr lang="zh-CN" altLang="en-US"/>
           </a:p>
@@ -3902,7 +4352,7 @@
           <a:p>
             <a:fld id="{2EAD0950-2054-428B-9889-8F686D45EC32}" type="datetimeFigureOut">
               <a:rPr lang="zh-CN" altLang="en-US" smtClean="0"/>
-              <a:t>2020/6/23</a:t>
+              <a:t>2020/6/24</a:t>
             </a:fld>
             <a:endParaRPr lang="zh-CN" altLang="en-US"/>
           </a:p>
@@ -3997,7 +4447,7 @@
           <a:p>
             <a:fld id="{2EAD0950-2054-428B-9889-8F686D45EC32}" type="datetimeFigureOut">
               <a:rPr lang="zh-CN" altLang="en-US" smtClean="0"/>
-              <a:t>2020/6/23</a:t>
+              <a:t>2020/6/24</a:t>
             </a:fld>
             <a:endParaRPr lang="zh-CN" altLang="en-US"/>
           </a:p>
@@ -4098,7 +4548,7 @@
           <a:p>
             <a:fld id="{2EAD0950-2054-428B-9889-8F686D45EC32}" type="datetimeFigureOut">
               <a:rPr lang="zh-CN" altLang="en-US" smtClean="0"/>
-              <a:t>2020/6/23</a:t>
+              <a:t>2020/6/24</a:t>
             </a:fld>
             <a:endParaRPr lang="zh-CN" altLang="en-US"/>
           </a:p>
@@ -4922,7 +5372,7 @@
           <a:p>
             <a:fld id="{2EAD0950-2054-428B-9889-8F686D45EC32}" type="datetimeFigureOut">
               <a:rPr lang="zh-CN" altLang="en-US" smtClean="0"/>
-              <a:t>2020/6/23</a:t>
+              <a:t>2020/6/24</a:t>
             </a:fld>
             <a:endParaRPr lang="zh-CN" altLang="en-US"/>
           </a:p>
@@ -5133,7 +5583,7 @@
           <a:p>
             <a:fld id="{2EAD0950-2054-428B-9889-8F686D45EC32}" type="datetimeFigureOut">
               <a:rPr lang="zh-CN" altLang="en-US" smtClean="0"/>
-              <a:t>2020/6/23</a:t>
+              <a:t>2020/6/24</a:t>
             </a:fld>
             <a:endParaRPr lang="zh-CN" altLang="en-US"/>
           </a:p>
@@ -5587,6 +6037,173 @@
 </p:sld>
 </file>
 
+<file path=ppt/slides/slide10.xml><?xml version="1.0" encoding="utf-8"?>
+<p:sld xmlns:a="http://schemas.openxmlformats.org/drawingml/2006/main" xmlns:r="http://schemas.openxmlformats.org/officeDocument/2006/relationships" xmlns:p="http://schemas.openxmlformats.org/presentationml/2006/main">
+  <p:cSld>
+    <p:spTree>
+      <p:nvGrpSpPr>
+        <p:cNvPr id="1" name=""/>
+        <p:cNvGrpSpPr/>
+        <p:nvPr/>
+      </p:nvGrpSpPr>
+      <p:grpSpPr>
+        <a:xfrm>
+          <a:off x="0" y="0"/>
+          <a:ext cx="0" cy="0"/>
+          <a:chOff x="0" y="0"/>
+          <a:chExt cx="0" cy="0"/>
+        </a:xfrm>
+      </p:grpSpPr>
+      <p:sp>
+        <p:nvSpPr>
+          <p:cNvPr id="2" name="标题 1">
+            <a:extLst>
+              <a:ext uri="{FF2B5EF4-FFF2-40B4-BE49-F238E27FC236}">
+                <a16:creationId xmlns:a16="http://schemas.microsoft.com/office/drawing/2014/main" id="{BE465CFC-FB7B-4DF6-AA80-B3156B8B5989}"/>
+              </a:ext>
+            </a:extLst>
+          </p:cNvPr>
+          <p:cNvSpPr>
+            <a:spLocks noGrp="1"/>
+          </p:cNvSpPr>
+          <p:nvPr>
+            <p:ph type="title"/>
+          </p:nvPr>
+        </p:nvSpPr>
+        <p:spPr/>
+        <p:txBody>
+          <a:bodyPr/>
+          <a:lstStyle/>
+          <a:p>
+            <a:r>
+              <a:rPr lang="en-US" altLang="zh-CN" dirty="0"/>
+              <a:t>TIP</a:t>
+            </a:r>
+            <a:r>
+              <a:rPr lang="zh-CN" altLang="en-US" dirty="0"/>
+              <a:t>项目思路</a:t>
+            </a:r>
+          </a:p>
+        </p:txBody>
+      </p:sp>
+      <p:sp>
+        <p:nvSpPr>
+          <p:cNvPr id="3" name="内容占位符 2">
+            <a:extLst>
+              <a:ext uri="{FF2B5EF4-FFF2-40B4-BE49-F238E27FC236}">
+                <a16:creationId xmlns:a16="http://schemas.microsoft.com/office/drawing/2014/main" id="{DBAADD74-03F4-46ED-B04D-BC64E339DF0F}"/>
+              </a:ext>
+            </a:extLst>
+          </p:cNvPr>
+          <p:cNvSpPr>
+            <a:spLocks noGrp="1"/>
+          </p:cNvSpPr>
+          <p:nvPr>
+            <p:ph idx="1"/>
+          </p:nvPr>
+        </p:nvSpPr>
+        <p:spPr/>
+        <p:txBody>
+          <a:bodyPr>
+            <a:normAutofit/>
+          </a:bodyPr>
+          <a:lstStyle/>
+          <a:p>
+            <a:r>
+              <a:rPr lang="zh-CN" altLang="en-US" dirty="0"/>
+              <a:t>问题：</a:t>
+            </a:r>
+            <a:r>
+              <a:rPr lang="en-US" altLang="zh-CN" dirty="0"/>
+              <a:t>CORD</a:t>
+            </a:r>
+            <a:r>
+              <a:rPr lang="zh-CN" altLang="en-US" dirty="0"/>
+              <a:t>只能统一运营商机房</a:t>
+            </a:r>
+            <a:endParaRPr lang="en-US" altLang="zh-CN" dirty="0"/>
+          </a:p>
+          <a:p>
+            <a:pPr lvl="1"/>
+            <a:r>
+              <a:rPr lang="zh-CN" altLang="en-US" dirty="0"/>
+              <a:t>在运营商机房之外，移动运营商还有许多无线硬件没有统一</a:t>
+            </a:r>
+            <a:endParaRPr lang="en-US" altLang="zh-CN" dirty="0"/>
+          </a:p>
+          <a:p>
+            <a:pPr lvl="1"/>
+            <a:r>
+              <a:rPr lang="en-US" altLang="zh-CN" dirty="0"/>
+              <a:t>… …</a:t>
+            </a:r>
+          </a:p>
+          <a:p>
+            <a:r>
+              <a:rPr lang="zh-CN" altLang="en-US" dirty="0"/>
+              <a:t>解决问题：开源</a:t>
+            </a:r>
+            <a:r>
+              <a:rPr lang="en-US" altLang="zh-CN" dirty="0"/>
+              <a:t>CORD</a:t>
+            </a:r>
+            <a:r>
+              <a:rPr lang="zh-CN" altLang="en-US" dirty="0"/>
+              <a:t>统一不了的运营商硬件</a:t>
+            </a:r>
+            <a:endParaRPr lang="en-US" altLang="zh-CN" dirty="0"/>
+          </a:p>
+        </p:txBody>
+      </p:sp>
+      <p:pic>
+        <p:nvPicPr>
+          <p:cNvPr id="6" name="图片 5">
+            <a:extLst>
+              <a:ext uri="{FF2B5EF4-FFF2-40B4-BE49-F238E27FC236}">
+                <a16:creationId xmlns:a16="http://schemas.microsoft.com/office/drawing/2014/main" id="{B8DDAF2B-6DE9-470C-93BB-2AF04EABCA15}"/>
+              </a:ext>
+            </a:extLst>
+          </p:cNvPr>
+          <p:cNvPicPr>
+            <a:picLocks noChangeAspect="1"/>
+          </p:cNvPicPr>
+          <p:nvPr/>
+        </p:nvPicPr>
+        <p:blipFill>
+          <a:blip r:embed="rId2">
+            <a:extLst>
+              <a:ext uri="{28A0092B-C50C-407E-A947-70E740481C1C}">
+                <a14:useLocalDpi xmlns:a14="http://schemas.microsoft.com/office/drawing/2010/main" val="0"/>
+              </a:ext>
+            </a:extLst>
+          </a:blip>
+          <a:stretch>
+            <a:fillRect/>
+          </a:stretch>
+        </p:blipFill>
+        <p:spPr>
+          <a:xfrm>
+            <a:off x="733387" y="4001294"/>
+            <a:ext cx="10620413" cy="1929721"/>
+          </a:xfrm>
+          <a:prstGeom prst="rect">
+            <a:avLst/>
+          </a:prstGeom>
+        </p:spPr>
+      </p:pic>
+    </p:spTree>
+    <p:extLst>
+      <p:ext uri="{BB962C8B-B14F-4D97-AF65-F5344CB8AC3E}">
+        <p14:creationId xmlns:p14="http://schemas.microsoft.com/office/powerpoint/2010/main" val="3480843717"/>
+      </p:ext>
+    </p:extLst>
+  </p:cSld>
+  <p:clrMapOvr>
+    <a:masterClrMapping/>
+  </p:clrMapOvr>
+</p:sld>
+</file>
+
 <file path=ppt/slides/slide2.xml><?xml version="1.0" encoding="utf-8"?>
 <p:sld xmlns:a="http://schemas.openxmlformats.org/drawingml/2006/main" xmlns:r="http://schemas.openxmlformats.org/officeDocument/2006/relationships" xmlns:p="http://schemas.openxmlformats.org/presentationml/2006/main">
   <p:cSld>
@@ -5604,74 +6221,514 @@
           <a:chExt cx="0" cy="0"/>
         </a:xfrm>
       </p:grpSpPr>
-      <p:sp>
-        <p:nvSpPr>
-          <p:cNvPr id="2" name="标题 1">
+      <p:grpSp>
+        <p:nvGrpSpPr>
+          <p:cNvPr id="59" name="Group 51">
             <a:extLst>
               <a:ext uri="{FF2B5EF4-FFF2-40B4-BE49-F238E27FC236}">
-                <a16:creationId xmlns:a16="http://schemas.microsoft.com/office/drawing/2014/main" id="{F0183298-C391-4166-B44C-86B34C91BA72}"/>
+                <a16:creationId xmlns:a16="http://schemas.microsoft.com/office/drawing/2014/main" id="{08023E16-B204-4905-BA61-9D9964A23655}"/>
               </a:ext>
             </a:extLst>
           </p:cNvPr>
-          <p:cNvSpPr>
-            <a:spLocks noGrp="1"/>
-          </p:cNvSpPr>
-          <p:nvPr>
-            <p:ph type="title"/>
-          </p:nvPr>
-        </p:nvSpPr>
-        <p:spPr/>
-        <p:txBody>
-          <a:bodyPr/>
-          <a:lstStyle/>
-          <a:p>
-            <a:r>
-              <a:rPr lang="en-US" altLang="zh-CN" dirty="0"/>
-              <a:t>Before CORD——</a:t>
-            </a:r>
-            <a:br>
-              <a:rPr lang="en-US" altLang="zh-CN" dirty="0"/>
-            </a:br>
-            <a:r>
-              <a:rPr lang="en-US" altLang="zh-CN" dirty="0"/>
-              <a:t>OCP(Open Compute Project)</a:t>
-            </a:r>
-            <a:endParaRPr lang="zh-CN" altLang="en-US" dirty="0"/>
-          </a:p>
-        </p:txBody>
-      </p:sp>
-      <p:sp>
-        <p:nvSpPr>
-          <p:cNvPr id="3" name="文本占位符 2">
+          <p:cNvGrpSpPr>
+            <a:grpSpLocks/>
+          </p:cNvGrpSpPr>
+          <p:nvPr/>
+        </p:nvGrpSpPr>
+        <p:grpSpPr bwMode="auto">
+          <a:xfrm>
+            <a:off x="3759995" y="2439393"/>
+            <a:ext cx="4672013" cy="792163"/>
+            <a:chOff x="1329" y="1795"/>
+            <a:chExt cx="2943" cy="499"/>
+          </a:xfrm>
+          <a:solidFill>
+            <a:srgbClr val="02409A"/>
+          </a:solidFill>
+        </p:grpSpPr>
+        <p:sp>
+          <p:nvSpPr>
+            <p:cNvPr id="62" name="AutoShape 52">
+              <a:extLst>
+                <a:ext uri="{FF2B5EF4-FFF2-40B4-BE49-F238E27FC236}">
+                  <a16:creationId xmlns:a16="http://schemas.microsoft.com/office/drawing/2014/main" id="{80FD6FFA-4AD8-42F7-B043-5BE376BAD265}"/>
+                </a:ext>
+              </a:extLst>
+            </p:cNvPr>
+            <p:cNvSpPr>
+              <a:spLocks noChangeArrowheads="1"/>
+            </p:cNvSpPr>
+            <p:nvPr/>
+          </p:nvSpPr>
+          <p:spPr bwMode="gray">
+            <a:xfrm>
+              <a:off x="1536" y="1840"/>
+              <a:ext cx="2736" cy="409"/>
+            </a:xfrm>
+            <a:prstGeom prst="roundRect">
+              <a:avLst>
+                <a:gd name="adj" fmla="val 16667"/>
+              </a:avLst>
+            </a:prstGeom>
+            <a:grpFill/>
+            <a:ln>
+              <a:solidFill>
+                <a:srgbClr val="02409A"/>
+              </a:solidFill>
+              <a:headEnd/>
+              <a:tailEnd/>
+            </a:ln>
+          </p:spPr>
+          <p:style>
+            <a:lnRef idx="1">
+              <a:schemeClr val="accent1"/>
+            </a:lnRef>
+            <a:fillRef idx="3">
+              <a:schemeClr val="accent1"/>
+            </a:fillRef>
+            <a:effectRef idx="2">
+              <a:schemeClr val="accent1"/>
+            </a:effectRef>
+            <a:fontRef idx="minor">
+              <a:schemeClr val="lt1"/>
+            </a:fontRef>
+          </p:style>
+          <p:txBody>
+            <a:bodyPr wrap="none" anchor="ctr"/>
+            <a:lstStyle/>
+            <a:p>
+              <a:pPr algn="ctr">
+                <a:defRPr/>
+              </a:pPr>
+              <a:r>
+                <a:rPr lang="en-US" altLang="zh-CN" sz="2400" b="1" dirty="0">
+                  <a:solidFill>
+                    <a:schemeClr val="bg1">
+                      <a:lumMod val="95000"/>
+                    </a:schemeClr>
+                  </a:solidFill>
+                  <a:ea typeface="微软雅黑" pitchFamily="34" charset="-122"/>
+                </a:rPr>
+                <a:t>CORD</a:t>
+              </a:r>
+            </a:p>
+          </p:txBody>
+        </p:sp>
+        <p:sp>
+          <p:nvSpPr>
+            <p:cNvPr id="65" name="AutoShape 53">
+              <a:extLst>
+                <a:ext uri="{FF2B5EF4-FFF2-40B4-BE49-F238E27FC236}">
+                  <a16:creationId xmlns:a16="http://schemas.microsoft.com/office/drawing/2014/main" id="{F152860F-69CF-44C6-ADB1-DE60F6489242}"/>
+                </a:ext>
+              </a:extLst>
+            </p:cNvPr>
+            <p:cNvSpPr>
+              <a:spLocks noChangeArrowheads="1"/>
+            </p:cNvSpPr>
+            <p:nvPr/>
+          </p:nvSpPr>
+          <p:spPr bwMode="gray">
+            <a:xfrm>
+              <a:off x="1329" y="1795"/>
+              <a:ext cx="499" cy="499"/>
+            </a:xfrm>
+            <a:prstGeom prst="diamond">
+              <a:avLst/>
+            </a:prstGeom>
+            <a:grpFill/>
+            <a:ln>
+              <a:solidFill>
+                <a:srgbClr val="02409A"/>
+              </a:solidFill>
+              <a:headEnd/>
+              <a:tailEnd/>
+            </a:ln>
+          </p:spPr>
+          <p:style>
+            <a:lnRef idx="1">
+              <a:schemeClr val="accent1"/>
+            </a:lnRef>
+            <a:fillRef idx="3">
+              <a:schemeClr val="accent1"/>
+            </a:fillRef>
+            <a:effectRef idx="2">
+              <a:schemeClr val="accent1"/>
+            </a:effectRef>
+            <a:fontRef idx="minor">
+              <a:schemeClr val="lt1"/>
+            </a:fontRef>
+          </p:style>
+          <p:txBody>
+            <a:bodyPr wrap="none" anchor="ctr"/>
+            <a:lstStyle/>
+            <a:p>
+              <a:pPr algn="ctr">
+                <a:defRPr/>
+              </a:pPr>
+              <a:r>
+                <a:rPr lang="zh-CN" altLang="zh-CN" sz="2400" b="1" kern="0" dirty="0">
+                  <a:solidFill>
+                    <a:srgbClr val="F2F2F2"/>
+                  </a:solidFill>
+                  <a:latin typeface="微软雅黑"/>
+                  <a:ea typeface="微软雅黑"/>
+                  <a:cs typeface="微软雅黑"/>
+                </a:rPr>
+                <a:t>2</a:t>
+              </a:r>
+              <a:endParaRPr lang="zh-CN" altLang="en-US" sz="2400" b="1" kern="0" dirty="0">
+                <a:solidFill>
+                  <a:srgbClr val="F2F2F2"/>
+                </a:solidFill>
+                <a:latin typeface="微软雅黑"/>
+                <a:ea typeface="微软雅黑"/>
+                <a:cs typeface="微软雅黑"/>
+              </a:endParaRPr>
+            </a:p>
+          </p:txBody>
+        </p:sp>
+      </p:grpSp>
+      <p:grpSp>
+        <p:nvGrpSpPr>
+          <p:cNvPr id="68" name="Group 51">
             <a:extLst>
               <a:ext uri="{FF2B5EF4-FFF2-40B4-BE49-F238E27FC236}">
-                <a16:creationId xmlns:a16="http://schemas.microsoft.com/office/drawing/2014/main" id="{E6ADE3EC-3D0A-4A72-8A77-D9B41FFCBF72}"/>
+                <a16:creationId xmlns:a16="http://schemas.microsoft.com/office/drawing/2014/main" id="{26DDA1E1-CB46-4572-93B2-0178AFE50BCC}"/>
               </a:ext>
             </a:extLst>
           </p:cNvPr>
-          <p:cNvSpPr>
-            <a:spLocks noGrp="1"/>
-          </p:cNvSpPr>
-          <p:nvPr>
-            <p:ph type="body" idx="1"/>
-          </p:nvPr>
-        </p:nvSpPr>
-        <p:spPr/>
-        <p:txBody>
-          <a:bodyPr/>
-          <a:lstStyle/>
-          <a:p>
-            <a:r>
-              <a:rPr lang="zh-CN" altLang="en-US" dirty="0"/>
-              <a:t>开源数据中心设计方案</a:t>
-            </a:r>
-          </a:p>
-        </p:txBody>
-      </p:sp>
+          <p:cNvGrpSpPr>
+            <a:grpSpLocks/>
+          </p:cNvGrpSpPr>
+          <p:nvPr/>
+        </p:nvGrpSpPr>
+        <p:grpSpPr bwMode="auto">
+          <a:xfrm>
+            <a:off x="3759994" y="1413471"/>
+            <a:ext cx="4672012" cy="792162"/>
+            <a:chOff x="1329" y="1795"/>
+            <a:chExt cx="2943" cy="499"/>
+          </a:xfrm>
+          <a:solidFill>
+            <a:srgbClr val="02409A"/>
+          </a:solidFill>
+        </p:grpSpPr>
+        <p:sp>
+          <p:nvSpPr>
+            <p:cNvPr id="71" name="AutoShape 52">
+              <a:extLst>
+                <a:ext uri="{FF2B5EF4-FFF2-40B4-BE49-F238E27FC236}">
+                  <a16:creationId xmlns:a16="http://schemas.microsoft.com/office/drawing/2014/main" id="{24CF72B0-E90A-4772-A6ED-121C83FBFFEF}"/>
+                </a:ext>
+              </a:extLst>
+            </p:cNvPr>
+            <p:cNvSpPr>
+              <a:spLocks noChangeArrowheads="1"/>
+            </p:cNvSpPr>
+            <p:nvPr/>
+          </p:nvSpPr>
+          <p:spPr bwMode="gray">
+            <a:xfrm>
+              <a:off x="1536" y="1840"/>
+              <a:ext cx="2736" cy="409"/>
+            </a:xfrm>
+            <a:prstGeom prst="roundRect">
+              <a:avLst>
+                <a:gd name="adj" fmla="val 16667"/>
+              </a:avLst>
+            </a:prstGeom>
+            <a:grpFill/>
+            <a:ln>
+              <a:solidFill>
+                <a:srgbClr val="02409A"/>
+              </a:solidFill>
+              <a:headEnd/>
+              <a:tailEnd/>
+            </a:ln>
+          </p:spPr>
+          <p:style>
+            <a:lnRef idx="1">
+              <a:schemeClr val="accent1"/>
+            </a:lnRef>
+            <a:fillRef idx="3">
+              <a:schemeClr val="accent1"/>
+            </a:fillRef>
+            <a:effectRef idx="2">
+              <a:schemeClr val="accent1"/>
+            </a:effectRef>
+            <a:fontRef idx="minor">
+              <a:schemeClr val="lt1"/>
+            </a:fontRef>
+          </p:style>
+          <p:txBody>
+            <a:bodyPr wrap="none" anchor="ctr"/>
+            <a:lstStyle/>
+            <a:p>
+              <a:pPr algn="ctr">
+                <a:defRPr/>
+              </a:pPr>
+              <a:r>
+                <a:rPr lang="en-US" altLang="zh-CN" sz="2400" b="1" dirty="0">
+                  <a:solidFill>
+                    <a:schemeClr val="bg1">
+                      <a:lumMod val="95000"/>
+                    </a:schemeClr>
+                  </a:solidFill>
+                  <a:ea typeface="微软雅黑" pitchFamily="34" charset="-122"/>
+                </a:rPr>
+                <a:t>Before CORD</a:t>
+              </a:r>
+            </a:p>
+          </p:txBody>
+        </p:sp>
+        <p:sp>
+          <p:nvSpPr>
+            <p:cNvPr id="72" name="AutoShape 53">
+              <a:extLst>
+                <a:ext uri="{FF2B5EF4-FFF2-40B4-BE49-F238E27FC236}">
+                  <a16:creationId xmlns:a16="http://schemas.microsoft.com/office/drawing/2014/main" id="{5616BEF9-52EF-48CD-B8D0-34A8AF6C4D3D}"/>
+                </a:ext>
+              </a:extLst>
+            </p:cNvPr>
+            <p:cNvSpPr>
+              <a:spLocks noChangeArrowheads="1"/>
+            </p:cNvSpPr>
+            <p:nvPr/>
+          </p:nvSpPr>
+          <p:spPr bwMode="gray">
+            <a:xfrm>
+              <a:off x="1329" y="1795"/>
+              <a:ext cx="499" cy="499"/>
+            </a:xfrm>
+            <a:prstGeom prst="diamond">
+              <a:avLst/>
+            </a:prstGeom>
+            <a:grpFill/>
+            <a:ln>
+              <a:solidFill>
+                <a:srgbClr val="02409A"/>
+              </a:solidFill>
+              <a:headEnd/>
+              <a:tailEnd/>
+            </a:ln>
+          </p:spPr>
+          <p:style>
+            <a:lnRef idx="1">
+              <a:schemeClr val="accent1"/>
+            </a:lnRef>
+            <a:fillRef idx="3">
+              <a:schemeClr val="accent1"/>
+            </a:fillRef>
+            <a:effectRef idx="2">
+              <a:schemeClr val="accent1"/>
+            </a:effectRef>
+            <a:fontRef idx="minor">
+              <a:schemeClr val="lt1"/>
+            </a:fontRef>
+          </p:style>
+          <p:txBody>
+            <a:bodyPr wrap="none" anchor="ctr"/>
+            <a:lstStyle/>
+            <a:p>
+              <a:pPr algn="ctr">
+                <a:defRPr/>
+              </a:pPr>
+              <a:r>
+                <a:rPr lang="en-US" altLang="zh-CN" sz="2400" b="1" kern="0" dirty="0">
+                  <a:solidFill>
+                    <a:srgbClr val="F2F2F2"/>
+                  </a:solidFill>
+                  <a:latin typeface="微软雅黑"/>
+                  <a:ea typeface="微软雅黑"/>
+                  <a:cs typeface="微软雅黑"/>
+                </a:rPr>
+                <a:t>1</a:t>
+              </a:r>
+              <a:endParaRPr lang="zh-CN" altLang="en-US" sz="2400" b="1" kern="0" dirty="0">
+                <a:solidFill>
+                  <a:srgbClr val="F2F2F2"/>
+                </a:solidFill>
+                <a:latin typeface="微软雅黑"/>
+                <a:ea typeface="微软雅黑"/>
+                <a:cs typeface="微软雅黑"/>
+              </a:endParaRPr>
+            </a:p>
+          </p:txBody>
+        </p:sp>
+      </p:grpSp>
+      <p:grpSp>
+        <p:nvGrpSpPr>
+          <p:cNvPr id="73" name="Group 51">
+            <a:extLst>
+              <a:ext uri="{FF2B5EF4-FFF2-40B4-BE49-F238E27FC236}">
+                <a16:creationId xmlns:a16="http://schemas.microsoft.com/office/drawing/2014/main" id="{CBF64065-A810-4281-9B22-ABE0D0EA857C}"/>
+              </a:ext>
+            </a:extLst>
+          </p:cNvPr>
+          <p:cNvGrpSpPr>
+            <a:grpSpLocks/>
+          </p:cNvGrpSpPr>
+          <p:nvPr/>
+        </p:nvGrpSpPr>
+        <p:grpSpPr bwMode="auto">
+          <a:xfrm>
+            <a:off x="3759995" y="3465314"/>
+            <a:ext cx="4672013" cy="792162"/>
+            <a:chOff x="1329" y="1795"/>
+            <a:chExt cx="2943" cy="499"/>
+          </a:xfrm>
+          <a:solidFill>
+            <a:srgbClr val="02409A"/>
+          </a:solidFill>
+        </p:grpSpPr>
+        <p:sp>
+          <p:nvSpPr>
+            <p:cNvPr id="74" name="AutoShape 52">
+              <a:extLst>
+                <a:ext uri="{FF2B5EF4-FFF2-40B4-BE49-F238E27FC236}">
+                  <a16:creationId xmlns:a16="http://schemas.microsoft.com/office/drawing/2014/main" id="{DC09F2DF-E7CC-4F38-B7AF-33E30331C8F5}"/>
+                </a:ext>
+              </a:extLst>
+            </p:cNvPr>
+            <p:cNvSpPr>
+              <a:spLocks noChangeArrowheads="1"/>
+            </p:cNvSpPr>
+            <p:nvPr/>
+          </p:nvSpPr>
+          <p:spPr bwMode="gray">
+            <a:xfrm>
+              <a:off x="1536" y="1840"/>
+              <a:ext cx="2736" cy="409"/>
+            </a:xfrm>
+            <a:prstGeom prst="roundRect">
+              <a:avLst>
+                <a:gd name="adj" fmla="val 16667"/>
+              </a:avLst>
+            </a:prstGeom>
+            <a:grpFill/>
+            <a:ln>
+              <a:solidFill>
+                <a:srgbClr val="02409A"/>
+              </a:solidFill>
+              <a:headEnd/>
+              <a:tailEnd/>
+            </a:ln>
+          </p:spPr>
+          <p:style>
+            <a:lnRef idx="1">
+              <a:schemeClr val="accent1"/>
+            </a:lnRef>
+            <a:fillRef idx="3">
+              <a:schemeClr val="accent1"/>
+            </a:fillRef>
+            <a:effectRef idx="2">
+              <a:schemeClr val="accent1"/>
+            </a:effectRef>
+            <a:fontRef idx="minor">
+              <a:schemeClr val="lt1"/>
+            </a:fontRef>
+          </p:style>
+          <p:txBody>
+            <a:bodyPr wrap="none" anchor="ctr"/>
+            <a:lstStyle/>
+            <a:p>
+              <a:pPr algn="ctr">
+                <a:defRPr/>
+              </a:pPr>
+              <a:r>
+                <a:rPr lang="en-US" altLang="zh-CN" sz="2400" b="1" dirty="0">
+                  <a:solidFill>
+                    <a:schemeClr val="bg1">
+                      <a:lumMod val="95000"/>
+                    </a:schemeClr>
+                  </a:solidFill>
+                  <a:ea typeface="微软雅黑" pitchFamily="34" charset="-122"/>
+                </a:rPr>
+                <a:t>After CORD</a:t>
+              </a:r>
+            </a:p>
+          </p:txBody>
+        </p:sp>
+        <p:sp>
+          <p:nvSpPr>
+            <p:cNvPr id="75" name="AutoShape 53">
+              <a:extLst>
+                <a:ext uri="{FF2B5EF4-FFF2-40B4-BE49-F238E27FC236}">
+                  <a16:creationId xmlns:a16="http://schemas.microsoft.com/office/drawing/2014/main" id="{A9E4BBD4-2094-4E7D-8E0F-C20E19C2529C}"/>
+                </a:ext>
+              </a:extLst>
+            </p:cNvPr>
+            <p:cNvSpPr>
+              <a:spLocks noChangeArrowheads="1"/>
+            </p:cNvSpPr>
+            <p:nvPr/>
+          </p:nvSpPr>
+          <p:spPr bwMode="gray">
+            <a:xfrm>
+              <a:off x="1329" y="1795"/>
+              <a:ext cx="499" cy="499"/>
+            </a:xfrm>
+            <a:prstGeom prst="diamond">
+              <a:avLst/>
+            </a:prstGeom>
+            <a:grpFill/>
+            <a:ln>
+              <a:solidFill>
+                <a:srgbClr val="02409A"/>
+              </a:solidFill>
+              <a:headEnd/>
+              <a:tailEnd/>
+            </a:ln>
+          </p:spPr>
+          <p:style>
+            <a:lnRef idx="1">
+              <a:schemeClr val="accent1"/>
+            </a:lnRef>
+            <a:fillRef idx="3">
+              <a:schemeClr val="accent1"/>
+            </a:fillRef>
+            <a:effectRef idx="2">
+              <a:schemeClr val="accent1"/>
+            </a:effectRef>
+            <a:fontRef idx="minor">
+              <a:schemeClr val="lt1"/>
+            </a:fontRef>
+          </p:style>
+          <p:txBody>
+            <a:bodyPr wrap="none" anchor="ctr"/>
+            <a:lstStyle/>
+            <a:p>
+              <a:pPr algn="ctr">
+                <a:defRPr/>
+              </a:pPr>
+              <a:r>
+                <a:rPr lang="zh-CN" altLang="zh-CN" sz="2400" b="1" kern="0" dirty="0">
+                  <a:solidFill>
+                    <a:srgbClr val="F2F2F2"/>
+                  </a:solidFill>
+                  <a:latin typeface="微软雅黑"/>
+                  <a:ea typeface="微软雅黑"/>
+                  <a:cs typeface="微软雅黑"/>
+                </a:rPr>
+                <a:t>3</a:t>
+              </a:r>
+              <a:endParaRPr lang="zh-CN" altLang="en-US" sz="2400" b="1" kern="0" dirty="0">
+                <a:solidFill>
+                  <a:srgbClr val="F2F2F2"/>
+                </a:solidFill>
+                <a:latin typeface="微软雅黑"/>
+                <a:ea typeface="微软雅黑"/>
+                <a:cs typeface="微软雅黑"/>
+              </a:endParaRPr>
+            </a:p>
+          </p:txBody>
+        </p:sp>
+      </p:grpSp>
     </p:spTree>
     <p:extLst>
       <p:ext uri="{BB962C8B-B14F-4D97-AF65-F5344CB8AC3E}">
-        <p14:creationId xmlns:p14="http://schemas.microsoft.com/office/powerpoint/2010/main" val="4092914488"/>
+        <p14:creationId xmlns:p14="http://schemas.microsoft.com/office/powerpoint/2010/main" val="1011158944"/>
       </p:ext>
     </p:extLst>
   </p:cSld>
@@ -5703,7 +6760,7 @@
           <p:cNvPr id="2" name="标题 1">
             <a:extLst>
               <a:ext uri="{FF2B5EF4-FFF2-40B4-BE49-F238E27FC236}">
-                <a16:creationId xmlns:a16="http://schemas.microsoft.com/office/drawing/2014/main" id="{ED5F8B0F-D041-4545-940B-1B92F6CA9F0B}"/>
+                <a16:creationId xmlns:a16="http://schemas.microsoft.com/office/drawing/2014/main" id="{F0183298-C391-4166-B44C-86B34C91BA72}"/>
               </a:ext>
             </a:extLst>
           </p:cNvPr>
@@ -5721,29 +6778,25 @@
           <a:p>
             <a:r>
               <a:rPr lang="en-US" altLang="zh-CN" dirty="0"/>
-              <a:t>OCP</a:t>
-            </a:r>
-            <a:r>
-              <a:rPr lang="zh-CN" altLang="en-US" dirty="0"/>
-              <a:t>的诞生：</a:t>
-            </a:r>
-            <a:r>
+              <a:t>Before CORD——</a:t>
+            </a:r>
+            <a:br>
               <a:rPr lang="en-US" altLang="zh-CN" dirty="0"/>
-              <a:t>Facebook</a:t>
-            </a:r>
-            <a:r>
-              <a:rPr lang="zh-CN" altLang="en-US" dirty="0"/>
-              <a:t>数据中心设计方案</a:t>
-            </a:r>
-          </a:p>
-        </p:txBody>
-      </p:sp>
-      <p:sp>
-        <p:nvSpPr>
-          <p:cNvPr id="3" name="内容占位符 2">
+            </a:br>
+            <a:r>
+              <a:rPr lang="en-US" altLang="zh-CN" dirty="0"/>
+              <a:t>OCP(Open Compute Project)</a:t>
+            </a:r>
+            <a:endParaRPr lang="zh-CN" altLang="en-US" dirty="0"/>
+          </a:p>
+        </p:txBody>
+      </p:sp>
+      <p:sp>
+        <p:nvSpPr>
+          <p:cNvPr id="3" name="文本占位符 2">
             <a:extLst>
               <a:ext uri="{FF2B5EF4-FFF2-40B4-BE49-F238E27FC236}">
-                <a16:creationId xmlns:a16="http://schemas.microsoft.com/office/drawing/2014/main" id="{A024BD87-F606-447B-90A7-FE27D00A8178}"/>
+                <a16:creationId xmlns:a16="http://schemas.microsoft.com/office/drawing/2014/main" id="{E6ADE3EC-3D0A-4A72-8A77-D9B41FFCBF72}"/>
               </a:ext>
             </a:extLst>
           </p:cNvPr>
@@ -5751,7 +6804,7 @@
             <a:spLocks noGrp="1"/>
           </p:cNvSpPr>
           <p:nvPr>
-            <p:ph idx="1"/>
+            <p:ph type="body" idx="1"/>
           </p:nvPr>
         </p:nvSpPr>
         <p:spPr/>
@@ -5760,119 +6813,8 @@
           <a:lstStyle/>
           <a:p>
             <a:r>
-              <a:rPr lang="en-US" altLang="zh-CN" dirty="0"/>
-              <a:t>2005/2006</a:t>
-            </a:r>
-            <a:r>
               <a:rPr lang="zh-CN" altLang="en-US" dirty="0"/>
-              <a:t>年的</a:t>
-            </a:r>
-            <a:r>
-              <a:rPr lang="en-US" altLang="zh-CN" dirty="0"/>
-              <a:t>Google</a:t>
-            </a:r>
-            <a:r>
-              <a:rPr lang="zh-CN" altLang="en-US" dirty="0"/>
-              <a:t>：数据中心代工自用</a:t>
-            </a:r>
-            <a:endParaRPr lang="en-US" altLang="zh-CN" dirty="0"/>
-          </a:p>
-          <a:p>
-            <a:pPr lvl="1"/>
-            <a:r>
-              <a:rPr lang="zh-CN" altLang="en-US" dirty="0"/>
-              <a:t>软硬件基础设施建设处在公司战略的最核心地位</a:t>
-            </a:r>
-            <a:endParaRPr lang="en-US" altLang="zh-CN" dirty="0"/>
-          </a:p>
-          <a:p>
-            <a:pPr lvl="1"/>
-            <a:r>
-              <a:rPr lang="zh-CN" altLang="en-US" dirty="0"/>
-              <a:t>自己组件团队设计数据中心</a:t>
-            </a:r>
-            <a:endParaRPr lang="en-US" altLang="zh-CN" dirty="0"/>
-          </a:p>
-          <a:p>
-            <a:pPr lvl="1"/>
-            <a:r>
-              <a:rPr lang="zh-CN" altLang="en-US" dirty="0"/>
-              <a:t>自行寻找数据中心代工厂家</a:t>
-            </a:r>
-            <a:endParaRPr lang="en-US" altLang="zh-CN" dirty="0"/>
-          </a:p>
-          <a:p>
-            <a:pPr lvl="1"/>
-            <a:r>
-              <a:rPr lang="zh-CN" altLang="en-US" dirty="0"/>
-              <a:t>内部架构和软硬件严格保密</a:t>
-            </a:r>
-            <a:endParaRPr lang="en-US" altLang="zh-CN" dirty="0"/>
-          </a:p>
-          <a:p>
-            <a:r>
-              <a:rPr lang="en-US" altLang="zh-CN" dirty="0"/>
-              <a:t>2011</a:t>
-            </a:r>
-            <a:r>
-              <a:rPr lang="zh-CN" altLang="en-US" dirty="0"/>
-              <a:t>年的</a:t>
-            </a:r>
-            <a:r>
-              <a:rPr lang="en-US" altLang="zh-CN" dirty="0"/>
-              <a:t>Facebook</a:t>
-            </a:r>
-            <a:r>
-              <a:rPr lang="zh-CN" altLang="en-US" dirty="0"/>
-              <a:t>：开源数据中心设计方案</a:t>
-            </a:r>
-            <a:endParaRPr lang="en-US" altLang="zh-CN" dirty="0"/>
-          </a:p>
-          <a:p>
-            <a:pPr lvl="1"/>
-            <a:r>
-              <a:rPr lang="zh-CN" altLang="en-US" dirty="0"/>
-              <a:t>设计和研制数据中心硬件基础不是公司的业务核心</a:t>
-            </a:r>
-            <a:endParaRPr lang="en-US" altLang="zh-CN" dirty="0"/>
-          </a:p>
-          <a:p>
-            <a:pPr lvl="1"/>
-            <a:r>
-              <a:rPr lang="en-US" altLang="zh-CN" dirty="0"/>
-              <a:t>2011</a:t>
-            </a:r>
-            <a:r>
-              <a:rPr lang="zh-CN" altLang="en-US" dirty="0"/>
-              <a:t>年</a:t>
-            </a:r>
-            <a:r>
-              <a:rPr lang="en-US" altLang="zh-CN" dirty="0"/>
-              <a:t>4</a:t>
-            </a:r>
-            <a:r>
-              <a:rPr lang="zh-CN" altLang="en-US" dirty="0"/>
-              <a:t>月公开</a:t>
-            </a:r>
-            <a:r>
-              <a:rPr lang="en-US" altLang="zh-CN" dirty="0"/>
-              <a:t>Facebook</a:t>
-            </a:r>
-            <a:r>
-              <a:rPr lang="zh-CN" altLang="en-US" dirty="0"/>
-              <a:t>的数据中心设计方案</a:t>
-            </a:r>
-            <a:endParaRPr lang="en-US" altLang="zh-CN" dirty="0"/>
-          </a:p>
-          <a:p>
-            <a:pPr lvl="1"/>
-            <a:r>
-              <a:rPr lang="en-US" altLang="zh-CN" dirty="0"/>
-              <a:t>OCP</a:t>
-            </a:r>
-            <a:r>
-              <a:rPr lang="zh-CN" altLang="en-US" dirty="0"/>
-              <a:t>组织成立</a:t>
+              <a:t>开源数据中心设计方案</a:t>
             </a:r>
           </a:p>
         </p:txBody>
@@ -5880,7 +6822,7 @@
     </p:spTree>
     <p:extLst>
       <p:ext uri="{BB962C8B-B14F-4D97-AF65-F5344CB8AC3E}">
-        <p14:creationId xmlns:p14="http://schemas.microsoft.com/office/powerpoint/2010/main" val="899677926"/>
+        <p14:creationId xmlns:p14="http://schemas.microsoft.com/office/powerpoint/2010/main" val="4092914488"/>
       </p:ext>
     </p:extLst>
   </p:cSld>
@@ -5912,7 +6854,7 @@
           <p:cNvPr id="2" name="标题 1">
             <a:extLst>
               <a:ext uri="{FF2B5EF4-FFF2-40B4-BE49-F238E27FC236}">
-                <a16:creationId xmlns:a16="http://schemas.microsoft.com/office/drawing/2014/main" id="{BE465CFC-FB7B-4DF6-AA80-B3156B8B5989}"/>
+                <a16:creationId xmlns:a16="http://schemas.microsoft.com/office/drawing/2014/main" id="{ED5F8B0F-D041-4545-940B-1B92F6CA9F0B}"/>
               </a:ext>
             </a:extLst>
           </p:cNvPr>
@@ -5934,7 +6876,15 @@
             </a:r>
             <a:r>
               <a:rPr lang="zh-CN" altLang="en-US" dirty="0"/>
-              <a:t>的项目内容</a:t>
+              <a:t>的诞生：</a:t>
+            </a:r>
+            <a:r>
+              <a:rPr lang="en-US" altLang="zh-CN" dirty="0"/>
+              <a:t>Facebook</a:t>
+            </a:r>
+            <a:r>
+              <a:rPr lang="zh-CN" altLang="en-US" dirty="0"/>
+              <a:t>数据中心设计方案</a:t>
             </a:r>
           </a:p>
         </p:txBody>
@@ -5944,7 +6894,7 @@
           <p:cNvPr id="3" name="内容占位符 2">
             <a:extLst>
               <a:ext uri="{FF2B5EF4-FFF2-40B4-BE49-F238E27FC236}">
-                <a16:creationId xmlns:a16="http://schemas.microsoft.com/office/drawing/2014/main" id="{DBAADD74-03F4-46ED-B04D-BC64E339DF0F}"/>
+                <a16:creationId xmlns:a16="http://schemas.microsoft.com/office/drawing/2014/main" id="{A024BD87-F606-447B-90A7-FE27D00A8178}"/>
               </a:ext>
             </a:extLst>
           </p:cNvPr>
@@ -5957,14 +6907,24 @@
         </p:nvSpPr>
         <p:spPr/>
         <p:txBody>
-          <a:bodyPr>
-            <a:normAutofit fontScale="92500" lnSpcReduction="20000"/>
-          </a:bodyPr>
+          <a:bodyPr/>
           <a:lstStyle/>
           <a:p>
             <a:r>
+              <a:rPr lang="en-US" altLang="zh-CN" dirty="0"/>
+              <a:t>2005/2006</a:t>
+            </a:r>
+            <a:r>
               <a:rPr lang="zh-CN" altLang="en-US" dirty="0"/>
-              <a:t>数据中心硬件</a:t>
+              <a:t>年的</a:t>
+            </a:r>
+            <a:r>
+              <a:rPr lang="en-US" altLang="zh-CN" dirty="0"/>
+              <a:t>Google</a:t>
+            </a:r>
+            <a:r>
+              <a:rPr lang="zh-CN" altLang="en-US" dirty="0"/>
+              <a:t>：数据中心代工自用</a:t>
             </a:r>
             <a:endParaRPr lang="en-US" altLang="zh-CN" dirty="0"/>
           </a:p>
@@ -5972,7 +6932,7 @@
             <a:pPr lvl="1"/>
             <a:r>
               <a:rPr lang="zh-CN" altLang="en-US" dirty="0"/>
-              <a:t>计算设备</a:t>
+              <a:t>软硬件基础设施建设处在公司战略的最核心地位</a:t>
             </a:r>
             <a:endParaRPr lang="en-US" altLang="zh-CN" dirty="0"/>
           </a:p>
@@ -5980,7 +6940,7 @@
             <a:pPr lvl="1"/>
             <a:r>
               <a:rPr lang="zh-CN" altLang="en-US" dirty="0"/>
-              <a:t>交换设备</a:t>
+              <a:t>自己组件团队设计数据中心</a:t>
             </a:r>
             <a:endParaRPr lang="en-US" altLang="zh-CN" dirty="0"/>
           </a:p>
@@ -5988,7 +6948,7 @@
             <a:pPr lvl="1"/>
             <a:r>
               <a:rPr lang="zh-CN" altLang="en-US" dirty="0"/>
-              <a:t>存储设备</a:t>
+              <a:t>自行寻找数据中心代工厂家</a:t>
             </a:r>
             <a:endParaRPr lang="en-US" altLang="zh-CN" dirty="0"/>
           </a:p>
@@ -5996,23 +6956,62 @@
             <a:pPr lvl="1"/>
             <a:r>
               <a:rPr lang="zh-CN" altLang="en-US" dirty="0"/>
-              <a:t>供电设备</a:t>
+              <a:t>内部架构和软硬件严格保密</a:t>
             </a:r>
             <a:endParaRPr lang="en-US" altLang="zh-CN" dirty="0"/>
           </a:p>
           <a:p>
+            <a:r>
+              <a:rPr lang="en-US" altLang="zh-CN" dirty="0"/>
+              <a:t>2011</a:t>
+            </a:r>
+            <a:r>
+              <a:rPr lang="zh-CN" altLang="en-US" dirty="0"/>
+              <a:t>年的</a:t>
+            </a:r>
+            <a:r>
+              <a:rPr lang="en-US" altLang="zh-CN" dirty="0"/>
+              <a:t>Facebook</a:t>
+            </a:r>
+            <a:r>
+              <a:rPr lang="zh-CN" altLang="en-US" dirty="0"/>
+              <a:t>：开源数据中心设计方案</a:t>
+            </a:r>
+            <a:endParaRPr lang="en-US" altLang="zh-CN" dirty="0"/>
+          </a:p>
+          <a:p>
             <a:pPr lvl="1"/>
             <a:r>
               <a:rPr lang="zh-CN" altLang="en-US" dirty="0"/>
-              <a:t>机架设计方案</a:t>
+              <a:t>设计和研制数据中心硬件基础不是公司的业务核心</a:t>
             </a:r>
             <a:endParaRPr lang="en-US" altLang="zh-CN" dirty="0"/>
           </a:p>
           <a:p>
             <a:pPr lvl="1"/>
             <a:r>
+              <a:rPr lang="en-US" altLang="zh-CN" dirty="0"/>
+              <a:t>2011</a:t>
+            </a:r>
+            <a:r>
               <a:rPr lang="zh-CN" altLang="en-US" dirty="0"/>
-              <a:t>设备摆放方案</a:t>
+              <a:t>年</a:t>
+            </a:r>
+            <a:r>
+              <a:rPr lang="en-US" altLang="zh-CN" dirty="0"/>
+              <a:t>4</a:t>
+            </a:r>
+            <a:r>
+              <a:rPr lang="zh-CN" altLang="en-US" dirty="0"/>
+              <a:t>月公开</a:t>
+            </a:r>
+            <a:r>
+              <a:rPr lang="en-US" altLang="zh-CN" dirty="0"/>
+              <a:t>Facebook</a:t>
+            </a:r>
+            <a:r>
+              <a:rPr lang="zh-CN" altLang="en-US" dirty="0"/>
+              <a:t>的数据中心设计方案</a:t>
             </a:r>
             <a:endParaRPr lang="en-US" altLang="zh-CN" dirty="0"/>
           </a:p>
@@ -6020,49 +7019,19 @@
             <a:pPr lvl="1"/>
             <a:r>
               <a:rPr lang="en-US" altLang="zh-CN" dirty="0"/>
-              <a:t>… …</a:t>
-            </a:r>
-          </a:p>
-          <a:p>
+              <a:t>OCP</a:t>
+            </a:r>
             <a:r>
               <a:rPr lang="zh-CN" altLang="en-US" dirty="0"/>
-              <a:t>数据中心软件</a:t>
-            </a:r>
-            <a:endParaRPr lang="en-US" altLang="zh-CN" dirty="0"/>
-          </a:p>
-          <a:p>
-            <a:pPr lvl="1"/>
-            <a:r>
-              <a:rPr lang="zh-CN" altLang="en-US" dirty="0"/>
-              <a:t>平台管理软件</a:t>
-            </a:r>
-            <a:endParaRPr lang="en-US" altLang="zh-CN" dirty="0"/>
-          </a:p>
-          <a:p>
-            <a:pPr lvl="1"/>
-            <a:r>
-              <a:rPr lang="zh-CN" altLang="en-US" dirty="0"/>
-              <a:t>驱动</a:t>
-            </a:r>
-            <a:endParaRPr lang="en-US" altLang="zh-CN" dirty="0"/>
-          </a:p>
-          <a:p>
-            <a:pPr lvl="1"/>
-            <a:r>
-              <a:rPr lang="en-US" altLang="zh-CN" dirty="0"/>
-              <a:t>… …</a:t>
-            </a:r>
-          </a:p>
-          <a:p>
-            <a:pPr lvl="1"/>
-            <a:endParaRPr lang="zh-CN" altLang="en-US" dirty="0"/>
+              <a:t>组织成立</a:t>
+            </a:r>
           </a:p>
         </p:txBody>
       </p:sp>
     </p:spTree>
     <p:extLst>
       <p:ext uri="{BB962C8B-B14F-4D97-AF65-F5344CB8AC3E}">
-        <p14:creationId xmlns:p14="http://schemas.microsoft.com/office/powerpoint/2010/main" val="2866231135"/>
+        <p14:creationId xmlns:p14="http://schemas.microsoft.com/office/powerpoint/2010/main" val="899677926"/>
       </p:ext>
     </p:extLst>
   </p:cSld>
@@ -6094,6 +7063,188 @@
           <p:cNvPr id="2" name="标题 1">
             <a:extLst>
               <a:ext uri="{FF2B5EF4-FFF2-40B4-BE49-F238E27FC236}">
+                <a16:creationId xmlns:a16="http://schemas.microsoft.com/office/drawing/2014/main" id="{BE465CFC-FB7B-4DF6-AA80-B3156B8B5989}"/>
+              </a:ext>
+            </a:extLst>
+          </p:cNvPr>
+          <p:cNvSpPr>
+            <a:spLocks noGrp="1"/>
+          </p:cNvSpPr>
+          <p:nvPr>
+            <p:ph type="title"/>
+          </p:nvPr>
+        </p:nvSpPr>
+        <p:spPr/>
+        <p:txBody>
+          <a:bodyPr/>
+          <a:lstStyle/>
+          <a:p>
+            <a:r>
+              <a:rPr lang="en-US" altLang="zh-CN" dirty="0"/>
+              <a:t>OCP</a:t>
+            </a:r>
+            <a:r>
+              <a:rPr lang="zh-CN" altLang="en-US" dirty="0"/>
+              <a:t>的项目内容</a:t>
+            </a:r>
+          </a:p>
+        </p:txBody>
+      </p:sp>
+      <p:sp>
+        <p:nvSpPr>
+          <p:cNvPr id="3" name="内容占位符 2">
+            <a:extLst>
+              <a:ext uri="{FF2B5EF4-FFF2-40B4-BE49-F238E27FC236}">
+                <a16:creationId xmlns:a16="http://schemas.microsoft.com/office/drawing/2014/main" id="{DBAADD74-03F4-46ED-B04D-BC64E339DF0F}"/>
+              </a:ext>
+            </a:extLst>
+          </p:cNvPr>
+          <p:cNvSpPr>
+            <a:spLocks noGrp="1"/>
+          </p:cNvSpPr>
+          <p:nvPr>
+            <p:ph idx="1"/>
+          </p:nvPr>
+        </p:nvSpPr>
+        <p:spPr/>
+        <p:txBody>
+          <a:bodyPr>
+            <a:normAutofit fontScale="92500" lnSpcReduction="20000"/>
+          </a:bodyPr>
+          <a:lstStyle/>
+          <a:p>
+            <a:r>
+              <a:rPr lang="zh-CN" altLang="en-US" dirty="0"/>
+              <a:t>数据中心硬件</a:t>
+            </a:r>
+            <a:endParaRPr lang="en-US" altLang="zh-CN" dirty="0"/>
+          </a:p>
+          <a:p>
+            <a:pPr lvl="1"/>
+            <a:r>
+              <a:rPr lang="zh-CN" altLang="en-US" dirty="0"/>
+              <a:t>计算设备</a:t>
+            </a:r>
+            <a:endParaRPr lang="en-US" altLang="zh-CN" dirty="0"/>
+          </a:p>
+          <a:p>
+            <a:pPr lvl="1"/>
+            <a:r>
+              <a:rPr lang="zh-CN" altLang="en-US" dirty="0"/>
+              <a:t>交换设备</a:t>
+            </a:r>
+            <a:endParaRPr lang="en-US" altLang="zh-CN" dirty="0"/>
+          </a:p>
+          <a:p>
+            <a:pPr lvl="1"/>
+            <a:r>
+              <a:rPr lang="zh-CN" altLang="en-US" dirty="0"/>
+              <a:t>存储设备</a:t>
+            </a:r>
+            <a:endParaRPr lang="en-US" altLang="zh-CN" dirty="0"/>
+          </a:p>
+          <a:p>
+            <a:pPr lvl="1"/>
+            <a:r>
+              <a:rPr lang="zh-CN" altLang="en-US" dirty="0"/>
+              <a:t>供电设备</a:t>
+            </a:r>
+            <a:endParaRPr lang="en-US" altLang="zh-CN" dirty="0"/>
+          </a:p>
+          <a:p>
+            <a:pPr lvl="1"/>
+            <a:r>
+              <a:rPr lang="zh-CN" altLang="en-US" dirty="0"/>
+              <a:t>机架设计方案</a:t>
+            </a:r>
+            <a:endParaRPr lang="en-US" altLang="zh-CN" dirty="0"/>
+          </a:p>
+          <a:p>
+            <a:pPr lvl="1"/>
+            <a:r>
+              <a:rPr lang="zh-CN" altLang="en-US" dirty="0"/>
+              <a:t>设备摆放方案</a:t>
+            </a:r>
+            <a:endParaRPr lang="en-US" altLang="zh-CN" dirty="0"/>
+          </a:p>
+          <a:p>
+            <a:pPr lvl="1"/>
+            <a:r>
+              <a:rPr lang="en-US" altLang="zh-CN" dirty="0"/>
+              <a:t>… …</a:t>
+            </a:r>
+          </a:p>
+          <a:p>
+            <a:r>
+              <a:rPr lang="zh-CN" altLang="en-US" dirty="0"/>
+              <a:t>数据中心软件</a:t>
+            </a:r>
+            <a:endParaRPr lang="en-US" altLang="zh-CN" dirty="0"/>
+          </a:p>
+          <a:p>
+            <a:pPr lvl="1"/>
+            <a:r>
+              <a:rPr lang="zh-CN" altLang="en-US" dirty="0"/>
+              <a:t>平台管理软件</a:t>
+            </a:r>
+            <a:endParaRPr lang="en-US" altLang="zh-CN" dirty="0"/>
+          </a:p>
+          <a:p>
+            <a:pPr lvl="1"/>
+            <a:r>
+              <a:rPr lang="zh-CN" altLang="en-US" dirty="0"/>
+              <a:t>驱动</a:t>
+            </a:r>
+            <a:endParaRPr lang="en-US" altLang="zh-CN" dirty="0"/>
+          </a:p>
+          <a:p>
+            <a:pPr lvl="1"/>
+            <a:r>
+              <a:rPr lang="en-US" altLang="zh-CN" dirty="0"/>
+              <a:t>… …</a:t>
+            </a:r>
+          </a:p>
+          <a:p>
+            <a:pPr lvl="1"/>
+            <a:endParaRPr lang="zh-CN" altLang="en-US" dirty="0"/>
+          </a:p>
+        </p:txBody>
+      </p:sp>
+    </p:spTree>
+    <p:extLst>
+      <p:ext uri="{BB962C8B-B14F-4D97-AF65-F5344CB8AC3E}">
+        <p14:creationId xmlns:p14="http://schemas.microsoft.com/office/powerpoint/2010/main" val="2866231135"/>
+      </p:ext>
+    </p:extLst>
+  </p:cSld>
+  <p:clrMapOvr>
+    <a:masterClrMapping/>
+  </p:clrMapOvr>
+</p:sld>
+</file>
+
+<file path=ppt/slides/slide6.xml><?xml version="1.0" encoding="utf-8"?>
+<p:sld xmlns:a="http://schemas.openxmlformats.org/drawingml/2006/main" xmlns:r="http://schemas.openxmlformats.org/officeDocument/2006/relationships" xmlns:p="http://schemas.openxmlformats.org/presentationml/2006/main">
+  <p:cSld>
+    <p:spTree>
+      <p:nvGrpSpPr>
+        <p:cNvPr id="1" name=""/>
+        <p:cNvGrpSpPr/>
+        <p:nvPr/>
+      </p:nvGrpSpPr>
+      <p:grpSpPr>
+        <a:xfrm>
+          <a:off x="0" y="0"/>
+          <a:ext cx="0" cy="0"/>
+          <a:chOff x="0" y="0"/>
+          <a:chExt cx="0" cy="0"/>
+        </a:xfrm>
+      </p:grpSpPr>
+      <p:sp>
+        <p:nvSpPr>
+          <p:cNvPr id="2" name="标题 1">
+            <a:extLst>
+              <a:ext uri="{FF2B5EF4-FFF2-40B4-BE49-F238E27FC236}">
                 <a16:creationId xmlns:a16="http://schemas.microsoft.com/office/drawing/2014/main" id="{6861F7FA-4566-4097-9F1A-B93B4DFD7CD5}"/>
               </a:ext>
             </a:extLst>
@@ -6175,7 +7326,7 @@
 </p:sld>
 </file>
 
-<file path=ppt/slides/slide6.xml><?xml version="1.0" encoding="utf-8"?>
+<file path=ppt/slides/slide7.xml><?xml version="1.0" encoding="utf-8"?>
 <p:sld xmlns:a="http://schemas.openxmlformats.org/drawingml/2006/main" xmlns:r="http://schemas.openxmlformats.org/officeDocument/2006/relationships" xmlns:p="http://schemas.openxmlformats.org/presentationml/2006/main">
   <p:cSld>
     <p:spTree>
@@ -6365,7 +7516,7 @@
 </p:sld>
 </file>
 
-<file path=ppt/slides/slide7.xml><?xml version="1.0" encoding="utf-8"?>
+<file path=ppt/slides/slide8.xml><?xml version="1.0" encoding="utf-8"?>
 <p:sld xmlns:a="http://schemas.openxmlformats.org/drawingml/2006/main" xmlns:r="http://schemas.openxmlformats.org/officeDocument/2006/relationships" xmlns:p="http://schemas.openxmlformats.org/presentationml/2006/main">
   <p:cSld>
     <p:spTree>
@@ -6701,100 +7852,6 @@
 </p:sld>
 </file>
 
-<file path=ppt/slides/slide8.xml><?xml version="1.0" encoding="utf-8"?>
-<p:sld xmlns:a="http://schemas.openxmlformats.org/drawingml/2006/main" xmlns:r="http://schemas.openxmlformats.org/officeDocument/2006/relationships" xmlns:p="http://schemas.openxmlformats.org/presentationml/2006/main">
-  <p:cSld>
-    <p:spTree>
-      <p:nvGrpSpPr>
-        <p:cNvPr id="1" name=""/>
-        <p:cNvGrpSpPr/>
-        <p:nvPr/>
-      </p:nvGrpSpPr>
-      <p:grpSpPr>
-        <a:xfrm>
-          <a:off x="0" y="0"/>
-          <a:ext cx="0" cy="0"/>
-          <a:chOff x="0" y="0"/>
-          <a:chExt cx="0" cy="0"/>
-        </a:xfrm>
-      </p:grpSpPr>
-      <p:sp>
-        <p:nvSpPr>
-          <p:cNvPr id="2" name="标题 1">
-            <a:extLst>
-              <a:ext uri="{FF2B5EF4-FFF2-40B4-BE49-F238E27FC236}">
-                <a16:creationId xmlns:a16="http://schemas.microsoft.com/office/drawing/2014/main" id="{F0183298-C391-4166-B44C-86B34C91BA72}"/>
-              </a:ext>
-            </a:extLst>
-          </p:cNvPr>
-          <p:cNvSpPr>
-            <a:spLocks noGrp="1"/>
-          </p:cNvSpPr>
-          <p:nvPr>
-            <p:ph type="title"/>
-          </p:nvPr>
-        </p:nvSpPr>
-        <p:spPr/>
-        <p:txBody>
-          <a:bodyPr/>
-          <a:lstStyle/>
-          <a:p>
-            <a:r>
-              <a:rPr lang="en-US" altLang="zh-CN" dirty="0"/>
-              <a:t>After CORD——</a:t>
-            </a:r>
-            <a:br>
-              <a:rPr lang="en-US" altLang="zh-CN" dirty="0"/>
-            </a:br>
-            <a:r>
-              <a:rPr lang="en-US" altLang="zh-CN" dirty="0"/>
-              <a:t>TIP(Telecom Infra Project)</a:t>
-            </a:r>
-            <a:endParaRPr lang="zh-CN" altLang="en-US" dirty="0"/>
-          </a:p>
-        </p:txBody>
-      </p:sp>
-      <p:sp>
-        <p:nvSpPr>
-          <p:cNvPr id="3" name="文本占位符 2">
-            <a:extLst>
-              <a:ext uri="{FF2B5EF4-FFF2-40B4-BE49-F238E27FC236}">
-                <a16:creationId xmlns:a16="http://schemas.microsoft.com/office/drawing/2014/main" id="{E6ADE3EC-3D0A-4A72-8A77-D9B41FFCBF72}"/>
-              </a:ext>
-            </a:extLst>
-          </p:cNvPr>
-          <p:cNvSpPr>
-            <a:spLocks noGrp="1"/>
-          </p:cNvSpPr>
-          <p:nvPr>
-            <p:ph type="body" idx="1"/>
-          </p:nvPr>
-        </p:nvSpPr>
-        <p:spPr/>
-        <p:txBody>
-          <a:bodyPr/>
-          <a:lstStyle/>
-          <a:p>
-            <a:r>
-              <a:rPr lang="zh-CN" altLang="en-US" dirty="0"/>
-              <a:t>统一运营商网络硬件</a:t>
-            </a:r>
-          </a:p>
-        </p:txBody>
-      </p:sp>
-    </p:spTree>
-    <p:extLst>
-      <p:ext uri="{BB962C8B-B14F-4D97-AF65-F5344CB8AC3E}">
-        <p14:creationId xmlns:p14="http://schemas.microsoft.com/office/powerpoint/2010/main" val="2698074053"/>
-      </p:ext>
-    </p:extLst>
-  </p:cSld>
-  <p:clrMapOvr>
-    <a:masterClrMapping/>
-  </p:clrMapOvr>
-</p:sld>
-</file>
-
 <file path=ppt/slides/slide9.xml><?xml version="1.0" encoding="utf-8"?>
 <p:sld xmlns:a="http://schemas.openxmlformats.org/drawingml/2006/main" xmlns:r="http://schemas.openxmlformats.org/officeDocument/2006/relationships" xmlns:p="http://schemas.openxmlformats.org/presentationml/2006/main">
   <p:cSld>
@@ -6817,7 +7874,7 @@
           <p:cNvPr id="2" name="标题 1">
             <a:extLst>
               <a:ext uri="{FF2B5EF4-FFF2-40B4-BE49-F238E27FC236}">
-                <a16:creationId xmlns:a16="http://schemas.microsoft.com/office/drawing/2014/main" id="{BE465CFC-FB7B-4DF6-AA80-B3156B8B5989}"/>
+                <a16:creationId xmlns:a16="http://schemas.microsoft.com/office/drawing/2014/main" id="{F0183298-C391-4166-B44C-86B34C91BA72}"/>
               </a:ext>
             </a:extLst>
           </p:cNvPr>
@@ -6835,21 +7892,25 @@
           <a:p>
             <a:r>
               <a:rPr lang="en-US" altLang="zh-CN" dirty="0"/>
-              <a:t>TIP</a:t>
-            </a:r>
-            <a:r>
-              <a:rPr lang="zh-CN" altLang="en-US" dirty="0"/>
-              <a:t>项目思路</a:t>
-            </a:r>
-          </a:p>
-        </p:txBody>
-      </p:sp>
-      <p:sp>
-        <p:nvSpPr>
-          <p:cNvPr id="3" name="内容占位符 2">
+              <a:t>After CORD——</a:t>
+            </a:r>
+            <a:br>
+              <a:rPr lang="en-US" altLang="zh-CN" dirty="0"/>
+            </a:br>
+            <a:r>
+              <a:rPr lang="en-US" altLang="zh-CN" dirty="0"/>
+              <a:t>TIP(Telecom Infra Project)</a:t>
+            </a:r>
+            <a:endParaRPr lang="zh-CN" altLang="en-US" dirty="0"/>
+          </a:p>
+        </p:txBody>
+      </p:sp>
+      <p:sp>
+        <p:nvSpPr>
+          <p:cNvPr id="3" name="文本占位符 2">
             <a:extLst>
               <a:ext uri="{FF2B5EF4-FFF2-40B4-BE49-F238E27FC236}">
-                <a16:creationId xmlns:a16="http://schemas.microsoft.com/office/drawing/2014/main" id="{DBAADD74-03F4-46ED-B04D-BC64E339DF0F}"/>
+                <a16:creationId xmlns:a16="http://schemas.microsoft.com/office/drawing/2014/main" id="{E6ADE3EC-3D0A-4A72-8A77-D9B41FFCBF72}"/>
               </a:ext>
             </a:extLst>
           </p:cNvPr>
@@ -6857,102 +7918,25 @@
             <a:spLocks noGrp="1"/>
           </p:cNvSpPr>
           <p:nvPr>
-            <p:ph idx="1"/>
+            <p:ph type="body" idx="1"/>
           </p:nvPr>
         </p:nvSpPr>
         <p:spPr/>
         <p:txBody>
-          <a:bodyPr>
-            <a:normAutofit/>
-          </a:bodyPr>
+          <a:bodyPr/>
           <a:lstStyle/>
           <a:p>
             <a:r>
               <a:rPr lang="zh-CN" altLang="en-US" dirty="0"/>
-              <a:t>问题：</a:t>
-            </a:r>
-            <a:r>
-              <a:rPr lang="en-US" altLang="zh-CN" dirty="0"/>
-              <a:t>CORD</a:t>
-            </a:r>
-            <a:r>
-              <a:rPr lang="zh-CN" altLang="en-US" dirty="0"/>
-              <a:t>只能统一运营商机房</a:t>
-            </a:r>
-            <a:endParaRPr lang="en-US" altLang="zh-CN" dirty="0"/>
-          </a:p>
-          <a:p>
-            <a:pPr lvl="1"/>
-            <a:r>
-              <a:rPr lang="zh-CN" altLang="en-US" dirty="0"/>
-              <a:t>在运营商机房之外，移动运营商还有许多无线硬件没有统一</a:t>
-            </a:r>
-            <a:endParaRPr lang="en-US" altLang="zh-CN" dirty="0"/>
-          </a:p>
-          <a:p>
-            <a:pPr lvl="1"/>
-            <a:r>
-              <a:rPr lang="en-US" altLang="zh-CN" dirty="0"/>
-              <a:t>… …</a:t>
-            </a:r>
-          </a:p>
-          <a:p>
-            <a:r>
-              <a:rPr lang="zh-CN" altLang="en-US" dirty="0"/>
-              <a:t>解决问题：开源</a:t>
-            </a:r>
-            <a:r>
-              <a:rPr lang="en-US" altLang="zh-CN" dirty="0"/>
-              <a:t>CORD</a:t>
-            </a:r>
-            <a:r>
-              <a:rPr lang="zh-CN" altLang="en-US" dirty="0"/>
-              <a:t>统一不了的运营商硬件</a:t>
-            </a:r>
-            <a:endParaRPr lang="en-US" altLang="zh-CN" dirty="0"/>
-          </a:p>
-        </p:txBody>
-      </p:sp>
-      <p:pic>
-        <p:nvPicPr>
-          <p:cNvPr id="6" name="图片 5">
-            <a:extLst>
-              <a:ext uri="{FF2B5EF4-FFF2-40B4-BE49-F238E27FC236}">
-                <a16:creationId xmlns:a16="http://schemas.microsoft.com/office/drawing/2014/main" id="{B8DDAF2B-6DE9-470C-93BB-2AF04EABCA15}"/>
-              </a:ext>
-            </a:extLst>
-          </p:cNvPr>
-          <p:cNvPicPr>
-            <a:picLocks noChangeAspect="1"/>
-          </p:cNvPicPr>
-          <p:nvPr/>
-        </p:nvPicPr>
-        <p:blipFill>
-          <a:blip r:embed="rId2">
-            <a:extLst>
-              <a:ext uri="{28A0092B-C50C-407E-A947-70E740481C1C}">
-                <a14:useLocalDpi xmlns:a14="http://schemas.microsoft.com/office/drawing/2010/main" val="0"/>
-              </a:ext>
-            </a:extLst>
-          </a:blip>
-          <a:stretch>
-            <a:fillRect/>
-          </a:stretch>
-        </p:blipFill>
-        <p:spPr>
-          <a:xfrm>
-            <a:off x="733387" y="4001294"/>
-            <a:ext cx="10620413" cy="1929721"/>
-          </a:xfrm>
-          <a:prstGeom prst="rect">
-            <a:avLst/>
-          </a:prstGeom>
-        </p:spPr>
-      </p:pic>
+              <a:t>统一运营商网络硬件</a:t>
+            </a:r>
+          </a:p>
+        </p:txBody>
+      </p:sp>
     </p:spTree>
     <p:extLst>
       <p:ext uri="{BB962C8B-B14F-4D97-AF65-F5344CB8AC3E}">
-        <p14:creationId xmlns:p14="http://schemas.microsoft.com/office/powerpoint/2010/main" val="3480843717"/>
+        <p14:creationId xmlns:p14="http://schemas.microsoft.com/office/powerpoint/2010/main" val="2698074053"/>
       </p:ext>
     </p:extLst>
   </p:cSld>
@@ -7248,4 +8232,299 @@
     </a:ext>
   </a:extLst>
 </a:theme>
+</file>
+
+<file path=ppt/theme/theme2.xml><?xml version="1.0" encoding="utf-8"?>
+<a:theme xmlns:a="http://schemas.openxmlformats.org/drawingml/2006/main" name="Office 主题​​">
+  <a:themeElements>
+    <a:clrScheme name="Office">
+      <a:dk1>
+        <a:sysClr val="windowText" lastClr="000000"/>
+      </a:dk1>
+      <a:lt1>
+        <a:sysClr val="window" lastClr="FFFFFF"/>
+      </a:lt1>
+      <a:dk2>
+        <a:srgbClr val="44546A"/>
+      </a:dk2>
+      <a:lt2>
+        <a:srgbClr val="E7E6E6"/>
+      </a:lt2>
+      <a:accent1>
+        <a:srgbClr val="4472C4"/>
+      </a:accent1>
+      <a:accent2>
+        <a:srgbClr val="ED7D31"/>
+      </a:accent2>
+      <a:accent3>
+        <a:srgbClr val="A5A5A5"/>
+      </a:accent3>
+      <a:accent4>
+        <a:srgbClr val="FFC000"/>
+      </a:accent4>
+      <a:accent5>
+        <a:srgbClr val="5B9BD5"/>
+      </a:accent5>
+      <a:accent6>
+        <a:srgbClr val="70AD47"/>
+      </a:accent6>
+      <a:hlink>
+        <a:srgbClr val="0563C1"/>
+      </a:hlink>
+      <a:folHlink>
+        <a:srgbClr val="954F72"/>
+      </a:folHlink>
+    </a:clrScheme>
+    <a:fontScheme name="Office">
+      <a:majorFont>
+        <a:latin typeface="等线 Light" panose="020F0302020204030204"/>
+        <a:ea typeface=""/>
+        <a:cs typeface=""/>
+        <a:font script="Jpan" typeface="游ゴシック Light"/>
+        <a:font script="Hang" typeface="맑은 고딕"/>
+        <a:font script="Hans" typeface="等线 Light"/>
+        <a:font script="Hant" typeface="新細明體"/>
+        <a:font script="Arab" typeface="Times New Roman"/>
+        <a:font script="Hebr" typeface="Times New Roman"/>
+        <a:font script="Thai" typeface="Angsana New"/>
+        <a:font script="Ethi" typeface="Nyala"/>
+        <a:font script="Beng" typeface="Vrinda"/>
+        <a:font script="Gujr" typeface="Shruti"/>
+        <a:font script="Khmr" typeface="MoolBoran"/>
+        <a:font script="Knda" typeface="Tunga"/>
+        <a:font script="Guru" typeface="Raavi"/>
+        <a:font script="Cans" typeface="Euphemia"/>
+        <a:font script="Cher" typeface="Plantagenet Cherokee"/>
+        <a:font script="Yiii" typeface="Microsoft Yi Baiti"/>
+        <a:font script="Tibt" typeface="Microsoft Himalaya"/>
+        <a:font script="Thaa" typeface="MV Boli"/>
+        <a:font script="Deva" typeface="Mangal"/>
+        <a:font script="Telu" typeface="Gautami"/>
+        <a:font script="Taml" typeface="Latha"/>
+        <a:font script="Syrc" typeface="Estrangelo Edessa"/>
+        <a:font script="Orya" typeface="Kalinga"/>
+        <a:font script="Mlym" typeface="Kartika"/>
+        <a:font script="Laoo" typeface="DokChampa"/>
+        <a:font script="Sinh" typeface="Iskoola Pota"/>
+        <a:font script="Mong" typeface="Mongolian Baiti"/>
+        <a:font script="Viet" typeface="Times New Roman"/>
+        <a:font script="Uigh" typeface="Microsoft Uighur"/>
+        <a:font script="Geor" typeface="Sylfaen"/>
+        <a:font script="Armn" typeface="Arial"/>
+        <a:font script="Bugi" typeface="Leelawadee UI"/>
+        <a:font script="Bopo" typeface="Microsoft JhengHei"/>
+        <a:font script="Java" typeface="Javanese Text"/>
+        <a:font script="Lisu" typeface="Segoe UI"/>
+        <a:font script="Mymr" typeface="Myanmar Text"/>
+        <a:font script="Nkoo" typeface="Ebrima"/>
+        <a:font script="Olck" typeface="Nirmala UI"/>
+        <a:font script="Osma" typeface="Ebrima"/>
+        <a:font script="Phag" typeface="Phagspa"/>
+        <a:font script="Syrn" typeface="Estrangelo Edessa"/>
+        <a:font script="Syrj" typeface="Estrangelo Edessa"/>
+        <a:font script="Syre" typeface="Estrangelo Edessa"/>
+        <a:font script="Sora" typeface="Nirmala UI"/>
+        <a:font script="Tale" typeface="Microsoft Tai Le"/>
+        <a:font script="Talu" typeface="Microsoft New Tai Lue"/>
+        <a:font script="Tfng" typeface="Ebrima"/>
+      </a:majorFont>
+      <a:minorFont>
+        <a:latin typeface="等线" panose="020F0502020204030204"/>
+        <a:ea typeface=""/>
+        <a:cs typeface=""/>
+        <a:font script="Jpan" typeface="游ゴシック"/>
+        <a:font script="Hang" typeface="맑은 고딕"/>
+        <a:font script="Hans" typeface="等线"/>
+        <a:font script="Hant" typeface="新細明體"/>
+        <a:font script="Arab" typeface="Arial"/>
+        <a:font script="Hebr" typeface="Arial"/>
+        <a:font script="Thai" typeface="Cordia New"/>
+        <a:font script="Ethi" typeface="Nyala"/>
+        <a:font script="Beng" typeface="Vrinda"/>
+        <a:font script="Gujr" typeface="Shruti"/>
+        <a:font script="Khmr" typeface="DaunPenh"/>
+        <a:font script="Knda" typeface="Tunga"/>
+        <a:font script="Guru" typeface="Raavi"/>
+        <a:font script="Cans" typeface="Euphemia"/>
+        <a:font script="Cher" typeface="Plantagenet Cherokee"/>
+        <a:font script="Yiii" typeface="Microsoft Yi Baiti"/>
+        <a:font script="Tibt" typeface="Microsoft Himalaya"/>
+        <a:font script="Thaa" typeface="MV Boli"/>
+        <a:font script="Deva" typeface="Mangal"/>
+        <a:font script="Telu" typeface="Gautami"/>
+        <a:font script="Taml" typeface="Latha"/>
+        <a:font script="Syrc" typeface="Estrangelo Edessa"/>
+        <a:font script="Orya" typeface="Kalinga"/>
+        <a:font script="Mlym" typeface="Kartika"/>
+        <a:font script="Laoo" typeface="DokChampa"/>
+        <a:font script="Sinh" typeface="Iskoola Pota"/>
+        <a:font script="Mong" typeface="Mongolian Baiti"/>
+        <a:font script="Viet" typeface="Arial"/>
+        <a:font script="Uigh" typeface="Microsoft Uighur"/>
+        <a:font script="Geor" typeface="Sylfaen"/>
+        <a:font script="Armn" typeface="Arial"/>
+        <a:font script="Bugi" typeface="Leelawadee UI"/>
+        <a:font script="Bopo" typeface="Microsoft JhengHei"/>
+        <a:font script="Java" typeface="Javanese Text"/>
+        <a:font script="Lisu" typeface="Segoe UI"/>
+        <a:font script="Mymr" typeface="Myanmar Text"/>
+        <a:font script="Nkoo" typeface="Ebrima"/>
+        <a:font script="Olck" typeface="Nirmala UI"/>
+        <a:font script="Osma" typeface="Ebrima"/>
+        <a:font script="Phag" typeface="Phagspa"/>
+        <a:font script="Syrn" typeface="Estrangelo Edessa"/>
+        <a:font script="Syrj" typeface="Estrangelo Edessa"/>
+        <a:font script="Syre" typeface="Estrangelo Edessa"/>
+        <a:font script="Sora" typeface="Nirmala UI"/>
+        <a:font script="Tale" typeface="Microsoft Tai Le"/>
+        <a:font script="Talu" typeface="Microsoft New Tai Lue"/>
+        <a:font script="Tfng" typeface="Ebrima"/>
+      </a:minorFont>
+    </a:fontScheme>
+    <a:fmtScheme name="Office">
+      <a:fillStyleLst>
+        <a:solidFill>
+          <a:schemeClr val="phClr"/>
+        </a:solidFill>
+        <a:gradFill rotWithShape="1">
+          <a:gsLst>
+            <a:gs pos="0">
+              <a:schemeClr val="phClr">
+                <a:lumMod val="110000"/>
+                <a:satMod val="105000"/>
+                <a:tint val="67000"/>
+              </a:schemeClr>
+            </a:gs>
+            <a:gs pos="50000">
+              <a:schemeClr val="phClr">
+                <a:lumMod val="105000"/>
+                <a:satMod val="103000"/>
+                <a:tint val="73000"/>
+              </a:schemeClr>
+            </a:gs>
+            <a:gs pos="100000">
+              <a:schemeClr val="phClr">
+                <a:lumMod val="105000"/>
+                <a:satMod val="109000"/>
+                <a:tint val="81000"/>
+              </a:schemeClr>
+            </a:gs>
+          </a:gsLst>
+          <a:lin ang="5400000" scaled="0"/>
+        </a:gradFill>
+        <a:gradFill rotWithShape="1">
+          <a:gsLst>
+            <a:gs pos="0">
+              <a:schemeClr val="phClr">
+                <a:satMod val="103000"/>
+                <a:lumMod val="102000"/>
+                <a:tint val="94000"/>
+              </a:schemeClr>
+            </a:gs>
+            <a:gs pos="50000">
+              <a:schemeClr val="phClr">
+                <a:satMod val="110000"/>
+                <a:lumMod val="100000"/>
+                <a:shade val="100000"/>
+              </a:schemeClr>
+            </a:gs>
+            <a:gs pos="100000">
+              <a:schemeClr val="phClr">
+                <a:lumMod val="99000"/>
+                <a:satMod val="120000"/>
+                <a:shade val="78000"/>
+              </a:schemeClr>
+            </a:gs>
+          </a:gsLst>
+          <a:lin ang="5400000" scaled="0"/>
+        </a:gradFill>
+      </a:fillStyleLst>
+      <a:lnStyleLst>
+        <a:ln w="6350" cap="flat" cmpd="sng" algn="ctr">
+          <a:solidFill>
+            <a:schemeClr val="phClr"/>
+          </a:solidFill>
+          <a:prstDash val="solid"/>
+          <a:miter lim="800000"/>
+        </a:ln>
+        <a:ln w="12700" cap="flat" cmpd="sng" algn="ctr">
+          <a:solidFill>
+            <a:schemeClr val="phClr"/>
+          </a:solidFill>
+          <a:prstDash val="solid"/>
+          <a:miter lim="800000"/>
+        </a:ln>
+        <a:ln w="19050" cap="flat" cmpd="sng" algn="ctr">
+          <a:solidFill>
+            <a:schemeClr val="phClr"/>
+          </a:solidFill>
+          <a:prstDash val="solid"/>
+          <a:miter lim="800000"/>
+        </a:ln>
+      </a:lnStyleLst>
+      <a:effectStyleLst>
+        <a:effectStyle>
+          <a:effectLst/>
+        </a:effectStyle>
+        <a:effectStyle>
+          <a:effectLst/>
+        </a:effectStyle>
+        <a:effectStyle>
+          <a:effectLst>
+            <a:outerShdw blurRad="57150" dist="19050" dir="5400000" algn="ctr" rotWithShape="0">
+              <a:srgbClr val="000000">
+                <a:alpha val="63000"/>
+              </a:srgbClr>
+            </a:outerShdw>
+          </a:effectLst>
+        </a:effectStyle>
+      </a:effectStyleLst>
+      <a:bgFillStyleLst>
+        <a:solidFill>
+          <a:schemeClr val="phClr"/>
+        </a:solidFill>
+        <a:solidFill>
+          <a:schemeClr val="phClr">
+            <a:tint val="95000"/>
+            <a:satMod val="170000"/>
+          </a:schemeClr>
+        </a:solidFill>
+        <a:gradFill rotWithShape="1">
+          <a:gsLst>
+            <a:gs pos="0">
+              <a:schemeClr val="phClr">
+                <a:tint val="93000"/>
+                <a:satMod val="150000"/>
+                <a:shade val="98000"/>
+                <a:lumMod val="102000"/>
+              </a:schemeClr>
+            </a:gs>
+            <a:gs pos="50000">
+              <a:schemeClr val="phClr">
+                <a:tint val="98000"/>
+                <a:satMod val="130000"/>
+                <a:shade val="90000"/>
+                <a:lumMod val="103000"/>
+              </a:schemeClr>
+            </a:gs>
+            <a:gs pos="100000">
+              <a:schemeClr val="phClr">
+                <a:shade val="63000"/>
+                <a:satMod val="120000"/>
+              </a:schemeClr>
+            </a:gs>
+          </a:gsLst>
+          <a:lin ang="5400000" scaled="0"/>
+        </a:gradFill>
+      </a:bgFillStyleLst>
+    </a:fmtScheme>
+  </a:themeElements>
+  <a:objectDefaults/>
+  <a:extraClrSchemeLst/>
+  <a:extLst>
+    <a:ext uri="{05A4C25C-085E-4340-85A3-A5531E510DB2}">
+      <thm15:themeFamily xmlns:thm15="http://schemas.microsoft.com/office/thememl/2012/main" name="Office Theme" id="{62F939B6-93AF-4DB8-9C6B-D6C7DFDC589F}" vid="{4A3C46E8-61CC-4603-A589-7422A47A8E4A}"/>
+    </a:ext>
+  </a:extLst>
+</a:theme>
 </file>